--- a/statistics/decomplexes-et-texttokids.pptx
+++ b/statistics/decomplexes-et-texttokids.pptx
@@ -4,6 +4,9 @@
   <p:sldMasterIdLst>
     <p:sldMasterId id="2147483876" r:id="rId1"/>
   </p:sldMasterIdLst>
+  <p:notesMasterIdLst>
+    <p:notesMasterId r:id="rId27"/>
+  </p:notesMasterIdLst>
   <p:sldIdLst>
     <p:sldId id="256" r:id="rId2"/>
     <p:sldId id="257" r:id="rId3"/>
@@ -21,9 +24,15 @@
     <p:sldId id="269" r:id="rId15"/>
     <p:sldId id="270" r:id="rId16"/>
     <p:sldId id="272" r:id="rId17"/>
-    <p:sldId id="271" r:id="rId18"/>
-    <p:sldId id="273" r:id="rId19"/>
-    <p:sldId id="274" r:id="rId20"/>
+    <p:sldId id="275" r:id="rId18"/>
+    <p:sldId id="271" r:id="rId19"/>
+    <p:sldId id="273" r:id="rId20"/>
+    <p:sldId id="274" r:id="rId21"/>
+    <p:sldId id="276" r:id="rId22"/>
+    <p:sldId id="279" r:id="rId23"/>
+    <p:sldId id="277" r:id="rId24"/>
+    <p:sldId id="278" r:id="rId25"/>
+    <p:sldId id="280" r:id="rId26"/>
   </p:sldIdLst>
   <p:sldSz cx="12192000" cy="6858000"/>
   <p:notesSz cx="6858000" cy="9144000"/>
@@ -130,6 +139,452 @@
 </p:presentation>
 </file>
 
+<file path=ppt/notesMasters/notesMaster1.xml><?xml version="1.0" encoding="utf-8"?>
+<p:notesMaster xmlns:a="http://schemas.openxmlformats.org/drawingml/2006/main" xmlns:r="http://schemas.openxmlformats.org/officeDocument/2006/relationships" xmlns:p="http://schemas.openxmlformats.org/presentationml/2006/main">
+  <p:cSld>
+    <p:bg>
+      <p:bgRef idx="1001">
+        <a:schemeClr val="bg1"/>
+      </p:bgRef>
+    </p:bg>
+    <p:spTree>
+      <p:nvGrpSpPr>
+        <p:cNvPr id="1" name=""/>
+        <p:cNvGrpSpPr/>
+        <p:nvPr/>
+      </p:nvGrpSpPr>
+      <p:grpSpPr>
+        <a:xfrm>
+          <a:off x="0" y="0"/>
+          <a:ext cx="0" cy="0"/>
+          <a:chOff x="0" y="0"/>
+          <a:chExt cx="0" cy="0"/>
+        </a:xfrm>
+      </p:grpSpPr>
+      <p:sp>
+        <p:nvSpPr>
+          <p:cNvPr id="2" name="Header Placeholder 1"/>
+          <p:cNvSpPr>
+            <a:spLocks noGrp="1"/>
+          </p:cNvSpPr>
+          <p:nvPr>
+            <p:ph type="hdr" sz="quarter"/>
+          </p:nvPr>
+        </p:nvSpPr>
+        <p:spPr>
+          <a:xfrm>
+            <a:off x="0" y="0"/>
+            <a:ext cx="2971800" cy="458788"/>
+          </a:xfrm>
+          <a:prstGeom prst="rect">
+            <a:avLst/>
+          </a:prstGeom>
+        </p:spPr>
+        <p:txBody>
+          <a:bodyPr vert="horz" lIns="91440" tIns="45720" rIns="91440" bIns="45720" rtlCol="0"/>
+          <a:lstStyle>
+            <a:lvl1pPr algn="l">
+              <a:defRPr sz="1200"/>
+            </a:lvl1pPr>
+          </a:lstStyle>
+          <a:p>
+            <a:endParaRPr lang="en-FR"/>
+          </a:p>
+        </p:txBody>
+      </p:sp>
+      <p:sp>
+        <p:nvSpPr>
+          <p:cNvPr id="3" name="Date Placeholder 2"/>
+          <p:cNvSpPr>
+            <a:spLocks noGrp="1"/>
+          </p:cNvSpPr>
+          <p:nvPr>
+            <p:ph type="dt" idx="1"/>
+          </p:nvPr>
+        </p:nvSpPr>
+        <p:spPr>
+          <a:xfrm>
+            <a:off x="3884613" y="0"/>
+            <a:ext cx="2971800" cy="458788"/>
+          </a:xfrm>
+          <a:prstGeom prst="rect">
+            <a:avLst/>
+          </a:prstGeom>
+        </p:spPr>
+        <p:txBody>
+          <a:bodyPr vert="horz" lIns="91440" tIns="45720" rIns="91440" bIns="45720" rtlCol="0"/>
+          <a:lstStyle>
+            <a:lvl1pPr algn="r">
+              <a:defRPr sz="1200"/>
+            </a:lvl1pPr>
+          </a:lstStyle>
+          <a:p>
+            <a:fld id="{8CEE9C84-3775-4047-995B-EFBB02475440}" type="datetimeFigureOut">
+              <a:rPr lang="en-FR" smtClean="0"/>
+              <a:t>05/07/2023</a:t>
+            </a:fld>
+            <a:endParaRPr lang="en-FR"/>
+          </a:p>
+        </p:txBody>
+      </p:sp>
+      <p:sp>
+        <p:nvSpPr>
+          <p:cNvPr id="4" name="Slide Image Placeholder 3"/>
+          <p:cNvSpPr>
+            <a:spLocks noGrp="1" noRot="1" noChangeAspect="1"/>
+          </p:cNvSpPr>
+          <p:nvPr>
+            <p:ph type="sldImg" idx="2"/>
+          </p:nvPr>
+        </p:nvSpPr>
+        <p:spPr>
+          <a:xfrm>
+            <a:off x="685800" y="1143000"/>
+            <a:ext cx="5486400" cy="3086100"/>
+          </a:xfrm>
+          <a:prstGeom prst="rect">
+            <a:avLst/>
+          </a:prstGeom>
+          <a:noFill/>
+          <a:ln w="12700">
+            <a:solidFill>
+              <a:prstClr val="black"/>
+            </a:solidFill>
+          </a:ln>
+        </p:spPr>
+        <p:txBody>
+          <a:bodyPr vert="horz" lIns="91440" tIns="45720" rIns="91440" bIns="45720" rtlCol="0" anchor="ctr"/>
+          <a:lstStyle/>
+          <a:p>
+            <a:endParaRPr lang="en-FR"/>
+          </a:p>
+        </p:txBody>
+      </p:sp>
+      <p:sp>
+        <p:nvSpPr>
+          <p:cNvPr id="5" name="Notes Placeholder 4"/>
+          <p:cNvSpPr>
+            <a:spLocks noGrp="1"/>
+          </p:cNvSpPr>
+          <p:nvPr>
+            <p:ph type="body" sz="quarter" idx="3"/>
+          </p:nvPr>
+        </p:nvSpPr>
+        <p:spPr>
+          <a:xfrm>
+            <a:off x="685800" y="4400550"/>
+            <a:ext cx="5486400" cy="3600450"/>
+          </a:xfrm>
+          <a:prstGeom prst="rect">
+            <a:avLst/>
+          </a:prstGeom>
+        </p:spPr>
+        <p:txBody>
+          <a:bodyPr vert="horz" lIns="91440" tIns="45720" rIns="91440" bIns="45720" rtlCol="0"/>
+          <a:lstStyle/>
+          <a:p>
+            <a:pPr lvl="0"/>
+            <a:r>
+              <a:rPr lang="en-GB"/>
+              <a:t>Click to edit Master text styles</a:t>
+            </a:r>
+          </a:p>
+          <a:p>
+            <a:pPr lvl="1"/>
+            <a:r>
+              <a:rPr lang="en-GB"/>
+              <a:t>Second level</a:t>
+            </a:r>
+          </a:p>
+          <a:p>
+            <a:pPr lvl="2"/>
+            <a:r>
+              <a:rPr lang="en-GB"/>
+              <a:t>Third level</a:t>
+            </a:r>
+          </a:p>
+          <a:p>
+            <a:pPr lvl="3"/>
+            <a:r>
+              <a:rPr lang="en-GB"/>
+              <a:t>Fourth level</a:t>
+            </a:r>
+          </a:p>
+          <a:p>
+            <a:pPr lvl="4"/>
+            <a:r>
+              <a:rPr lang="en-GB"/>
+              <a:t>Fifth level</a:t>
+            </a:r>
+            <a:endParaRPr lang="en-FR"/>
+          </a:p>
+        </p:txBody>
+      </p:sp>
+      <p:sp>
+        <p:nvSpPr>
+          <p:cNvPr id="6" name="Footer Placeholder 5"/>
+          <p:cNvSpPr>
+            <a:spLocks noGrp="1"/>
+          </p:cNvSpPr>
+          <p:nvPr>
+            <p:ph type="ftr" sz="quarter" idx="4"/>
+          </p:nvPr>
+        </p:nvSpPr>
+        <p:spPr>
+          <a:xfrm>
+            <a:off x="0" y="8685213"/>
+            <a:ext cx="2971800" cy="458787"/>
+          </a:xfrm>
+          <a:prstGeom prst="rect">
+            <a:avLst/>
+          </a:prstGeom>
+        </p:spPr>
+        <p:txBody>
+          <a:bodyPr vert="horz" lIns="91440" tIns="45720" rIns="91440" bIns="45720" rtlCol="0" anchor="b"/>
+          <a:lstStyle>
+            <a:lvl1pPr algn="l">
+              <a:defRPr sz="1200"/>
+            </a:lvl1pPr>
+          </a:lstStyle>
+          <a:p>
+            <a:endParaRPr lang="en-FR"/>
+          </a:p>
+        </p:txBody>
+      </p:sp>
+      <p:sp>
+        <p:nvSpPr>
+          <p:cNvPr id="7" name="Slide Number Placeholder 6"/>
+          <p:cNvSpPr>
+            <a:spLocks noGrp="1"/>
+          </p:cNvSpPr>
+          <p:nvPr>
+            <p:ph type="sldNum" sz="quarter" idx="5"/>
+          </p:nvPr>
+        </p:nvSpPr>
+        <p:spPr>
+          <a:xfrm>
+            <a:off x="3884613" y="8685213"/>
+            <a:ext cx="2971800" cy="458787"/>
+          </a:xfrm>
+          <a:prstGeom prst="rect">
+            <a:avLst/>
+          </a:prstGeom>
+        </p:spPr>
+        <p:txBody>
+          <a:bodyPr vert="horz" lIns="91440" tIns="45720" rIns="91440" bIns="45720" rtlCol="0" anchor="b"/>
+          <a:lstStyle>
+            <a:lvl1pPr algn="r">
+              <a:defRPr sz="1200"/>
+            </a:lvl1pPr>
+          </a:lstStyle>
+          <a:p>
+            <a:fld id="{DF539A4F-A653-D148-A238-483BE9B93793}" type="slidenum">
+              <a:rPr lang="en-FR" smtClean="0"/>
+              <a:t>‹#›</a:t>
+            </a:fld>
+            <a:endParaRPr lang="en-FR"/>
+          </a:p>
+        </p:txBody>
+      </p:sp>
+    </p:spTree>
+    <p:extLst>
+      <p:ext uri="{BB962C8B-B14F-4D97-AF65-F5344CB8AC3E}">
+        <p14:creationId xmlns:p14="http://schemas.microsoft.com/office/powerpoint/2010/main" val="2040834220"/>
+      </p:ext>
+    </p:extLst>
+  </p:cSld>
+  <p:clrMap bg1="lt1" tx1="dk1" bg2="lt2" tx2="dk2" accent1="accent1" accent2="accent2" accent3="accent3" accent4="accent4" accent5="accent5" accent6="accent6" hlink="hlink" folHlink="folHlink"/>
+  <p:notesStyle>
+    <a:lvl1pPr marL="0" algn="l" defTabSz="914400" rtl="0" eaLnBrk="1" latinLnBrk="0" hangingPunct="1">
+      <a:defRPr sz="1200" kern="1200">
+        <a:solidFill>
+          <a:schemeClr val="tx1"/>
+        </a:solidFill>
+        <a:latin typeface="+mn-lt"/>
+        <a:ea typeface="+mn-ea"/>
+        <a:cs typeface="+mn-cs"/>
+      </a:defRPr>
+    </a:lvl1pPr>
+    <a:lvl2pPr marL="457200" algn="l" defTabSz="914400" rtl="0" eaLnBrk="1" latinLnBrk="0" hangingPunct="1">
+      <a:defRPr sz="1200" kern="1200">
+        <a:solidFill>
+          <a:schemeClr val="tx1"/>
+        </a:solidFill>
+        <a:latin typeface="+mn-lt"/>
+        <a:ea typeface="+mn-ea"/>
+        <a:cs typeface="+mn-cs"/>
+      </a:defRPr>
+    </a:lvl2pPr>
+    <a:lvl3pPr marL="914400" algn="l" defTabSz="914400" rtl="0" eaLnBrk="1" latinLnBrk="0" hangingPunct="1">
+      <a:defRPr sz="1200" kern="1200">
+        <a:solidFill>
+          <a:schemeClr val="tx1"/>
+        </a:solidFill>
+        <a:latin typeface="+mn-lt"/>
+        <a:ea typeface="+mn-ea"/>
+        <a:cs typeface="+mn-cs"/>
+      </a:defRPr>
+    </a:lvl3pPr>
+    <a:lvl4pPr marL="1371600" algn="l" defTabSz="914400" rtl="0" eaLnBrk="1" latinLnBrk="0" hangingPunct="1">
+      <a:defRPr sz="1200" kern="1200">
+        <a:solidFill>
+          <a:schemeClr val="tx1"/>
+        </a:solidFill>
+        <a:latin typeface="+mn-lt"/>
+        <a:ea typeface="+mn-ea"/>
+        <a:cs typeface="+mn-cs"/>
+      </a:defRPr>
+    </a:lvl4pPr>
+    <a:lvl5pPr marL="1828800" algn="l" defTabSz="914400" rtl="0" eaLnBrk="1" latinLnBrk="0" hangingPunct="1">
+      <a:defRPr sz="1200" kern="1200">
+        <a:solidFill>
+          <a:schemeClr val="tx1"/>
+        </a:solidFill>
+        <a:latin typeface="+mn-lt"/>
+        <a:ea typeface="+mn-ea"/>
+        <a:cs typeface="+mn-cs"/>
+      </a:defRPr>
+    </a:lvl5pPr>
+    <a:lvl6pPr marL="2286000" algn="l" defTabSz="914400" rtl="0" eaLnBrk="1" latinLnBrk="0" hangingPunct="1">
+      <a:defRPr sz="1200" kern="1200">
+        <a:solidFill>
+          <a:schemeClr val="tx1"/>
+        </a:solidFill>
+        <a:latin typeface="+mn-lt"/>
+        <a:ea typeface="+mn-ea"/>
+        <a:cs typeface="+mn-cs"/>
+      </a:defRPr>
+    </a:lvl6pPr>
+    <a:lvl7pPr marL="2743200" algn="l" defTabSz="914400" rtl="0" eaLnBrk="1" latinLnBrk="0" hangingPunct="1">
+      <a:defRPr sz="1200" kern="1200">
+        <a:solidFill>
+          <a:schemeClr val="tx1"/>
+        </a:solidFill>
+        <a:latin typeface="+mn-lt"/>
+        <a:ea typeface="+mn-ea"/>
+        <a:cs typeface="+mn-cs"/>
+      </a:defRPr>
+    </a:lvl7pPr>
+    <a:lvl8pPr marL="3200400" algn="l" defTabSz="914400" rtl="0" eaLnBrk="1" latinLnBrk="0" hangingPunct="1">
+      <a:defRPr sz="1200" kern="1200">
+        <a:solidFill>
+          <a:schemeClr val="tx1"/>
+        </a:solidFill>
+        <a:latin typeface="+mn-lt"/>
+        <a:ea typeface="+mn-ea"/>
+        <a:cs typeface="+mn-cs"/>
+      </a:defRPr>
+    </a:lvl8pPr>
+    <a:lvl9pPr marL="3657600" algn="l" defTabSz="914400" rtl="0" eaLnBrk="1" latinLnBrk="0" hangingPunct="1">
+      <a:defRPr sz="1200" kern="1200">
+        <a:solidFill>
+          <a:schemeClr val="tx1"/>
+        </a:solidFill>
+        <a:latin typeface="+mn-lt"/>
+        <a:ea typeface="+mn-ea"/>
+        <a:cs typeface="+mn-cs"/>
+      </a:defRPr>
+    </a:lvl9pPr>
+  </p:notesStyle>
+</p:notesMaster>
+</file>
+
+<file path=ppt/notesSlides/notesSlide1.xml><?xml version="1.0" encoding="utf-8"?>
+<p:notes xmlns:a="http://schemas.openxmlformats.org/drawingml/2006/main" xmlns:r="http://schemas.openxmlformats.org/officeDocument/2006/relationships" xmlns:p="http://schemas.openxmlformats.org/presentationml/2006/main">
+  <p:cSld>
+    <p:spTree>
+      <p:nvGrpSpPr>
+        <p:cNvPr id="1" name=""/>
+        <p:cNvGrpSpPr/>
+        <p:nvPr/>
+      </p:nvGrpSpPr>
+      <p:grpSpPr>
+        <a:xfrm>
+          <a:off x="0" y="0"/>
+          <a:ext cx="0" cy="0"/>
+          <a:chOff x="0" y="0"/>
+          <a:chExt cx="0" cy="0"/>
+        </a:xfrm>
+      </p:grpSpPr>
+      <p:sp>
+        <p:nvSpPr>
+          <p:cNvPr id="2" name="Slide Image Placeholder 1"/>
+          <p:cNvSpPr>
+            <a:spLocks noGrp="1" noRot="1" noChangeAspect="1"/>
+          </p:cNvSpPr>
+          <p:nvPr>
+            <p:ph type="sldImg"/>
+          </p:nvPr>
+        </p:nvSpPr>
+        <p:spPr/>
+      </p:sp>
+      <p:sp>
+        <p:nvSpPr>
+          <p:cNvPr id="3" name="Notes Placeholder 2"/>
+          <p:cNvSpPr>
+            <a:spLocks noGrp="1"/>
+          </p:cNvSpPr>
+          <p:nvPr>
+            <p:ph type="body" idx="1"/>
+          </p:nvPr>
+        </p:nvSpPr>
+        <p:spPr/>
+        <p:txBody>
+          <a:bodyPr/>
+          <a:lstStyle/>
+          <a:p>
+            <a:r>
+              <a:rPr lang="en-GB" dirty="0"/>
+              <a:t>V</a:t>
+            </a:r>
+            <a:r>
+              <a:rPr lang="en-FR" dirty="0"/>
+              <a:t>oir </a:t>
+            </a:r>
+            <a:r>
+              <a:rPr lang="en-GB" dirty="0" err="1"/>
+              <a:t>flexions_verbales_texte_diversite_temps_verbaux_text.txt</a:t>
+            </a:r>
+            <a:endParaRPr lang="en-FR" dirty="0"/>
+          </a:p>
+        </p:txBody>
+      </p:sp>
+      <p:sp>
+        <p:nvSpPr>
+          <p:cNvPr id="4" name="Slide Number Placeholder 3"/>
+          <p:cNvSpPr>
+            <a:spLocks noGrp="1"/>
+          </p:cNvSpPr>
+          <p:nvPr>
+            <p:ph type="sldNum" sz="quarter" idx="5"/>
+          </p:nvPr>
+        </p:nvSpPr>
+        <p:spPr/>
+        <p:txBody>
+          <a:bodyPr/>
+          <a:lstStyle/>
+          <a:p>
+            <a:fld id="{DF539A4F-A653-D148-A238-483BE9B93793}" type="slidenum">
+              <a:rPr lang="en-FR" smtClean="0"/>
+              <a:t>21</a:t>
+            </a:fld>
+            <a:endParaRPr lang="en-FR"/>
+          </a:p>
+        </p:txBody>
+      </p:sp>
+    </p:spTree>
+    <p:extLst>
+      <p:ext uri="{BB962C8B-B14F-4D97-AF65-F5344CB8AC3E}">
+        <p14:creationId xmlns:p14="http://schemas.microsoft.com/office/powerpoint/2010/main" val="1458213162"/>
+      </p:ext>
+    </p:extLst>
+  </p:cSld>
+  <p:clrMapOvr>
+    <a:masterClrMapping/>
+  </p:clrMapOvr>
+</p:notes>
+</file>
+
 <file path=ppt/slideLayouts/slideLayout1.xml><?xml version="1.0" encoding="utf-8"?>
 <p:sldLayout xmlns:a="http://schemas.openxmlformats.org/drawingml/2006/main" xmlns:r="http://schemas.openxmlformats.org/officeDocument/2006/relationships" xmlns:p="http://schemas.openxmlformats.org/presentationml/2006/main" type="title" preserve="1">
   <p:cSld name="Title Slide">
@@ -225,7 +680,7 @@
           <a:effectLst/>
           <a:extLst>
             <a:ext uri="{91240B29-F687-4f45-9708-019B960494DF}">
-              <a14:hiddenLine xmlns:a14="http://schemas.microsoft.com/office/drawing/2010/main" xmlns="" w="9525">
+              <a14:hiddenLine xmlns="" xmlns:a14="http://schemas.microsoft.com/office/drawing/2010/main" w="9525">
                 <a:solidFill>
                   <a:srgbClr val="000000"/>
                 </a:solidFill>
@@ -417,7 +872,7 @@
           <a:p>
             <a:fld id="{79BB8BBB-FA5C-FD48-B3D7-A9C193A09487}" type="datetimeFigureOut">
               <a:rPr lang="en-FR" smtClean="0"/>
-              <a:t>31/03/2023</a:t>
+              <a:t>05/07/2023</a:t>
             </a:fld>
             <a:endParaRPr lang="en-FR"/>
           </a:p>
@@ -735,7 +1190,7 @@
           <a:p>
             <a:fld id="{79BB8BBB-FA5C-FD48-B3D7-A9C193A09487}" type="datetimeFigureOut">
               <a:rPr lang="en-FR" smtClean="0"/>
-              <a:t>31/03/2023</a:t>
+              <a:t>05/07/2023</a:t>
             </a:fld>
             <a:endParaRPr lang="en-FR"/>
           </a:p>
@@ -1223,7 +1678,7 @@
           <a:p>
             <a:fld id="{79BB8BBB-FA5C-FD48-B3D7-A9C193A09487}" type="datetimeFigureOut">
               <a:rPr lang="en-FR" smtClean="0"/>
-              <a:t>31/03/2023</a:t>
+              <a:t>05/07/2023</a:t>
             </a:fld>
             <a:endParaRPr lang="en-FR"/>
           </a:p>
@@ -1592,7 +2047,7 @@
           <a:p>
             <a:fld id="{79BB8BBB-FA5C-FD48-B3D7-A9C193A09487}" type="datetimeFigureOut">
               <a:rPr lang="en-FR" smtClean="0"/>
-              <a:t>31/03/2023</a:t>
+              <a:t>05/07/2023</a:t>
             </a:fld>
             <a:endParaRPr lang="en-FR"/>
           </a:p>
@@ -1747,7 +2202,7 @@
           <a:ln/>
           <a:extLst>
             <a:ext uri="{91240B29-F687-4f45-9708-019B960494DF}">
-              <a14:hiddenLine xmlns:a14="http://schemas.microsoft.com/office/drawing/2010/main" xmlns="" w="9525">
+              <a14:hiddenLine xmlns="" xmlns:a14="http://schemas.microsoft.com/office/drawing/2010/main" w="9525">
                 <a:solidFill>
                   <a:srgbClr val="000000"/>
                 </a:solidFill>
@@ -1865,7 +2320,7 @@
           <a:p>
             <a:fld id="{79BB8BBB-FA5C-FD48-B3D7-A9C193A09487}" type="datetimeFigureOut">
               <a:rPr lang="en-FR" smtClean="0"/>
-              <a:t>31/03/2023</a:t>
+              <a:t>05/07/2023</a:t>
             </a:fld>
             <a:endParaRPr lang="en-FR"/>
           </a:p>
@@ -2022,7 +2477,7 @@
           <a:ln/>
           <a:extLst>
             <a:ext uri="{91240B29-F687-4f45-9708-019B960494DF}">
-              <a14:hiddenLine xmlns:a14="http://schemas.microsoft.com/office/drawing/2010/main" xmlns="" w="9525">
+              <a14:hiddenLine xmlns="" xmlns:a14="http://schemas.microsoft.com/office/drawing/2010/main" w="9525">
                 <a:solidFill>
                   <a:srgbClr val="000000"/>
                 </a:solidFill>
@@ -2150,7 +2605,7 @@
           <a:p>
             <a:fld id="{79BB8BBB-FA5C-FD48-B3D7-A9C193A09487}" type="datetimeFigureOut">
               <a:rPr lang="en-FR" smtClean="0"/>
-              <a:t>31/03/2023</a:t>
+              <a:t>05/07/2023</a:t>
             </a:fld>
             <a:endParaRPr lang="en-FR"/>
           </a:p>
@@ -2305,7 +2760,7 @@
           <a:ln/>
           <a:extLst>
             <a:ext uri="{91240B29-F687-4f45-9708-019B960494DF}">
-              <a14:hiddenLine xmlns:a14="http://schemas.microsoft.com/office/drawing/2010/main" xmlns="" w="9525">
+              <a14:hiddenLine xmlns="" xmlns:a14="http://schemas.microsoft.com/office/drawing/2010/main" w="9525">
                 <a:solidFill>
                   <a:srgbClr val="000000"/>
                 </a:solidFill>
@@ -2433,7 +2888,7 @@
           <a:p>
             <a:fld id="{79BB8BBB-FA5C-FD48-B3D7-A9C193A09487}" type="datetimeFigureOut">
               <a:rPr lang="en-FR" smtClean="0"/>
-              <a:t>31/03/2023</a:t>
+              <a:t>05/07/2023</a:t>
             </a:fld>
             <a:endParaRPr lang="en-FR"/>
           </a:p>
@@ -2776,7 +3231,7 @@
           <a:p>
             <a:fld id="{79BB8BBB-FA5C-FD48-B3D7-A9C193A09487}" type="datetimeFigureOut">
               <a:rPr lang="en-FR" smtClean="0"/>
-              <a:t>31/03/2023</a:t>
+              <a:t>05/07/2023</a:t>
             </a:fld>
             <a:endParaRPr lang="en-FR"/>
           </a:p>
@@ -2931,7 +3386,7 @@
           <a:ln/>
           <a:extLst>
             <a:ext uri="{91240B29-F687-4f45-9708-019B960494DF}">
-              <a14:hiddenLine xmlns:a14="http://schemas.microsoft.com/office/drawing/2010/main" xmlns="" w="9525">
+              <a14:hiddenLine xmlns="" xmlns:a14="http://schemas.microsoft.com/office/drawing/2010/main" w="9525">
                 <a:solidFill>
                   <a:srgbClr val="000000"/>
                 </a:solidFill>
@@ -3115,7 +3570,7 @@
           <a:p>
             <a:fld id="{79BB8BBB-FA5C-FD48-B3D7-A9C193A09487}" type="datetimeFigureOut">
               <a:rPr lang="en-FR" smtClean="0"/>
-              <a:t>31/03/2023</a:t>
+              <a:t>05/07/2023</a:t>
             </a:fld>
             <a:endParaRPr lang="en-FR"/>
           </a:p>
@@ -3270,7 +3725,7 @@
           <a:ln/>
           <a:extLst>
             <a:ext uri="{91240B29-F687-4f45-9708-019B960494DF}">
-              <a14:hiddenLine xmlns:a14="http://schemas.microsoft.com/office/drawing/2010/main" xmlns="" w="9525">
+              <a14:hiddenLine xmlns="" xmlns:a14="http://schemas.microsoft.com/office/drawing/2010/main" w="9525">
                 <a:solidFill>
                   <a:srgbClr val="000000"/>
                 </a:solidFill>
@@ -3592,7 +4047,7 @@
           <a:p>
             <a:fld id="{79BB8BBB-FA5C-FD48-B3D7-A9C193A09487}" type="datetimeFigureOut">
               <a:rPr lang="en-FR" smtClean="0"/>
-              <a:t>31/03/2023</a:t>
+              <a:t>05/07/2023</a:t>
             </a:fld>
             <a:endParaRPr lang="en-FR"/>
           </a:p>
@@ -3747,7 +4202,7 @@
           <a:ln/>
           <a:extLst>
             <a:ext uri="{91240B29-F687-4f45-9708-019B960494DF}">
-              <a14:hiddenLine xmlns:a14="http://schemas.microsoft.com/office/drawing/2010/main" xmlns="" w="9525">
+              <a14:hiddenLine xmlns="" xmlns:a14="http://schemas.microsoft.com/office/drawing/2010/main" w="9525">
                 <a:solidFill>
                   <a:srgbClr val="000000"/>
                 </a:solidFill>
@@ -3813,7 +4268,7 @@
           <a:p>
             <a:fld id="{79BB8BBB-FA5C-FD48-B3D7-A9C193A09487}" type="datetimeFigureOut">
               <a:rPr lang="en-FR" smtClean="0"/>
-              <a:t>31/03/2023</a:t>
+              <a:t>05/07/2023</a:t>
             </a:fld>
             <a:endParaRPr lang="en-FR"/>
           </a:p>
@@ -3908,7 +4363,7 @@
           <a:p>
             <a:fld id="{79BB8BBB-FA5C-FD48-B3D7-A9C193A09487}" type="datetimeFigureOut">
               <a:rPr lang="en-FR" smtClean="0"/>
-              <a:t>31/03/2023</a:t>
+              <a:t>05/07/2023</a:t>
             </a:fld>
             <a:endParaRPr lang="en-FR"/>
           </a:p>
@@ -4176,7 +4631,7 @@
           <a:ln/>
           <a:extLst>
             <a:ext uri="{91240B29-F687-4f45-9708-019B960494DF}">
-              <a14:hiddenLine xmlns:a14="http://schemas.microsoft.com/office/drawing/2010/main" xmlns="" w="9525">
+              <a14:hiddenLine xmlns="" xmlns:a14="http://schemas.microsoft.com/office/drawing/2010/main" w="9525">
                 <a:solidFill>
                   <a:srgbClr val="000000"/>
                 </a:solidFill>
@@ -4375,7 +4830,7 @@
           <a:p>
             <a:fld id="{79BB8BBB-FA5C-FD48-B3D7-A9C193A09487}" type="datetimeFigureOut">
               <a:rPr lang="en-FR" smtClean="0"/>
-              <a:t>31/03/2023</a:t>
+              <a:t>05/07/2023</a:t>
             </a:fld>
             <a:endParaRPr lang="en-FR"/>
           </a:p>
@@ -4688,7 +5143,7 @@
           <a:p>
             <a:fld id="{79BB8BBB-FA5C-FD48-B3D7-A9C193A09487}" type="datetimeFigureOut">
               <a:rPr lang="en-FR" smtClean="0"/>
-              <a:t>31/03/2023</a:t>
+              <a:t>05/07/2023</a:t>
             </a:fld>
             <a:endParaRPr lang="en-FR"/>
           </a:p>
@@ -4958,7 +5413,7 @@
           <a:p>
             <a:fld id="{79BB8BBB-FA5C-FD48-B3D7-A9C193A09487}" type="datetimeFigureOut">
               <a:rPr lang="en-FR" smtClean="0"/>
-              <a:t>31/03/2023</a:t>
+              <a:t>05/07/2023</a:t>
             </a:fld>
             <a:endParaRPr lang="en-FR"/>
           </a:p>
@@ -6473,6 +6928,18 @@
             </a:r>
           </a:p>
           <a:p>
+            <a:r>
+              <a:rPr lang="en-FR" dirty="0"/>
+              <a:t>Difficile à étendre sur d’autres corpus car tous les corpus n’ont pas la même répartition des âges</a:t>
+            </a:r>
+          </a:p>
+          <a:p>
+            <a:r>
+              <a:rPr lang="en-FR" dirty="0"/>
+              <a:t>A faire: regrouper tous les corpus. Extraire 10% du corpus aléatoirement pour les tests. Apprendre sur 90% et tester sur le reste.</a:t>
+            </a:r>
+          </a:p>
+          <a:p>
             <a:endParaRPr lang="en-FR" dirty="0"/>
           </a:p>
         </p:txBody>
@@ -6491,6 +6958,833 @@
 </file>
 
 <file path=ppt/slides/slide17.xml><?xml version="1.0" encoding="utf-8"?>
+<p:sld xmlns:a="http://schemas.openxmlformats.org/drawingml/2006/main" xmlns:r="http://schemas.openxmlformats.org/officeDocument/2006/relationships" xmlns:p="http://schemas.openxmlformats.org/presentationml/2006/main">
+  <p:cSld>
+    <p:spTree>
+      <p:nvGrpSpPr>
+        <p:cNvPr id="1" name=""/>
+        <p:cNvGrpSpPr/>
+        <p:nvPr/>
+      </p:nvGrpSpPr>
+      <p:grpSpPr>
+        <a:xfrm>
+          <a:off x="0" y="0"/>
+          <a:ext cx="0" cy="0"/>
+          <a:chOff x="0" y="0"/>
+          <a:chExt cx="0" cy="0"/>
+        </a:xfrm>
+      </p:grpSpPr>
+      <p:sp>
+        <p:nvSpPr>
+          <p:cNvPr id="2" name="Title 1">
+            <a:extLst>
+              <a:ext uri="{FF2B5EF4-FFF2-40B4-BE49-F238E27FC236}">
+                <a16:creationId xmlns:a16="http://schemas.microsoft.com/office/drawing/2014/main" id="{61618B85-3C5D-E7B4-B34E-D9B4C1BD1F4E}"/>
+              </a:ext>
+            </a:extLst>
+          </p:cNvPr>
+          <p:cNvSpPr>
+            <a:spLocks noGrp="1"/>
+          </p:cNvSpPr>
+          <p:nvPr>
+            <p:ph type="title"/>
+          </p:nvPr>
+        </p:nvSpPr>
+        <p:spPr/>
+        <p:txBody>
+          <a:bodyPr/>
+          <a:lstStyle/>
+          <a:p>
+            <a:r>
+              <a:rPr lang="en-FR" sz="3200" dirty="0"/>
+              <a:t>Utilisation des informations sur la classe pour voir l’évolution des enfants (par rapport à l’age)</a:t>
+            </a:r>
+            <a:endParaRPr lang="en-FR" dirty="0"/>
+          </a:p>
+        </p:txBody>
+      </p:sp>
+      <p:sp>
+        <p:nvSpPr>
+          <p:cNvPr id="3" name="Content Placeholder 2">
+            <a:extLst>
+              <a:ext uri="{FF2B5EF4-FFF2-40B4-BE49-F238E27FC236}">
+                <a16:creationId xmlns:a16="http://schemas.microsoft.com/office/drawing/2014/main" id="{FB58A36B-9DC4-6466-589C-BBFFB00FB8FF}"/>
+              </a:ext>
+            </a:extLst>
+          </p:cNvPr>
+          <p:cNvSpPr>
+            <a:spLocks noGrp="1"/>
+          </p:cNvSpPr>
+          <p:nvPr>
+            <p:ph idx="1"/>
+          </p:nvPr>
+        </p:nvSpPr>
+        <p:spPr>
+          <a:xfrm>
+            <a:off x="818712" y="1861457"/>
+            <a:ext cx="10554574" cy="1331281"/>
+          </a:xfrm>
+        </p:spPr>
+        <p:txBody>
+          <a:bodyPr>
+            <a:normAutofit/>
+          </a:bodyPr>
+          <a:lstStyle/>
+          <a:p>
+            <a:r>
+              <a:rPr lang="en-FR" dirty="0"/>
+              <a:t>Stats faites en se basant sur le niveau scolaire, sur l’age brut, sur l’âge arrondi en années</a:t>
+            </a:r>
+          </a:p>
+          <a:p>
+            <a:r>
+              <a:rPr lang="en-FR" dirty="0"/>
+              <a:t>Pour chacun des processeurs on regarde si on a une régression linéaire significative</a:t>
+            </a:r>
+          </a:p>
+          <a:p>
+            <a:pPr lvl="1"/>
+            <a:r>
+              <a:rPr lang="en-GB" dirty="0"/>
+              <a:t>E</a:t>
+            </a:r>
+            <a:r>
+              <a:rPr lang="en-FR" dirty="0"/>
+              <a:t>xemple (voir le fichier csv complet p_chi_tv.csv et p_chi_tdl.csv)</a:t>
+            </a:r>
+          </a:p>
+        </p:txBody>
+      </p:sp>
+      <p:graphicFrame>
+        <p:nvGraphicFramePr>
+          <p:cNvPr id="4" name="Table 3">
+            <a:extLst>
+              <a:ext uri="{FF2B5EF4-FFF2-40B4-BE49-F238E27FC236}">
+                <a16:creationId xmlns:a16="http://schemas.microsoft.com/office/drawing/2014/main" id="{24F353D1-8D8C-5F62-8093-E74D45CB87F4}"/>
+              </a:ext>
+            </a:extLst>
+          </p:cNvPr>
+          <p:cNvGraphicFramePr>
+            <a:graphicFrameLocks noGrp="1"/>
+          </p:cNvGraphicFramePr>
+          <p:nvPr>
+            <p:extLst>
+              <p:ext uri="{D42A27DB-BD31-4B8C-83A1-F6EECF244321}">
+                <p14:modId xmlns:p14="http://schemas.microsoft.com/office/powerpoint/2010/main" val="2766448256"/>
+              </p:ext>
+            </p:extLst>
+          </p:nvPr>
+        </p:nvGraphicFramePr>
+        <p:xfrm>
+          <a:off x="593922" y="3210412"/>
+          <a:ext cx="10779364" cy="3200400"/>
+        </p:xfrm>
+        <a:graphic>
+          <a:graphicData uri="http://schemas.openxmlformats.org/drawingml/2006/table">
+            <a:tbl>
+              <a:tblPr/>
+              <a:tblGrid>
+                <a:gridCol w="2694841">
+                  <a:extLst>
+                    <a:ext uri="{9D8B030D-6E8A-4147-A177-3AD203B41FA5}">
+                      <a16:colId xmlns:a16="http://schemas.microsoft.com/office/drawing/2014/main" val="2617858803"/>
+                    </a:ext>
+                  </a:extLst>
+                </a:gridCol>
+                <a:gridCol w="2694841">
+                  <a:extLst>
+                    <a:ext uri="{9D8B030D-6E8A-4147-A177-3AD203B41FA5}">
+                      <a16:colId xmlns:a16="http://schemas.microsoft.com/office/drawing/2014/main" val="86944418"/>
+                    </a:ext>
+                  </a:extLst>
+                </a:gridCol>
+                <a:gridCol w="2694841">
+                  <a:extLst>
+                    <a:ext uri="{9D8B030D-6E8A-4147-A177-3AD203B41FA5}">
+                      <a16:colId xmlns:a16="http://schemas.microsoft.com/office/drawing/2014/main" val="3385351973"/>
+                    </a:ext>
+                  </a:extLst>
+                </a:gridCol>
+                <a:gridCol w="2694841">
+                  <a:extLst>
+                    <a:ext uri="{9D8B030D-6E8A-4147-A177-3AD203B41FA5}">
+                      <a16:colId xmlns:a16="http://schemas.microsoft.com/office/drawing/2014/main" val="2965598936"/>
+                    </a:ext>
+                  </a:extLst>
+                </a:gridCol>
+              </a:tblGrid>
+              <a:tr h="313549">
+                <a:tc>
+                  <a:txBody>
+                    <a:bodyPr/>
+                    <a:lstStyle/>
+                    <a:p>
+                      <a:pPr algn="l"/>
+                      <a:r>
+                        <a:rPr lang="en-GB" dirty="0" err="1">
+                          <a:effectLst/>
+                          <a:latin typeface="Liberation Sans"/>
+                        </a:rPr>
+                        <a:t>Processeur</a:t>
+                      </a:r>
+                      <a:endParaRPr lang="en-GB" dirty="0">
+                        <a:effectLst/>
+                        <a:latin typeface="Liberation Sans"/>
+                      </a:endParaRPr>
+                    </a:p>
+                  </a:txBody>
+                  <a:tcPr anchor="ctr">
+                    <a:lnL>
+                      <a:noFill/>
+                    </a:lnL>
+                    <a:lnR>
+                      <a:noFill/>
+                    </a:lnR>
+                    <a:lnT>
+                      <a:noFill/>
+                    </a:lnT>
+                    <a:lnB>
+                      <a:noFill/>
+                    </a:lnB>
+                  </a:tcPr>
+                </a:tc>
+                <a:tc>
+                  <a:txBody>
+                    <a:bodyPr/>
+                    <a:lstStyle/>
+                    <a:p>
+                      <a:pPr algn="r"/>
+                      <a:r>
+                        <a:rPr lang="en-GB" dirty="0">
+                          <a:effectLst/>
+                          <a:latin typeface="Liberation Sans"/>
+                        </a:rPr>
+                        <a:t>S</a:t>
+                      </a:r>
+                      <a:r>
+                        <a:rPr lang="en-FR" dirty="0">
+                          <a:effectLst/>
+                          <a:latin typeface="Liberation Sans"/>
+                        </a:rPr>
+                        <a:t>colaire</a:t>
+                      </a:r>
+                    </a:p>
+                  </a:txBody>
+                  <a:tcPr anchor="ctr">
+                    <a:lnL>
+                      <a:noFill/>
+                    </a:lnL>
+                    <a:lnR>
+                      <a:noFill/>
+                    </a:lnR>
+                    <a:lnT>
+                      <a:noFill/>
+                    </a:lnT>
+                    <a:lnB>
+                      <a:noFill/>
+                    </a:lnB>
+                  </a:tcPr>
+                </a:tc>
+                <a:tc>
+                  <a:txBody>
+                    <a:bodyPr/>
+                    <a:lstStyle/>
+                    <a:p>
+                      <a:pPr algn="r"/>
+                      <a:r>
+                        <a:rPr lang="en-FR" dirty="0">
+                          <a:effectLst/>
+                          <a:latin typeface="Liberation Sans"/>
+                        </a:rPr>
+                        <a:t>Age réel</a:t>
+                      </a:r>
+                    </a:p>
+                  </a:txBody>
+                  <a:tcPr anchor="ctr">
+                    <a:lnL>
+                      <a:noFill/>
+                    </a:lnL>
+                    <a:lnR>
+                      <a:noFill/>
+                    </a:lnR>
+                    <a:lnT>
+                      <a:noFill/>
+                    </a:lnT>
+                    <a:lnB>
+                      <a:noFill/>
+                    </a:lnB>
+                  </a:tcPr>
+                </a:tc>
+                <a:tc>
+                  <a:txBody>
+                    <a:bodyPr/>
+                    <a:lstStyle/>
+                    <a:p>
+                      <a:pPr algn="r"/>
+                      <a:r>
+                        <a:rPr lang="en-FR" dirty="0">
+                          <a:effectLst/>
+                          <a:latin typeface="Liberation Sans"/>
+                        </a:rPr>
+                        <a:t>Age arrondi</a:t>
+                      </a:r>
+                    </a:p>
+                  </a:txBody>
+                  <a:tcPr anchor="ctr">
+                    <a:lnL>
+                      <a:noFill/>
+                    </a:lnL>
+                    <a:lnR>
+                      <a:noFill/>
+                    </a:lnR>
+                    <a:lnT>
+                      <a:noFill/>
+                    </a:lnT>
+                    <a:lnB>
+                      <a:noFill/>
+                    </a:lnB>
+                  </a:tcPr>
+                </a:tc>
+                <a:extLst>
+                  <a:ext uri="{0D108BD9-81ED-4DB2-BD59-A6C34878D82A}">
+                    <a16:rowId xmlns:a16="http://schemas.microsoft.com/office/drawing/2014/main" val="2560401698"/>
+                  </a:ext>
+                </a:extLst>
+              </a:tr>
+              <a:tr h="313549">
+                <a:tc>
+                  <a:txBody>
+                    <a:bodyPr/>
+                    <a:lstStyle/>
+                    <a:p>
+                      <a:pPr algn="l"/>
+                      <a:r>
+                        <a:rPr lang="en-GB" dirty="0" err="1">
+                          <a:effectLst/>
+                          <a:latin typeface="Liberation Sans"/>
+                        </a:rPr>
+                        <a:t>flexions_verbales_texte_diversite_temps_verbaux_text</a:t>
+                      </a:r>
+                      <a:endParaRPr lang="en-GB" dirty="0">
+                        <a:effectLst/>
+                        <a:latin typeface="Liberation Sans"/>
+                      </a:endParaRPr>
+                    </a:p>
+                  </a:txBody>
+                  <a:tcPr anchor="ctr">
+                    <a:lnL>
+                      <a:noFill/>
+                    </a:lnL>
+                    <a:lnR>
+                      <a:noFill/>
+                    </a:lnR>
+                    <a:lnT>
+                      <a:noFill/>
+                    </a:lnT>
+                    <a:lnB>
+                      <a:noFill/>
+                    </a:lnB>
+                  </a:tcPr>
+                </a:tc>
+                <a:tc>
+                  <a:txBody>
+                    <a:bodyPr/>
+                    <a:lstStyle/>
+                    <a:p>
+                      <a:pPr algn="r"/>
+                      <a:r>
+                        <a:rPr lang="en-FR" dirty="0">
+                          <a:effectLst/>
+                          <a:latin typeface="Liberation Sans"/>
+                        </a:rPr>
+                        <a:t>0.661019662730092</a:t>
+                      </a:r>
+                    </a:p>
+                  </a:txBody>
+                  <a:tcPr anchor="ctr">
+                    <a:lnL>
+                      <a:noFill/>
+                    </a:lnL>
+                    <a:lnR>
+                      <a:noFill/>
+                    </a:lnR>
+                    <a:lnT>
+                      <a:noFill/>
+                    </a:lnT>
+                    <a:lnB>
+                      <a:noFill/>
+                    </a:lnB>
+                  </a:tcPr>
+                </a:tc>
+                <a:tc>
+                  <a:txBody>
+                    <a:bodyPr/>
+                    <a:lstStyle/>
+                    <a:p>
+                      <a:pPr algn="r"/>
+                      <a:r>
+                        <a:rPr lang="en-FR" dirty="0">
+                          <a:effectLst/>
+                          <a:latin typeface="Liberation Sans"/>
+                        </a:rPr>
+                        <a:t>0.572213795709054</a:t>
+                      </a:r>
+                    </a:p>
+                  </a:txBody>
+                  <a:tcPr anchor="ctr">
+                    <a:lnL>
+                      <a:noFill/>
+                    </a:lnL>
+                    <a:lnR>
+                      <a:noFill/>
+                    </a:lnR>
+                    <a:lnT>
+                      <a:noFill/>
+                    </a:lnT>
+                    <a:lnB>
+                      <a:noFill/>
+                    </a:lnB>
+                  </a:tcPr>
+                </a:tc>
+                <a:tc>
+                  <a:txBody>
+                    <a:bodyPr/>
+                    <a:lstStyle/>
+                    <a:p>
+                      <a:pPr algn="r"/>
+                      <a:r>
+                        <a:rPr lang="en-FR" dirty="0">
+                          <a:effectLst/>
+                          <a:latin typeface="Liberation Sans"/>
+                        </a:rPr>
+                        <a:t>0.216050037703135</a:t>
+                      </a:r>
+                    </a:p>
+                  </a:txBody>
+                  <a:tcPr anchor="ctr">
+                    <a:lnL>
+                      <a:noFill/>
+                    </a:lnL>
+                    <a:lnR>
+                      <a:noFill/>
+                    </a:lnR>
+                    <a:lnT>
+                      <a:noFill/>
+                    </a:lnT>
+                    <a:lnB>
+                      <a:noFill/>
+                    </a:lnB>
+                  </a:tcPr>
+                </a:tc>
+                <a:extLst>
+                  <a:ext uri="{0D108BD9-81ED-4DB2-BD59-A6C34878D82A}">
+                    <a16:rowId xmlns:a16="http://schemas.microsoft.com/office/drawing/2014/main" val="427905452"/>
+                  </a:ext>
+                </a:extLst>
+              </a:tr>
+              <a:tr h="313549">
+                <a:tc>
+                  <a:txBody>
+                    <a:bodyPr/>
+                    <a:lstStyle/>
+                    <a:p>
+                      <a:pPr algn="l"/>
+                      <a:r>
+                        <a:rPr lang="en-GB">
+                          <a:effectLst/>
+                          <a:latin typeface="Liberation Sans"/>
+                        </a:rPr>
+                        <a:t>flexions_verbales_texte_proportion_ind.pst_text</a:t>
+                      </a:r>
+                    </a:p>
+                  </a:txBody>
+                  <a:tcPr anchor="ctr">
+                    <a:lnL>
+                      <a:noFill/>
+                    </a:lnL>
+                    <a:lnR>
+                      <a:noFill/>
+                    </a:lnR>
+                    <a:lnT>
+                      <a:noFill/>
+                    </a:lnT>
+                    <a:lnB>
+                      <a:noFill/>
+                    </a:lnB>
+                  </a:tcPr>
+                </a:tc>
+                <a:tc>
+                  <a:txBody>
+                    <a:bodyPr/>
+                    <a:lstStyle/>
+                    <a:p>
+                      <a:pPr algn="r"/>
+                      <a:r>
+                        <a:rPr lang="en-FR">
+                          <a:effectLst/>
+                          <a:latin typeface="Liberation Sans"/>
+                        </a:rPr>
+                        <a:t>0.887591809614795</a:t>
+                      </a:r>
+                    </a:p>
+                  </a:txBody>
+                  <a:tcPr anchor="ctr">
+                    <a:lnL>
+                      <a:noFill/>
+                    </a:lnL>
+                    <a:lnR>
+                      <a:noFill/>
+                    </a:lnR>
+                    <a:lnT>
+                      <a:noFill/>
+                    </a:lnT>
+                    <a:lnB>
+                      <a:noFill/>
+                    </a:lnB>
+                  </a:tcPr>
+                </a:tc>
+                <a:tc>
+                  <a:txBody>
+                    <a:bodyPr/>
+                    <a:lstStyle/>
+                    <a:p>
+                      <a:pPr algn="r"/>
+                      <a:r>
+                        <a:rPr lang="en-FR">
+                          <a:effectLst/>
+                          <a:latin typeface="Liberation Sans"/>
+                        </a:rPr>
+                        <a:t>0.813689352235435</a:t>
+                      </a:r>
+                    </a:p>
+                  </a:txBody>
+                  <a:tcPr anchor="ctr">
+                    <a:lnL>
+                      <a:noFill/>
+                    </a:lnL>
+                    <a:lnR>
+                      <a:noFill/>
+                    </a:lnR>
+                    <a:lnT>
+                      <a:noFill/>
+                    </a:lnT>
+                    <a:lnB>
+                      <a:noFill/>
+                    </a:lnB>
+                  </a:tcPr>
+                </a:tc>
+                <a:tc>
+                  <a:txBody>
+                    <a:bodyPr/>
+                    <a:lstStyle/>
+                    <a:p>
+                      <a:pPr algn="r"/>
+                      <a:r>
+                        <a:rPr lang="en-FR">
+                          <a:effectLst/>
+                          <a:latin typeface="Liberation Sans"/>
+                        </a:rPr>
+                        <a:t>0.858322006287672</a:t>
+                      </a:r>
+                    </a:p>
+                  </a:txBody>
+                  <a:tcPr anchor="ctr">
+                    <a:lnL>
+                      <a:noFill/>
+                    </a:lnL>
+                    <a:lnR>
+                      <a:noFill/>
+                    </a:lnR>
+                    <a:lnT>
+                      <a:noFill/>
+                    </a:lnT>
+                    <a:lnB>
+                      <a:noFill/>
+                    </a:lnB>
+                  </a:tcPr>
+                </a:tc>
+                <a:extLst>
+                  <a:ext uri="{0D108BD9-81ED-4DB2-BD59-A6C34878D82A}">
+                    <a16:rowId xmlns:a16="http://schemas.microsoft.com/office/drawing/2014/main" val="3638954341"/>
+                  </a:ext>
+                </a:extLst>
+              </a:tr>
+              <a:tr h="313549">
+                <a:tc>
+                  <a:txBody>
+                    <a:bodyPr/>
+                    <a:lstStyle/>
+                    <a:p>
+                      <a:pPr algn="l"/>
+                      <a:r>
+                        <a:rPr lang="en-GB">
+                          <a:effectLst/>
+                          <a:latin typeface="Liberation Sans"/>
+                        </a:rPr>
+                        <a:t>flexions_verbales_texte_proportion_ind.ps_text</a:t>
+                      </a:r>
+                    </a:p>
+                  </a:txBody>
+                  <a:tcPr anchor="ctr">
+                    <a:lnL>
+                      <a:noFill/>
+                    </a:lnL>
+                    <a:lnR>
+                      <a:noFill/>
+                    </a:lnR>
+                    <a:lnT>
+                      <a:noFill/>
+                    </a:lnT>
+                    <a:lnB>
+                      <a:noFill/>
+                    </a:lnB>
+                  </a:tcPr>
+                </a:tc>
+                <a:tc>
+                  <a:txBody>
+                    <a:bodyPr/>
+                    <a:lstStyle/>
+                    <a:p>
+                      <a:pPr algn="r"/>
+                      <a:r>
+                        <a:rPr lang="en-FR">
+                          <a:effectLst/>
+                          <a:latin typeface="Liberation Sans"/>
+                        </a:rPr>
+                        <a:t>0.873252415192498</a:t>
+                      </a:r>
+                    </a:p>
+                  </a:txBody>
+                  <a:tcPr anchor="ctr">
+                    <a:lnL>
+                      <a:noFill/>
+                    </a:lnL>
+                    <a:lnR>
+                      <a:noFill/>
+                    </a:lnR>
+                    <a:lnT>
+                      <a:noFill/>
+                    </a:lnT>
+                    <a:lnB>
+                      <a:noFill/>
+                    </a:lnB>
+                  </a:tcPr>
+                </a:tc>
+                <a:tc>
+                  <a:txBody>
+                    <a:bodyPr/>
+                    <a:lstStyle/>
+                    <a:p>
+                      <a:pPr algn="r"/>
+                      <a:r>
+                        <a:rPr lang="en-FR" dirty="0">
+                          <a:effectLst/>
+                          <a:latin typeface="Liberation Sans"/>
+                        </a:rPr>
+                        <a:t>0.523217924250603</a:t>
+                      </a:r>
+                    </a:p>
+                  </a:txBody>
+                  <a:tcPr anchor="ctr">
+                    <a:lnL>
+                      <a:noFill/>
+                    </a:lnL>
+                    <a:lnR>
+                      <a:noFill/>
+                    </a:lnR>
+                    <a:lnT>
+                      <a:noFill/>
+                    </a:lnT>
+                    <a:lnB>
+                      <a:noFill/>
+                    </a:lnB>
+                  </a:tcPr>
+                </a:tc>
+                <a:tc>
+                  <a:txBody>
+                    <a:bodyPr/>
+                    <a:lstStyle/>
+                    <a:p>
+                      <a:pPr algn="r"/>
+                      <a:r>
+                        <a:rPr lang="en-FR">
+                          <a:effectLst/>
+                          <a:latin typeface="Liberation Sans"/>
+                        </a:rPr>
+                        <a:t>0.923136026791491</a:t>
+                      </a:r>
+                    </a:p>
+                  </a:txBody>
+                  <a:tcPr anchor="ctr">
+                    <a:lnL>
+                      <a:noFill/>
+                    </a:lnL>
+                    <a:lnR>
+                      <a:noFill/>
+                    </a:lnR>
+                    <a:lnT>
+                      <a:noFill/>
+                    </a:lnT>
+                    <a:lnB>
+                      <a:noFill/>
+                    </a:lnB>
+                  </a:tcPr>
+                </a:tc>
+                <a:extLst>
+                  <a:ext uri="{0D108BD9-81ED-4DB2-BD59-A6C34878D82A}">
+                    <a16:rowId xmlns:a16="http://schemas.microsoft.com/office/drawing/2014/main" val="265758712"/>
+                  </a:ext>
+                </a:extLst>
+              </a:tr>
+              <a:tr h="313549">
+                <a:tc>
+                  <a:txBody>
+                    <a:bodyPr/>
+                    <a:lstStyle/>
+                    <a:p>
+                      <a:pPr algn="l"/>
+                      <a:r>
+                        <a:rPr lang="en-GB" dirty="0" err="1">
+                          <a:effectLst/>
+                          <a:latin typeface="Liberation Sans"/>
+                        </a:rPr>
+                        <a:t>flexions_verbales_texte_proportion_ind.fut_text</a:t>
+                      </a:r>
+                      <a:endParaRPr lang="en-GB" dirty="0">
+                        <a:effectLst/>
+                        <a:latin typeface="Liberation Sans"/>
+                      </a:endParaRPr>
+                    </a:p>
+                  </a:txBody>
+                  <a:tcPr anchor="ctr">
+                    <a:lnL>
+                      <a:noFill/>
+                    </a:lnL>
+                    <a:lnR>
+                      <a:noFill/>
+                    </a:lnR>
+                    <a:lnT>
+                      <a:noFill/>
+                    </a:lnT>
+                    <a:lnB>
+                      <a:noFill/>
+                    </a:lnB>
+                  </a:tcPr>
+                </a:tc>
+                <a:tc>
+                  <a:txBody>
+                    <a:bodyPr/>
+                    <a:lstStyle/>
+                    <a:p>
+                      <a:pPr algn="r"/>
+                      <a:r>
+                        <a:rPr lang="en-FR">
+                          <a:effectLst/>
+                          <a:latin typeface="Liberation Sans"/>
+                        </a:rPr>
+                        <a:t>0.716113745886646</a:t>
+                      </a:r>
+                    </a:p>
+                  </a:txBody>
+                  <a:tcPr anchor="ctr">
+                    <a:lnL>
+                      <a:noFill/>
+                    </a:lnL>
+                    <a:lnR>
+                      <a:noFill/>
+                    </a:lnR>
+                    <a:lnT>
+                      <a:noFill/>
+                    </a:lnT>
+                    <a:lnB>
+                      <a:noFill/>
+                    </a:lnB>
+                  </a:tcPr>
+                </a:tc>
+                <a:tc>
+                  <a:txBody>
+                    <a:bodyPr/>
+                    <a:lstStyle/>
+                    <a:p>
+                      <a:pPr algn="r"/>
+                      <a:r>
+                        <a:rPr lang="en-FR">
+                          <a:effectLst/>
+                          <a:latin typeface="Liberation Sans"/>
+                        </a:rPr>
+                        <a:t>0.260476915654079</a:t>
+                      </a:r>
+                    </a:p>
+                  </a:txBody>
+                  <a:tcPr anchor="ctr">
+                    <a:lnL>
+                      <a:noFill/>
+                    </a:lnL>
+                    <a:lnR>
+                      <a:noFill/>
+                    </a:lnR>
+                    <a:lnT>
+                      <a:noFill/>
+                    </a:lnT>
+                    <a:lnB>
+                      <a:noFill/>
+                    </a:lnB>
+                  </a:tcPr>
+                </a:tc>
+                <a:tc>
+                  <a:txBody>
+                    <a:bodyPr/>
+                    <a:lstStyle/>
+                    <a:p>
+                      <a:pPr algn="r"/>
+                      <a:r>
+                        <a:rPr lang="en-FR" dirty="0">
+                          <a:effectLst/>
+                          <a:latin typeface="Liberation Sans"/>
+                        </a:rPr>
+                        <a:t>0.534464831379412</a:t>
+                      </a:r>
+                    </a:p>
+                  </a:txBody>
+                  <a:tcPr anchor="ctr">
+                    <a:lnL>
+                      <a:noFill/>
+                    </a:lnL>
+                    <a:lnR>
+                      <a:noFill/>
+                    </a:lnR>
+                    <a:lnT>
+                      <a:noFill/>
+                    </a:lnT>
+                    <a:lnB>
+                      <a:noFill/>
+                    </a:lnB>
+                  </a:tcPr>
+                </a:tc>
+                <a:extLst>
+                  <a:ext uri="{0D108BD9-81ED-4DB2-BD59-A6C34878D82A}">
+                    <a16:rowId xmlns:a16="http://schemas.microsoft.com/office/drawing/2014/main" val="3428450017"/>
+                  </a:ext>
+                </a:extLst>
+              </a:tr>
+            </a:tbl>
+          </a:graphicData>
+        </a:graphic>
+      </p:graphicFrame>
+    </p:spTree>
+    <p:extLst>
+      <p:ext uri="{BB962C8B-B14F-4D97-AF65-F5344CB8AC3E}">
+        <p14:creationId xmlns:p14="http://schemas.microsoft.com/office/powerpoint/2010/main" val="1906500850"/>
+      </p:ext>
+    </p:extLst>
+  </p:cSld>
+  <p:clrMapOvr>
+    <a:masterClrMapping/>
+  </p:clrMapOvr>
+</p:sld>
+</file>
+
+<file path=ppt/slides/slide18.xml><?xml version="1.0" encoding="utf-8"?>
 <p:sld xmlns:a="http://schemas.openxmlformats.org/drawingml/2006/main" xmlns:r="http://schemas.openxmlformats.org/officeDocument/2006/relationships" xmlns:p="http://schemas.openxmlformats.org/presentationml/2006/main" showMasterSp="0">
   <p:cSld>
     <p:spTree>
@@ -7281,7 +8575,7 @@
 </p:sld>
 </file>
 
-<file path=ppt/slides/slide18.xml><?xml version="1.0" encoding="utf-8"?>
+<file path=ppt/slides/slide19.xml><?xml version="1.0" encoding="utf-8"?>
 <p:sld xmlns:a="http://schemas.openxmlformats.org/drawingml/2006/main" xmlns:r="http://schemas.openxmlformats.org/officeDocument/2006/relationships" xmlns:p="http://schemas.openxmlformats.org/presentationml/2006/main">
   <p:cSld>
     <p:spTree>
@@ -7444,174 +8738,6 @@
     <p:extLst>
       <p:ext uri="{BB962C8B-B14F-4D97-AF65-F5344CB8AC3E}">
         <p14:creationId xmlns:p14="http://schemas.microsoft.com/office/powerpoint/2010/main" val="2377046414"/>
-      </p:ext>
-    </p:extLst>
-  </p:cSld>
-  <p:clrMapOvr>
-    <a:masterClrMapping/>
-  </p:clrMapOvr>
-</p:sld>
-</file>
-
-<file path=ppt/slides/slide19.xml><?xml version="1.0" encoding="utf-8"?>
-<p:sld xmlns:a="http://schemas.openxmlformats.org/drawingml/2006/main" xmlns:r="http://schemas.openxmlformats.org/officeDocument/2006/relationships" xmlns:p="http://schemas.openxmlformats.org/presentationml/2006/main">
-  <p:cSld>
-    <p:spTree>
-      <p:nvGrpSpPr>
-        <p:cNvPr id="1" name=""/>
-        <p:cNvGrpSpPr/>
-        <p:nvPr/>
-      </p:nvGrpSpPr>
-      <p:grpSpPr>
-        <a:xfrm>
-          <a:off x="0" y="0"/>
-          <a:ext cx="0" cy="0"/>
-          <a:chOff x="0" y="0"/>
-          <a:chExt cx="0" cy="0"/>
-        </a:xfrm>
-      </p:grpSpPr>
-      <p:sp>
-        <p:nvSpPr>
-          <p:cNvPr id="2" name="Title 1">
-            <a:extLst>
-              <a:ext uri="{FF2B5EF4-FFF2-40B4-BE49-F238E27FC236}">
-                <a16:creationId xmlns:a16="http://schemas.microsoft.com/office/drawing/2014/main" id="{F42988EB-7B10-BDA3-726B-30749406581B}"/>
-              </a:ext>
-            </a:extLst>
-          </p:cNvPr>
-          <p:cNvSpPr>
-            <a:spLocks noGrp="1"/>
-          </p:cNvSpPr>
-          <p:nvPr>
-            <p:ph type="title"/>
-          </p:nvPr>
-        </p:nvSpPr>
-        <p:spPr/>
-        <p:txBody>
-          <a:bodyPr/>
-          <a:lstStyle/>
-          <a:p>
-            <a:r>
-              <a:rPr lang="en-FR" dirty="0"/>
-              <a:t>Vu de plus près après 99%</a:t>
-            </a:r>
-          </a:p>
-        </p:txBody>
-      </p:sp>
-      <p:sp>
-        <p:nvSpPr>
-          <p:cNvPr id="3" name="Content Placeholder 2">
-            <a:extLst>
-              <a:ext uri="{FF2B5EF4-FFF2-40B4-BE49-F238E27FC236}">
-                <a16:creationId xmlns:a16="http://schemas.microsoft.com/office/drawing/2014/main" id="{18A3DA7C-899F-D8D3-D264-25BD70B2C44B}"/>
-              </a:ext>
-            </a:extLst>
-          </p:cNvPr>
-          <p:cNvSpPr>
-            <a:spLocks noGrp="1"/>
-          </p:cNvSpPr>
-          <p:nvPr>
-            <p:ph idx="1"/>
-          </p:nvPr>
-        </p:nvSpPr>
-        <p:spPr/>
-        <p:txBody>
-          <a:bodyPr/>
-          <a:lstStyle/>
-          <a:p>
-            <a:r>
-              <a:rPr lang="en-GB" dirty="0"/>
-              <a:t>&gt; </a:t>
-            </a:r>
-            <a:r>
-              <a:rPr lang="en-GB" dirty="0" err="1"/>
-              <a:t>seuil_pour_un_proc_csv_mean</a:t>
-            </a:r>
-            <a:r>
-              <a:rPr lang="en-GB" dirty="0"/>
-              <a:t>("</a:t>
-            </a:r>
-            <a:r>
-              <a:rPr lang="en-GB" dirty="0" err="1"/>
-              <a:t>diversite_temps_verbaux_flexions_verbales_phrase</a:t>
-            </a:r>
-            <a:r>
-              <a:rPr lang="en-GB" dirty="0"/>
-              <a:t>", </a:t>
-            </a:r>
-            <a:r>
-              <a:rPr lang="en-GB" dirty="0" err="1"/>
-              <a:t>allcsv_phrase_colaje_chi</a:t>
-            </a:r>
-            <a:r>
-              <a:rPr lang="en-GB" dirty="0"/>
-              <a:t>, 1.2, .001)</a:t>
-            </a:r>
-          </a:p>
-          <a:p>
-            <a:r>
-              <a:rPr lang="en-FR" dirty="0"/>
-              <a:t>99% 99.1% 99.2% 99.3% 99.4% 99.5% 99.6% 99.7% 99.8% 99.9%  100% </a:t>
-            </a:r>
-          </a:p>
-          <a:p>
-            <a:r>
-              <a:rPr lang="en-FR" dirty="0"/>
-              <a:t>  3      3         3         3         3         3        3       4          4         4          6 </a:t>
-            </a:r>
-          </a:p>
-          <a:p>
-            <a:endParaRPr lang="en-FR" dirty="0"/>
-          </a:p>
-          <a:p>
-            <a:r>
-              <a:rPr lang="en-GB" dirty="0"/>
-              <a:t>&gt; </a:t>
-            </a:r>
-            <a:r>
-              <a:rPr lang="en-GB" dirty="0" err="1"/>
-              <a:t>seuil_pour_un_proc_csv_mean</a:t>
-            </a:r>
-            <a:r>
-              <a:rPr lang="en-GB" dirty="0"/>
-              <a:t>("</a:t>
-            </a:r>
-            <a:r>
-              <a:rPr lang="en-GB" dirty="0" err="1"/>
-              <a:t>proportion_ind.plus_que_parf_flexions_verbales_phrase</a:t>
-            </a:r>
-            <a:r>
-              <a:rPr lang="en-GB" dirty="0"/>
-              <a:t>", </a:t>
-            </a:r>
-            <a:r>
-              <a:rPr lang="en-GB" dirty="0" err="1"/>
-              <a:t>allcsv_phrase_colaje_chi</a:t>
-            </a:r>
-            <a:r>
-              <a:rPr lang="en-GB" dirty="0"/>
-              <a:t>, 1.2, .001)</a:t>
-            </a:r>
-          </a:p>
-          <a:p>
-            <a:r>
-              <a:rPr lang="en-GB" dirty="0"/>
-              <a:t> 99.4%  99.5%  99.6%  99.7%  99.8%  99.9%   100% </a:t>
-            </a:r>
-          </a:p>
-          <a:p>
-            <a:r>
-              <a:rPr lang="en-GB" dirty="0"/>
-              <a:t> 16.67  25.00  33.33  50.00  50.00 100.00 100.00 </a:t>
-            </a:r>
-            <a:endParaRPr lang="en-FR" dirty="0"/>
-          </a:p>
-        </p:txBody>
-      </p:sp>
-    </p:spTree>
-    <p:extLst>
-      <p:ext uri="{BB962C8B-B14F-4D97-AF65-F5344CB8AC3E}">
-        <p14:creationId xmlns:p14="http://schemas.microsoft.com/office/powerpoint/2010/main" val="3448840242"/>
       </p:ext>
     </p:extLst>
   </p:cSld>
@@ -7863,6 +8989,2732 @@
 </p:sld>
 </file>
 
+<file path=ppt/slides/slide20.xml><?xml version="1.0" encoding="utf-8"?>
+<p:sld xmlns:a="http://schemas.openxmlformats.org/drawingml/2006/main" xmlns:r="http://schemas.openxmlformats.org/officeDocument/2006/relationships" xmlns:p="http://schemas.openxmlformats.org/presentationml/2006/main">
+  <p:cSld>
+    <p:spTree>
+      <p:nvGrpSpPr>
+        <p:cNvPr id="1" name=""/>
+        <p:cNvGrpSpPr/>
+        <p:nvPr/>
+      </p:nvGrpSpPr>
+      <p:grpSpPr>
+        <a:xfrm>
+          <a:off x="0" y="0"/>
+          <a:ext cx="0" cy="0"/>
+          <a:chOff x="0" y="0"/>
+          <a:chExt cx="0" cy="0"/>
+        </a:xfrm>
+      </p:grpSpPr>
+      <p:sp>
+        <p:nvSpPr>
+          <p:cNvPr id="2" name="Title 1">
+            <a:extLst>
+              <a:ext uri="{FF2B5EF4-FFF2-40B4-BE49-F238E27FC236}">
+                <a16:creationId xmlns:a16="http://schemas.microsoft.com/office/drawing/2014/main" id="{F42988EB-7B10-BDA3-726B-30749406581B}"/>
+              </a:ext>
+            </a:extLst>
+          </p:cNvPr>
+          <p:cNvSpPr>
+            <a:spLocks noGrp="1"/>
+          </p:cNvSpPr>
+          <p:nvPr>
+            <p:ph type="title"/>
+          </p:nvPr>
+        </p:nvSpPr>
+        <p:spPr/>
+        <p:txBody>
+          <a:bodyPr/>
+          <a:lstStyle/>
+          <a:p>
+            <a:r>
+              <a:rPr lang="en-FR" dirty="0"/>
+              <a:t>Vu de plus près après 99%</a:t>
+            </a:r>
+          </a:p>
+        </p:txBody>
+      </p:sp>
+      <p:sp>
+        <p:nvSpPr>
+          <p:cNvPr id="3" name="Content Placeholder 2">
+            <a:extLst>
+              <a:ext uri="{FF2B5EF4-FFF2-40B4-BE49-F238E27FC236}">
+                <a16:creationId xmlns:a16="http://schemas.microsoft.com/office/drawing/2014/main" id="{18A3DA7C-899F-D8D3-D264-25BD70B2C44B}"/>
+              </a:ext>
+            </a:extLst>
+          </p:cNvPr>
+          <p:cNvSpPr>
+            <a:spLocks noGrp="1"/>
+          </p:cNvSpPr>
+          <p:nvPr>
+            <p:ph idx="1"/>
+          </p:nvPr>
+        </p:nvSpPr>
+        <p:spPr/>
+        <p:txBody>
+          <a:bodyPr/>
+          <a:lstStyle/>
+          <a:p>
+            <a:r>
+              <a:rPr lang="en-GB" dirty="0"/>
+              <a:t>&gt; </a:t>
+            </a:r>
+            <a:r>
+              <a:rPr lang="en-GB" dirty="0" err="1"/>
+              <a:t>seuil_pour_un_proc_csv_mean</a:t>
+            </a:r>
+            <a:r>
+              <a:rPr lang="en-GB" dirty="0"/>
+              <a:t>("</a:t>
+            </a:r>
+            <a:r>
+              <a:rPr lang="en-GB" dirty="0" err="1"/>
+              <a:t>diversite_temps_verbaux_flexions_verbales_phrase</a:t>
+            </a:r>
+            <a:r>
+              <a:rPr lang="en-GB" dirty="0"/>
+              <a:t>", </a:t>
+            </a:r>
+            <a:r>
+              <a:rPr lang="en-GB" dirty="0" err="1"/>
+              <a:t>allcsv_phrase_colaje_chi</a:t>
+            </a:r>
+            <a:r>
+              <a:rPr lang="en-GB" dirty="0"/>
+              <a:t>, 1.2, .001)</a:t>
+            </a:r>
+          </a:p>
+          <a:p>
+            <a:r>
+              <a:rPr lang="en-FR" dirty="0"/>
+              <a:t>99% 99.1% 99.2% 99.3% 99.4% 99.5% 99.6% 99.7% 99.8% 99.9%  100% </a:t>
+            </a:r>
+          </a:p>
+          <a:p>
+            <a:r>
+              <a:rPr lang="en-FR" dirty="0"/>
+              <a:t>  3      3         3         3         3         3        3       4          4         4          6 </a:t>
+            </a:r>
+          </a:p>
+          <a:p>
+            <a:endParaRPr lang="en-FR" dirty="0"/>
+          </a:p>
+          <a:p>
+            <a:r>
+              <a:rPr lang="en-GB" dirty="0"/>
+              <a:t>&gt; </a:t>
+            </a:r>
+            <a:r>
+              <a:rPr lang="en-GB" dirty="0" err="1"/>
+              <a:t>seuil_pour_un_proc_csv_mean</a:t>
+            </a:r>
+            <a:r>
+              <a:rPr lang="en-GB" dirty="0"/>
+              <a:t>("</a:t>
+            </a:r>
+            <a:r>
+              <a:rPr lang="en-GB" dirty="0" err="1"/>
+              <a:t>proportion_ind.plus_que_parf_flexions_verbales_phrase</a:t>
+            </a:r>
+            <a:r>
+              <a:rPr lang="en-GB" dirty="0"/>
+              <a:t>", </a:t>
+            </a:r>
+            <a:r>
+              <a:rPr lang="en-GB" dirty="0" err="1"/>
+              <a:t>allcsv_phrase_colaje_chi</a:t>
+            </a:r>
+            <a:r>
+              <a:rPr lang="en-GB" dirty="0"/>
+              <a:t>, 1.2, .001)</a:t>
+            </a:r>
+          </a:p>
+          <a:p>
+            <a:r>
+              <a:rPr lang="en-GB" dirty="0"/>
+              <a:t> 99.4%  99.5%  99.6%  99.7%  99.8%  99.9%   100% </a:t>
+            </a:r>
+          </a:p>
+          <a:p>
+            <a:r>
+              <a:rPr lang="en-GB" dirty="0"/>
+              <a:t> 16.67  25.00  33.33  50.00  50.00 100.00 100.00 </a:t>
+            </a:r>
+            <a:endParaRPr lang="en-FR" dirty="0"/>
+          </a:p>
+        </p:txBody>
+      </p:sp>
+    </p:spTree>
+    <p:extLst>
+      <p:ext uri="{BB962C8B-B14F-4D97-AF65-F5344CB8AC3E}">
+        <p14:creationId xmlns:p14="http://schemas.microsoft.com/office/powerpoint/2010/main" val="3448840242"/>
+      </p:ext>
+    </p:extLst>
+  </p:cSld>
+  <p:clrMapOvr>
+    <a:masterClrMapping/>
+  </p:clrMapOvr>
+</p:sld>
+</file>
+
+<file path=ppt/slides/slide21.xml><?xml version="1.0" encoding="utf-8"?>
+<p:sld xmlns:a="http://schemas.openxmlformats.org/drawingml/2006/main" xmlns:r="http://schemas.openxmlformats.org/officeDocument/2006/relationships" xmlns:p="http://schemas.openxmlformats.org/presentationml/2006/main">
+  <p:cSld>
+    <p:spTree>
+      <p:nvGrpSpPr>
+        <p:cNvPr id="1" name=""/>
+        <p:cNvGrpSpPr/>
+        <p:nvPr/>
+      </p:nvGrpSpPr>
+      <p:grpSpPr>
+        <a:xfrm>
+          <a:off x="0" y="0"/>
+          <a:ext cx="0" cy="0"/>
+          <a:chOff x="0" y="0"/>
+          <a:chExt cx="0" cy="0"/>
+        </a:xfrm>
+      </p:grpSpPr>
+      <p:sp>
+        <p:nvSpPr>
+          <p:cNvPr id="2" name="Title 1">
+            <a:extLst>
+              <a:ext uri="{FF2B5EF4-FFF2-40B4-BE49-F238E27FC236}">
+                <a16:creationId xmlns:a16="http://schemas.microsoft.com/office/drawing/2014/main" id="{D71888A3-FBF8-9A88-22AA-E4BD8B6D072B}"/>
+              </a:ext>
+            </a:extLst>
+          </p:cNvPr>
+          <p:cNvSpPr>
+            <a:spLocks noGrp="1"/>
+          </p:cNvSpPr>
+          <p:nvPr>
+            <p:ph type="title"/>
+          </p:nvPr>
+        </p:nvSpPr>
+        <p:spPr/>
+        <p:txBody>
+          <a:bodyPr/>
+          <a:lstStyle/>
+          <a:p>
+            <a:r>
+              <a:rPr lang="en-FR" dirty="0"/>
+              <a:t>Résumé des informations sur les énoncés pour un processeur donné</a:t>
+            </a:r>
+          </a:p>
+        </p:txBody>
+      </p:sp>
+      <p:sp>
+        <p:nvSpPr>
+          <p:cNvPr id="3" name="Content Placeholder 2">
+            <a:extLst>
+              <a:ext uri="{FF2B5EF4-FFF2-40B4-BE49-F238E27FC236}">
+                <a16:creationId xmlns:a16="http://schemas.microsoft.com/office/drawing/2014/main" id="{208DEB53-C454-004B-DF21-4264988F59FE}"/>
+              </a:ext>
+            </a:extLst>
+          </p:cNvPr>
+          <p:cNvSpPr>
+            <a:spLocks noGrp="1"/>
+          </p:cNvSpPr>
+          <p:nvPr>
+            <p:ph idx="1"/>
+          </p:nvPr>
+        </p:nvSpPr>
+        <p:spPr>
+          <a:xfrm>
+            <a:off x="818712" y="1665515"/>
+            <a:ext cx="10554574" cy="4963886"/>
+          </a:xfrm>
+        </p:spPr>
+        <p:txBody>
+          <a:bodyPr>
+            <a:normAutofit fontScale="62500" lnSpcReduction="20000"/>
+          </a:bodyPr>
+          <a:lstStyle/>
+          <a:p>
+            <a:pPr marL="0" indent="0">
+              <a:buNone/>
+            </a:pPr>
+            <a:r>
+              <a:rPr lang="en-GB" dirty="0" err="1"/>
+              <a:t>sent_desc</a:t>
+            </a:r>
+            <a:r>
+              <a:rPr lang="en-GB" dirty="0"/>
+              <a:t>(</a:t>
+            </a:r>
+            <a:r>
+              <a:rPr lang="en-GB" dirty="0" err="1"/>
+              <a:t>chi_tv_mdl$bestcor$processor</a:t>
+            </a:r>
+            <a:r>
+              <a:rPr lang="en-GB" dirty="0"/>
+              <a:t>[1], </a:t>
+            </a:r>
+            <a:r>
+              <a:rPr lang="en-GB" dirty="0" err="1"/>
+              <a:t>sent_tv</a:t>
+            </a:r>
+            <a:r>
+              <a:rPr lang="en-GB" dirty="0"/>
+              <a:t>, 0.05, .6, 0.01)</a:t>
+            </a:r>
+          </a:p>
+          <a:p>
+            <a:pPr marL="0" indent="0">
+              <a:buNone/>
+            </a:pPr>
+            <a:r>
+              <a:rPr lang="en-GB" dirty="0"/>
+              <a:t>[1] "pour le </a:t>
+            </a:r>
+            <a:r>
+              <a:rPr lang="en-GB" dirty="0" err="1"/>
+              <a:t>processeur</a:t>
+            </a:r>
+            <a:r>
+              <a:rPr lang="en-GB" dirty="0"/>
+              <a:t>: adverbiaux_temporels_texte_proportion_adverbiaux_loc_temp_focalisation_id_text"</a:t>
+            </a:r>
+          </a:p>
+          <a:p>
+            <a:pPr marL="0" indent="0">
+              <a:buNone/>
+            </a:pPr>
+            <a:r>
+              <a:rPr lang="en-GB" dirty="0"/>
+              <a:t>[1] "quantiles </a:t>
+            </a:r>
+            <a:r>
+              <a:rPr lang="en-GB" dirty="0" err="1"/>
+              <a:t>tous</a:t>
+            </a:r>
+            <a:r>
+              <a:rPr lang="en-GB" dirty="0"/>
+              <a:t> les 0.05"</a:t>
+            </a:r>
+          </a:p>
+          <a:p>
+            <a:pPr marL="0" indent="0">
+              <a:buNone/>
+            </a:pPr>
+            <a:r>
+              <a:rPr lang="en-GB" dirty="0"/>
+              <a:t>  0%   5%  10%  15%  20%  25%  30%  35%  40%  45%  50%  55%  60%  65%  70%  75%  80%  85%  90%   95% 100% </a:t>
+            </a:r>
+          </a:p>
+          <a:p>
+            <a:pPr marL="0" indent="0">
+              <a:buNone/>
+            </a:pPr>
+            <a:r>
+              <a:rPr lang="en-GB" dirty="0"/>
+              <a:t>   0    0    0    0    0    0    0    0    0    0    0    0    0    0    0    0    0    0    0   0    1 </a:t>
+            </a:r>
+          </a:p>
+          <a:p>
+            <a:pPr marL="0" indent="0">
+              <a:buNone/>
+            </a:pPr>
+            <a:r>
+              <a:rPr lang="en-GB" dirty="0"/>
+              <a:t>[1] "quantiles </a:t>
+            </a:r>
+            <a:r>
+              <a:rPr lang="en-GB" dirty="0" err="1"/>
+              <a:t>apres</a:t>
+            </a:r>
+            <a:r>
+              <a:rPr lang="en-GB" dirty="0"/>
+              <a:t> un </a:t>
+            </a:r>
+            <a:r>
+              <a:rPr lang="en-GB" dirty="0" err="1"/>
+              <a:t>seuil</a:t>
+            </a:r>
+            <a:r>
+              <a:rPr lang="en-GB" dirty="0"/>
+              <a:t> </a:t>
+            </a:r>
+            <a:r>
+              <a:rPr lang="en-GB" dirty="0" err="1"/>
+              <a:t>seuil</a:t>
+            </a:r>
+            <a:r>
+              <a:rPr lang="en-GB" dirty="0"/>
+              <a:t> max-min * 0.6  et </a:t>
+            </a:r>
+            <a:r>
+              <a:rPr lang="en-GB" dirty="0" err="1"/>
+              <a:t>tous</a:t>
+            </a:r>
+            <a:r>
+              <a:rPr lang="en-GB" dirty="0"/>
+              <a:t> les 0.01"</a:t>
+            </a:r>
+          </a:p>
+          <a:p>
+            <a:pPr marL="0" indent="0">
+              <a:buNone/>
+            </a:pPr>
+            <a:r>
+              <a:rPr lang="en-GB" dirty="0"/>
+              <a:t> 98%  99% 100% </a:t>
+            </a:r>
+          </a:p>
+          <a:p>
+            <a:pPr marL="0" indent="0">
+              <a:buNone/>
+            </a:pPr>
+            <a:r>
+              <a:rPr lang="en-GB" dirty="0"/>
+              <a:t>   1    1    1 </a:t>
+            </a:r>
+          </a:p>
+          <a:p>
+            <a:pPr marL="0" indent="0">
+              <a:buNone/>
+            </a:pPr>
+            <a:r>
+              <a:rPr lang="en-GB" dirty="0"/>
+              <a:t>[1] "distribution scores: </a:t>
+            </a:r>
+            <a:r>
+              <a:rPr lang="en-GB" dirty="0" err="1"/>
+              <a:t>montrer</a:t>
+            </a:r>
+            <a:r>
+              <a:rPr lang="en-GB" dirty="0"/>
+              <a:t> </a:t>
+            </a:r>
+            <a:r>
+              <a:rPr lang="en-GB" dirty="0" err="1"/>
+              <a:t>visuellement</a:t>
+            </a:r>
+            <a:r>
+              <a:rPr lang="en-GB" dirty="0"/>
+              <a:t> la distribution des </a:t>
+            </a:r>
+            <a:r>
+              <a:rPr lang="en-GB" dirty="0" err="1"/>
+              <a:t>valeurs</a:t>
+            </a:r>
+            <a:r>
+              <a:rPr lang="en-GB" dirty="0"/>
+              <a:t> par age"</a:t>
+            </a:r>
+          </a:p>
+          <a:p>
+            <a:pPr marL="0" indent="0">
+              <a:buNone/>
+            </a:pPr>
+            <a:r>
+              <a:rPr lang="en-GB" dirty="0"/>
+              <a:t>         0      1</a:t>
+            </a:r>
+          </a:p>
+          <a:p>
+            <a:pPr marL="0" indent="0">
+              <a:buNone/>
+            </a:pPr>
+            <a:r>
+              <a:rPr lang="en-GB" dirty="0"/>
+              <a:t>  4 97.762  2.238</a:t>
+            </a:r>
+          </a:p>
+          <a:p>
+            <a:pPr marL="0" indent="0">
+              <a:buNone/>
+            </a:pPr>
+            <a:r>
+              <a:rPr lang="en-GB" dirty="0"/>
+              <a:t>  5 97.871  2.129</a:t>
+            </a:r>
+          </a:p>
+          <a:p>
+            <a:pPr marL="0" indent="0">
+              <a:buNone/>
+            </a:pPr>
+            <a:r>
+              <a:rPr lang="en-GB" dirty="0"/>
+              <a:t>  6 96.840  3.160</a:t>
+            </a:r>
+          </a:p>
+          <a:p>
+            <a:pPr marL="0" indent="0">
+              <a:buNone/>
+            </a:pPr>
+            <a:r>
+              <a:rPr lang="en-GB" dirty="0"/>
+              <a:t>  7 97.494  2.506</a:t>
+            </a:r>
+          </a:p>
+          <a:p>
+            <a:pPr marL="0" indent="0">
+              <a:buNone/>
+            </a:pPr>
+            <a:r>
+              <a:rPr lang="en-GB" dirty="0"/>
+              <a:t>[1] "distribution proc: </a:t>
+            </a:r>
+            <a:r>
+              <a:rPr lang="en-GB" dirty="0" err="1"/>
+              <a:t>valeurs</a:t>
+            </a:r>
+            <a:r>
+              <a:rPr lang="en-GB" dirty="0"/>
+              <a:t> </a:t>
+            </a:r>
+            <a:r>
+              <a:rPr lang="en-GB" dirty="0" err="1"/>
+              <a:t>intéressantes</a:t>
+            </a:r>
+            <a:r>
+              <a:rPr lang="en-GB" dirty="0"/>
+              <a:t> pour </a:t>
+            </a:r>
+            <a:r>
+              <a:rPr lang="en-GB" dirty="0" err="1"/>
+              <a:t>caractériser</a:t>
+            </a:r>
+            <a:r>
+              <a:rPr lang="en-GB" dirty="0"/>
+              <a:t> la distribution"</a:t>
+            </a:r>
+          </a:p>
+          <a:p>
+            <a:pPr marL="0" indent="0">
+              <a:buNone/>
+            </a:pPr>
+            <a:r>
+              <a:rPr lang="en-GB" dirty="0"/>
+              <a:t>   processor    mean </a:t>
+            </a:r>
+            <a:r>
+              <a:rPr lang="en-GB" dirty="0" err="1"/>
+              <a:t>sd</a:t>
+            </a:r>
+            <a:r>
+              <a:rPr lang="en-GB" dirty="0"/>
+              <a:t> min max median q20 q80 q90 q95</a:t>
+            </a:r>
+          </a:p>
+          <a:p>
+            <a:pPr marL="0" indent="0">
+              <a:buNone/>
+            </a:pPr>
+            <a:r>
+              <a:rPr lang="en-GB" dirty="0"/>
+              <a:t>1 adverbiaux_temporels_phrase_proportion_adverbiaux_loc_temp_focalisation_id_sentence 0.02522  1 0.1567   0   1  0   0   0   0   0</a:t>
+            </a:r>
+          </a:p>
+          <a:p>
+            <a:pPr marL="0" indent="0">
+              <a:buNone/>
+            </a:pPr>
+            <a:r>
+              <a:rPr lang="en-GB" dirty="0"/>
+              <a:t>[1] "</a:t>
+            </a:r>
+            <a:r>
+              <a:rPr lang="en-GB" dirty="0" err="1"/>
+              <a:t>valeur</a:t>
+            </a:r>
+            <a:r>
+              <a:rPr lang="en-GB" dirty="0"/>
+              <a:t> d'un </a:t>
+            </a:r>
+            <a:r>
+              <a:rPr lang="en-GB" dirty="0" err="1"/>
+              <a:t>seuil</a:t>
+            </a:r>
+            <a:r>
+              <a:rPr lang="en-GB" dirty="0"/>
+              <a:t> pour ls quantiles pour type minmax et </a:t>
+            </a:r>
+            <a:r>
+              <a:rPr lang="en-GB" dirty="0" err="1"/>
+              <a:t>seuil</a:t>
+            </a:r>
+            <a:r>
+              <a:rPr lang="en-GB" dirty="0"/>
+              <a:t> 0.6"</a:t>
+            </a:r>
+          </a:p>
+          <a:p>
+            <a:pPr marL="0" indent="0">
+              <a:buNone/>
+            </a:pPr>
+            <a:r>
+              <a:rPr lang="en-GB" dirty="0"/>
+              <a:t>[1] 0.8</a:t>
+            </a:r>
+            <a:endParaRPr lang="en-FR" dirty="0"/>
+          </a:p>
+        </p:txBody>
+      </p:sp>
+    </p:spTree>
+    <p:extLst>
+      <p:ext uri="{BB962C8B-B14F-4D97-AF65-F5344CB8AC3E}">
+        <p14:creationId xmlns:p14="http://schemas.microsoft.com/office/powerpoint/2010/main" val="245557239"/>
+      </p:ext>
+    </p:extLst>
+  </p:cSld>
+  <p:clrMapOvr>
+    <a:masterClrMapping/>
+  </p:clrMapOvr>
+</p:sld>
+</file>
+
+<file path=ppt/slides/slide22.xml><?xml version="1.0" encoding="utf-8"?>
+<p:sld xmlns:a="http://schemas.openxmlformats.org/drawingml/2006/main" xmlns:r="http://schemas.openxmlformats.org/officeDocument/2006/relationships" xmlns:p="http://schemas.openxmlformats.org/presentationml/2006/main">
+  <p:cSld>
+    <p:spTree>
+      <p:nvGrpSpPr>
+        <p:cNvPr id="1" name=""/>
+        <p:cNvGrpSpPr/>
+        <p:nvPr/>
+      </p:nvGrpSpPr>
+      <p:grpSpPr>
+        <a:xfrm>
+          <a:off x="0" y="0"/>
+          <a:ext cx="0" cy="0"/>
+          <a:chOff x="0" y="0"/>
+          <a:chExt cx="0" cy="0"/>
+        </a:xfrm>
+      </p:grpSpPr>
+      <p:sp>
+        <p:nvSpPr>
+          <p:cNvPr id="2" name="Title 1">
+            <a:extLst>
+              <a:ext uri="{FF2B5EF4-FFF2-40B4-BE49-F238E27FC236}">
+                <a16:creationId xmlns:a16="http://schemas.microsoft.com/office/drawing/2014/main" id="{19AB6022-4FFE-6A99-04A4-A1CBCFED5B66}"/>
+              </a:ext>
+            </a:extLst>
+          </p:cNvPr>
+          <p:cNvSpPr>
+            <a:spLocks noGrp="1"/>
+          </p:cNvSpPr>
+          <p:nvPr>
+            <p:ph type="title"/>
+          </p:nvPr>
+        </p:nvSpPr>
+        <p:spPr/>
+        <p:txBody>
+          <a:bodyPr/>
+          <a:lstStyle/>
+          <a:p>
+            <a:r>
+              <a:rPr lang="en-FR" sz="2800" dirty="0"/>
+              <a:t>Calcul de la qualité des énoncés pour un processeur</a:t>
+            </a:r>
+            <a:endParaRPr lang="en-FR" sz="3200" dirty="0"/>
+          </a:p>
+        </p:txBody>
+      </p:sp>
+      <p:sp>
+        <p:nvSpPr>
+          <p:cNvPr id="3" name="Content Placeholder 2">
+            <a:extLst>
+              <a:ext uri="{FF2B5EF4-FFF2-40B4-BE49-F238E27FC236}">
+                <a16:creationId xmlns:a16="http://schemas.microsoft.com/office/drawing/2014/main" id="{7E93D708-83E3-8ECC-AB15-6125B3193F17}"/>
+              </a:ext>
+            </a:extLst>
+          </p:cNvPr>
+          <p:cNvSpPr>
+            <a:spLocks noGrp="1"/>
+          </p:cNvSpPr>
+          <p:nvPr>
+            <p:ph idx="1"/>
+          </p:nvPr>
+        </p:nvSpPr>
+        <p:spPr>
+          <a:xfrm>
+            <a:off x="818712" y="2222288"/>
+            <a:ext cx="10554574" cy="760756"/>
+          </a:xfrm>
+        </p:spPr>
+        <p:txBody>
+          <a:bodyPr/>
+          <a:lstStyle/>
+          <a:p>
+            <a:r>
+              <a:rPr lang="en-GB" dirty="0"/>
+              <a:t>[1] "</a:t>
+            </a:r>
+            <a:r>
+              <a:rPr lang="en-GB" dirty="0" err="1"/>
+              <a:t>best_sent</a:t>
+            </a:r>
+            <a:r>
+              <a:rPr lang="en-GB" dirty="0"/>
+              <a:t> pour: </a:t>
+            </a:r>
+            <a:r>
+              <a:rPr lang="en-GB" dirty="0" err="1"/>
+              <a:t>flexions_verbales_texte_diversite_temps_verbaux_text</a:t>
+            </a:r>
+            <a:r>
+              <a:rPr lang="en-GB" dirty="0"/>
+              <a:t>”</a:t>
+            </a:r>
+          </a:p>
+        </p:txBody>
+      </p:sp>
+      <p:graphicFrame>
+        <p:nvGraphicFramePr>
+          <p:cNvPr id="5" name="Table 4">
+            <a:extLst>
+              <a:ext uri="{FF2B5EF4-FFF2-40B4-BE49-F238E27FC236}">
+                <a16:creationId xmlns:a16="http://schemas.microsoft.com/office/drawing/2014/main" id="{02990CA6-4532-A42C-FDEA-DA7F148F2559}"/>
+              </a:ext>
+            </a:extLst>
+          </p:cNvPr>
+          <p:cNvGraphicFramePr>
+            <a:graphicFrameLocks noGrp="1"/>
+          </p:cNvGraphicFramePr>
+          <p:nvPr>
+            <p:extLst>
+              <p:ext uri="{D42A27DB-BD31-4B8C-83A1-F6EECF244321}">
+                <p14:modId xmlns:p14="http://schemas.microsoft.com/office/powerpoint/2010/main" val="291167188"/>
+              </p:ext>
+            </p:extLst>
+          </p:nvPr>
+        </p:nvGraphicFramePr>
+        <p:xfrm>
+          <a:off x="810000" y="3228881"/>
+          <a:ext cx="10563225" cy="2651760"/>
+        </p:xfrm>
+        <a:graphic>
+          <a:graphicData uri="http://schemas.openxmlformats.org/drawingml/2006/table">
+            <a:tbl>
+              <a:tblPr/>
+              <a:tblGrid>
+                <a:gridCol w="3042472">
+                  <a:extLst>
+                    <a:ext uri="{9D8B030D-6E8A-4147-A177-3AD203B41FA5}">
+                      <a16:colId xmlns:a16="http://schemas.microsoft.com/office/drawing/2014/main" val="2529681438"/>
+                    </a:ext>
+                  </a:extLst>
+                </a:gridCol>
+                <a:gridCol w="6505731">
+                  <a:extLst>
+                    <a:ext uri="{9D8B030D-6E8A-4147-A177-3AD203B41FA5}">
+                      <a16:colId xmlns:a16="http://schemas.microsoft.com/office/drawing/2014/main" val="1686494203"/>
+                    </a:ext>
+                  </a:extLst>
+                </a:gridCol>
+                <a:gridCol w="1015022">
+                  <a:extLst>
+                    <a:ext uri="{9D8B030D-6E8A-4147-A177-3AD203B41FA5}">
+                      <a16:colId xmlns:a16="http://schemas.microsoft.com/office/drawing/2014/main" val="479043629"/>
+                    </a:ext>
+                  </a:extLst>
+                </a:gridCol>
+              </a:tblGrid>
+              <a:tr h="219075">
+                <a:tc>
+                  <a:txBody>
+                    <a:bodyPr/>
+                    <a:lstStyle/>
+                    <a:p>
+                      <a:pPr algn="l"/>
+                      <a:r>
+                        <a:rPr lang="en-GB">
+                          <a:effectLst/>
+                          <a:latin typeface="Liberation Sans"/>
+                        </a:rPr>
+                        <a:t>sentence</a:t>
+                      </a:r>
+                    </a:p>
+                  </a:txBody>
+                  <a:tcPr anchor="ctr">
+                    <a:lnL>
+                      <a:noFill/>
+                    </a:lnL>
+                    <a:lnR>
+                      <a:noFill/>
+                    </a:lnR>
+                    <a:lnT>
+                      <a:noFill/>
+                    </a:lnT>
+                    <a:lnB>
+                      <a:noFill/>
+                    </a:lnB>
+                  </a:tcPr>
+                </a:tc>
+                <a:tc>
+                  <a:txBody>
+                    <a:bodyPr/>
+                    <a:lstStyle/>
+                    <a:p>
+                      <a:pPr algn="l"/>
+                      <a:r>
+                        <a:rPr lang="en-GB">
+                          <a:effectLst/>
+                          <a:latin typeface="Liberation Sans"/>
+                        </a:rPr>
+                        <a:t>value</a:t>
+                      </a:r>
+                    </a:p>
+                  </a:txBody>
+                  <a:tcPr anchor="ctr">
+                    <a:lnL>
+                      <a:noFill/>
+                    </a:lnL>
+                    <a:lnR>
+                      <a:noFill/>
+                    </a:lnR>
+                    <a:lnT>
+                      <a:noFill/>
+                    </a:lnT>
+                    <a:lnB>
+                      <a:noFill/>
+                    </a:lnB>
+                  </a:tcPr>
+                </a:tc>
+                <a:tc>
+                  <a:txBody>
+                    <a:bodyPr/>
+                    <a:lstStyle/>
+                    <a:p>
+                      <a:pPr algn="l"/>
+                      <a:r>
+                        <a:rPr lang="en-GB">
+                          <a:effectLst/>
+                          <a:latin typeface="Liberation Sans"/>
+                        </a:rPr>
+                        <a:t>score</a:t>
+                      </a:r>
+                    </a:p>
+                  </a:txBody>
+                  <a:tcPr anchor="ctr">
+                    <a:lnL>
+                      <a:noFill/>
+                    </a:lnL>
+                    <a:lnR>
+                      <a:noFill/>
+                    </a:lnR>
+                    <a:lnT>
+                      <a:noFill/>
+                    </a:lnT>
+                    <a:lnB>
+                      <a:noFill/>
+                    </a:lnB>
+                  </a:tcPr>
+                </a:tc>
+                <a:extLst>
+                  <a:ext uri="{0D108BD9-81ED-4DB2-BD59-A6C34878D82A}">
+                    <a16:rowId xmlns:a16="http://schemas.microsoft.com/office/drawing/2014/main" val="1132806965"/>
+                  </a:ext>
+                </a:extLst>
+              </a:tr>
+              <a:tr h="219075">
+                <a:tc>
+                  <a:txBody>
+                    <a:bodyPr/>
+                    <a:lstStyle/>
+                    <a:p>
+                      <a:pPr algn="l"/>
+                      <a:r>
+                        <a:rPr lang="en-GB">
+                          <a:effectLst/>
+                          <a:latin typeface="Liberation Sans"/>
+                        </a:rPr>
+                        <a:t>chi_Julie_5.85.txt</a:t>
+                      </a:r>
+                    </a:p>
+                  </a:txBody>
+                  <a:tcPr anchor="ctr">
+                    <a:lnL>
+                      <a:noFill/>
+                    </a:lnL>
+                    <a:lnR>
+                      <a:noFill/>
+                    </a:lnR>
+                    <a:lnT>
+                      <a:noFill/>
+                    </a:lnT>
+                    <a:lnB>
+                      <a:noFill/>
+                    </a:lnB>
+                  </a:tcPr>
+                </a:tc>
+                <a:tc>
+                  <a:txBody>
+                    <a:bodyPr/>
+                    <a:lstStyle/>
+                    <a:p>
+                      <a:pPr algn="l"/>
+                      <a:r>
+                        <a:rPr lang="en-GB">
+                          <a:effectLst/>
+                          <a:latin typeface="Liberation Sans"/>
+                        </a:rPr>
+                        <a:t>hum peut être que si parce que Ulysse a rangé tout ceux qu'il voulait pas qu'on ait.</a:t>
+                      </a:r>
+                    </a:p>
+                  </a:txBody>
+                  <a:tcPr anchor="ctr">
+                    <a:lnL>
+                      <a:noFill/>
+                    </a:lnL>
+                    <a:lnR>
+                      <a:noFill/>
+                    </a:lnR>
+                    <a:lnT>
+                      <a:noFill/>
+                    </a:lnT>
+                    <a:lnB>
+                      <a:noFill/>
+                    </a:lnB>
+                  </a:tcPr>
+                </a:tc>
+                <a:tc>
+                  <a:txBody>
+                    <a:bodyPr/>
+                    <a:lstStyle/>
+                    <a:p>
+                      <a:pPr algn="r"/>
+                      <a:r>
+                        <a:rPr lang="en-FR" dirty="0">
+                          <a:effectLst/>
+                          <a:latin typeface="Liberation Sans"/>
+                        </a:rPr>
+                        <a:t>5</a:t>
+                      </a:r>
+                    </a:p>
+                  </a:txBody>
+                  <a:tcPr anchor="ctr">
+                    <a:lnL>
+                      <a:noFill/>
+                    </a:lnL>
+                    <a:lnR>
+                      <a:noFill/>
+                    </a:lnR>
+                    <a:lnT>
+                      <a:noFill/>
+                    </a:lnT>
+                    <a:lnB>
+                      <a:noFill/>
+                    </a:lnB>
+                  </a:tcPr>
+                </a:tc>
+                <a:extLst>
+                  <a:ext uri="{0D108BD9-81ED-4DB2-BD59-A6C34878D82A}">
+                    <a16:rowId xmlns:a16="http://schemas.microsoft.com/office/drawing/2014/main" val="418311208"/>
+                  </a:ext>
+                </a:extLst>
+              </a:tr>
+              <a:tr h="219075">
+                <a:tc>
+                  <a:txBody>
+                    <a:bodyPr/>
+                    <a:lstStyle/>
+                    <a:p>
+                      <a:pPr algn="l"/>
+                      <a:r>
+                        <a:rPr lang="en-GB">
+                          <a:effectLst/>
+                          <a:latin typeface="Liberation Sans"/>
+                        </a:rPr>
+                        <a:t>chi_Madeleine_4.15.txt</a:t>
+                      </a:r>
+                    </a:p>
+                  </a:txBody>
+                  <a:tcPr anchor="ctr">
+                    <a:lnL>
+                      <a:noFill/>
+                    </a:lnL>
+                    <a:lnR>
+                      <a:noFill/>
+                    </a:lnR>
+                    <a:lnT>
+                      <a:noFill/>
+                    </a:lnT>
+                    <a:lnB>
+                      <a:noFill/>
+                    </a:lnB>
+                  </a:tcPr>
+                </a:tc>
+                <a:tc>
+                  <a:txBody>
+                    <a:bodyPr/>
+                    <a:lstStyle/>
+                    <a:p>
+                      <a:pPr algn="l"/>
+                      <a:r>
+                        <a:rPr lang="en-GB" dirty="0" err="1">
+                          <a:effectLst/>
+                          <a:latin typeface="Liberation Sans"/>
+                        </a:rPr>
+                        <a:t>c'est</a:t>
+                      </a:r>
+                      <a:r>
+                        <a:rPr lang="en-GB" dirty="0">
+                          <a:effectLst/>
+                          <a:latin typeface="Liberation Sans"/>
+                        </a:rPr>
+                        <a:t> </a:t>
+                      </a:r>
+                      <a:r>
+                        <a:rPr lang="en-GB" dirty="0" err="1">
+                          <a:effectLst/>
+                          <a:latin typeface="Liberation Sans"/>
+                        </a:rPr>
+                        <a:t>toi</a:t>
+                      </a:r>
+                      <a:r>
+                        <a:rPr lang="en-GB" dirty="0">
+                          <a:effectLst/>
+                          <a:latin typeface="Liberation Sans"/>
+                        </a:rPr>
+                        <a:t> </a:t>
+                      </a:r>
+                      <a:r>
+                        <a:rPr lang="en-GB" dirty="0" err="1">
+                          <a:effectLst/>
+                          <a:latin typeface="Liberation Sans"/>
+                        </a:rPr>
+                        <a:t>peut</a:t>
+                      </a:r>
+                      <a:r>
+                        <a:rPr lang="en-GB" dirty="0">
+                          <a:effectLst/>
+                          <a:latin typeface="Liberation Sans"/>
+                        </a:rPr>
+                        <a:t> </a:t>
+                      </a:r>
+                      <a:r>
+                        <a:rPr lang="en-GB" dirty="0" err="1">
+                          <a:effectLst/>
+                          <a:latin typeface="Liberation Sans"/>
+                        </a:rPr>
+                        <a:t>être</a:t>
+                      </a:r>
+                      <a:r>
+                        <a:rPr lang="en-GB" dirty="0">
+                          <a:effectLst/>
+                          <a:latin typeface="Liberation Sans"/>
+                        </a:rPr>
+                        <a:t> on </a:t>
+                      </a:r>
+                      <a:r>
+                        <a:rPr lang="en-GB" dirty="0" err="1">
+                          <a:effectLst/>
+                          <a:latin typeface="Liberation Sans"/>
+                        </a:rPr>
+                        <a:t>pourrait</a:t>
+                      </a:r>
+                      <a:r>
+                        <a:rPr lang="en-GB" dirty="0">
+                          <a:effectLst/>
+                          <a:latin typeface="Liberation Sans"/>
+                        </a:rPr>
+                        <a:t> dire que y </a:t>
+                      </a:r>
+                      <a:r>
+                        <a:rPr lang="en-GB" dirty="0" err="1">
+                          <a:effectLst/>
+                          <a:latin typeface="Liberation Sans"/>
+                        </a:rPr>
+                        <a:t>avait</a:t>
+                      </a:r>
+                      <a:r>
+                        <a:rPr lang="en-GB" dirty="0">
+                          <a:effectLst/>
+                          <a:latin typeface="Liberation Sans"/>
+                        </a:rPr>
+                        <a:t> deux princesses!</a:t>
+                      </a:r>
+                    </a:p>
+                  </a:txBody>
+                  <a:tcPr anchor="ctr">
+                    <a:lnL>
+                      <a:noFill/>
+                    </a:lnL>
+                    <a:lnR>
+                      <a:noFill/>
+                    </a:lnR>
+                    <a:lnT>
+                      <a:noFill/>
+                    </a:lnT>
+                    <a:lnB>
+                      <a:noFill/>
+                    </a:lnB>
+                  </a:tcPr>
+                </a:tc>
+                <a:tc>
+                  <a:txBody>
+                    <a:bodyPr/>
+                    <a:lstStyle/>
+                    <a:p>
+                      <a:pPr algn="r"/>
+                      <a:r>
+                        <a:rPr lang="en-FR" dirty="0">
+                          <a:effectLst/>
+                          <a:latin typeface="Liberation Sans"/>
+                        </a:rPr>
+                        <a:t>5</a:t>
+                      </a:r>
+                    </a:p>
+                  </a:txBody>
+                  <a:tcPr anchor="ctr">
+                    <a:lnL>
+                      <a:noFill/>
+                    </a:lnL>
+                    <a:lnR>
+                      <a:noFill/>
+                    </a:lnR>
+                    <a:lnT>
+                      <a:noFill/>
+                    </a:lnT>
+                    <a:lnB>
+                      <a:noFill/>
+                    </a:lnB>
+                  </a:tcPr>
+                </a:tc>
+                <a:extLst>
+                  <a:ext uri="{0D108BD9-81ED-4DB2-BD59-A6C34878D82A}">
+                    <a16:rowId xmlns:a16="http://schemas.microsoft.com/office/drawing/2014/main" val="550985583"/>
+                  </a:ext>
+                </a:extLst>
+              </a:tr>
+              <a:tr h="219075">
+                <a:tc>
+                  <a:txBody>
+                    <a:bodyPr/>
+                    <a:lstStyle/>
+                    <a:p>
+                      <a:pPr marL="0" marR="0" lvl="0" indent="0" algn="l" defTabSz="457200" rtl="0" eaLnBrk="1" fontAlgn="auto" latinLnBrk="0" hangingPunct="1">
+                        <a:lnSpc>
+                          <a:spcPct val="100000"/>
+                        </a:lnSpc>
+                        <a:spcBef>
+                          <a:spcPts val="0"/>
+                        </a:spcBef>
+                        <a:spcAft>
+                          <a:spcPts val="0"/>
+                        </a:spcAft>
+                        <a:buClrTx/>
+                        <a:buSzTx/>
+                        <a:buFontTx/>
+                        <a:buNone/>
+                        <a:tabLst/>
+                        <a:defRPr/>
+                      </a:pPr>
+                      <a:r>
+                        <a:rPr lang="en-GB" sz="1800" kern="1200" dirty="0">
+                          <a:solidFill>
+                            <a:schemeClr val="tx1"/>
+                          </a:solidFill>
+                          <a:effectLst/>
+                          <a:latin typeface="+mn-lt"/>
+                          <a:ea typeface="+mn-ea"/>
+                          <a:cs typeface="+mn-cs"/>
+                        </a:rPr>
+                        <a:t>chi_Julie_5.85.txt</a:t>
+                      </a:r>
+                    </a:p>
+                  </a:txBody>
+                  <a:tcPr anchor="ctr">
+                    <a:lnL>
+                      <a:noFill/>
+                    </a:lnL>
+                    <a:lnR>
+                      <a:noFill/>
+                    </a:lnR>
+                    <a:lnT>
+                      <a:noFill/>
+                    </a:lnT>
+                    <a:lnB>
+                      <a:noFill/>
+                    </a:lnB>
+                  </a:tcPr>
+                </a:tc>
+                <a:tc>
+                  <a:txBody>
+                    <a:bodyPr/>
+                    <a:lstStyle/>
+                    <a:p>
+                      <a:pPr algn="l"/>
+                      <a:r>
+                        <a:rPr lang="en-GB" dirty="0" err="1">
+                          <a:effectLst/>
+                          <a:latin typeface="Liberation Sans"/>
+                        </a:rPr>
+                        <a:t>c'est</a:t>
+                      </a:r>
+                      <a:r>
+                        <a:rPr lang="en-GB" dirty="0">
+                          <a:effectLst/>
+                          <a:latin typeface="Liberation Sans"/>
+                        </a:rPr>
+                        <a:t> ma </a:t>
+                      </a:r>
+                      <a:r>
+                        <a:rPr lang="en-GB" dirty="0" err="1">
+                          <a:effectLst/>
+                          <a:latin typeface="Liberation Sans"/>
+                        </a:rPr>
+                        <a:t>marraine</a:t>
+                      </a:r>
+                      <a:r>
+                        <a:rPr lang="en-GB" dirty="0">
+                          <a:effectLst/>
+                          <a:latin typeface="Liberation Sans"/>
+                        </a:rPr>
+                        <a:t> qui me </a:t>
+                      </a:r>
+                      <a:r>
+                        <a:rPr lang="en-GB" dirty="0" err="1">
+                          <a:effectLst/>
+                          <a:latin typeface="Liberation Sans"/>
+                        </a:rPr>
+                        <a:t>l'avait</a:t>
+                      </a:r>
+                      <a:r>
+                        <a:rPr lang="en-GB" dirty="0">
+                          <a:effectLst/>
+                          <a:latin typeface="Liberation Sans"/>
+                        </a:rPr>
+                        <a:t> </a:t>
+                      </a:r>
+                      <a:r>
+                        <a:rPr lang="en-GB" dirty="0" err="1">
+                          <a:effectLst/>
+                          <a:latin typeface="Liberation Sans"/>
+                        </a:rPr>
+                        <a:t>offert</a:t>
+                      </a:r>
+                      <a:r>
+                        <a:rPr lang="en-GB" dirty="0">
+                          <a:effectLst/>
+                          <a:latin typeface="Liberation Sans"/>
+                        </a:rPr>
+                        <a:t>.</a:t>
+                      </a:r>
+                    </a:p>
+                    <a:p>
+                      <a:pPr algn="l"/>
+                      <a:r>
+                        <a:rPr lang="en-GB" dirty="0">
+                          <a:effectLst/>
+                          <a:latin typeface="Liberation Sans"/>
+                        </a:rPr>
+                        <a:t>et </a:t>
+                      </a:r>
+                      <a:r>
+                        <a:rPr lang="en-GB" dirty="0" err="1">
+                          <a:effectLst/>
+                          <a:latin typeface="Liberation Sans"/>
+                        </a:rPr>
+                        <a:t>j'ai</a:t>
+                      </a:r>
+                      <a:r>
+                        <a:rPr lang="en-GB" dirty="0">
+                          <a:effectLst/>
+                          <a:latin typeface="Liberation Sans"/>
+                        </a:rPr>
+                        <a:t> </a:t>
+                      </a:r>
+                      <a:r>
+                        <a:rPr lang="en-GB" dirty="0" err="1">
+                          <a:effectLst/>
+                          <a:latin typeface="Liberation Sans"/>
+                        </a:rPr>
+                        <a:t>dû</a:t>
+                      </a:r>
+                      <a:r>
+                        <a:rPr lang="en-GB" dirty="0">
+                          <a:effectLst/>
+                          <a:latin typeface="Liberation Sans"/>
+                        </a:rPr>
+                        <a:t> le prendre chez madame Nathalie.</a:t>
+                      </a:r>
+                    </a:p>
+                  </a:txBody>
+                  <a:tcPr anchor="ctr">
+                    <a:lnL>
+                      <a:noFill/>
+                    </a:lnL>
+                    <a:lnR>
+                      <a:noFill/>
+                    </a:lnR>
+                    <a:lnT>
+                      <a:noFill/>
+                    </a:lnT>
+                    <a:lnB>
+                      <a:noFill/>
+                    </a:lnB>
+                  </a:tcPr>
+                </a:tc>
+                <a:tc>
+                  <a:txBody>
+                    <a:bodyPr/>
+                    <a:lstStyle/>
+                    <a:p>
+                      <a:pPr algn="r"/>
+                      <a:r>
+                        <a:rPr lang="en-FR" dirty="0">
+                          <a:effectLst/>
+                          <a:latin typeface="Liberation Sans"/>
+                        </a:rPr>
+                        <a:t>4</a:t>
+                      </a:r>
+                    </a:p>
+                  </a:txBody>
+                  <a:tcPr anchor="ctr">
+                    <a:lnL>
+                      <a:noFill/>
+                    </a:lnL>
+                    <a:lnR>
+                      <a:noFill/>
+                    </a:lnR>
+                    <a:lnT>
+                      <a:noFill/>
+                    </a:lnT>
+                    <a:lnB>
+                      <a:noFill/>
+                    </a:lnB>
+                  </a:tcPr>
+                </a:tc>
+                <a:extLst>
+                  <a:ext uri="{0D108BD9-81ED-4DB2-BD59-A6C34878D82A}">
+                    <a16:rowId xmlns:a16="http://schemas.microsoft.com/office/drawing/2014/main" val="3040550578"/>
+                  </a:ext>
+                </a:extLst>
+              </a:tr>
+              <a:tr h="219075">
+                <a:tc>
+                  <a:txBody>
+                    <a:bodyPr/>
+                    <a:lstStyle/>
+                    <a:p>
+                      <a:pPr algn="l"/>
+                      <a:r>
+                        <a:rPr lang="en-GB" dirty="0">
+                          <a:effectLst/>
+                          <a:latin typeface="Liberation Sans"/>
+                        </a:rPr>
+                        <a:t>chi_Léonard_2.92.txt</a:t>
+                      </a:r>
+                    </a:p>
+                  </a:txBody>
+                  <a:tcPr anchor="ctr">
+                    <a:lnL>
+                      <a:noFill/>
+                    </a:lnL>
+                    <a:lnR>
+                      <a:noFill/>
+                    </a:lnR>
+                    <a:lnT>
+                      <a:noFill/>
+                    </a:lnT>
+                    <a:lnB>
+                      <a:noFill/>
+                    </a:lnB>
+                  </a:tcPr>
+                </a:tc>
+                <a:tc>
+                  <a:txBody>
+                    <a:bodyPr/>
+                    <a:lstStyle/>
+                    <a:p>
+                      <a:pPr algn="l"/>
+                      <a:r>
+                        <a:rPr lang="en-GB" dirty="0" err="1">
+                          <a:effectLst/>
+                          <a:latin typeface="Liberation Sans"/>
+                        </a:rPr>
+                        <a:t>pourquoi</a:t>
+                      </a:r>
+                      <a:r>
+                        <a:rPr lang="en-GB" dirty="0">
+                          <a:effectLst/>
+                          <a:latin typeface="Liberation Sans"/>
+                        </a:rPr>
+                        <a:t> </a:t>
+                      </a:r>
+                      <a:r>
+                        <a:rPr lang="en-GB" dirty="0" err="1">
+                          <a:effectLst/>
+                          <a:latin typeface="Liberation Sans"/>
+                        </a:rPr>
+                        <a:t>t'as</a:t>
+                      </a:r>
+                      <a:r>
+                        <a:rPr lang="en-GB" dirty="0">
+                          <a:effectLst/>
+                          <a:latin typeface="Liberation Sans"/>
+                        </a:rPr>
+                        <a:t> cru que </a:t>
+                      </a:r>
+                      <a:r>
+                        <a:rPr lang="en-GB" dirty="0" err="1">
+                          <a:effectLst/>
+                          <a:latin typeface="Liberation Sans"/>
+                        </a:rPr>
+                        <a:t>c'était</a:t>
+                      </a:r>
+                      <a:r>
+                        <a:rPr lang="en-GB" dirty="0">
+                          <a:effectLst/>
+                          <a:latin typeface="Liberation Sans"/>
+                        </a:rPr>
+                        <a:t> </a:t>
+                      </a:r>
+                      <a:r>
+                        <a:rPr lang="en-GB" dirty="0" err="1">
+                          <a:effectLst/>
+                          <a:latin typeface="Liberation Sans"/>
+                        </a:rPr>
+                        <a:t>fini</a:t>
+                      </a:r>
+                      <a:r>
+                        <a:rPr lang="en-GB" dirty="0">
+                          <a:effectLst/>
+                          <a:latin typeface="Liberation Sans"/>
+                        </a:rPr>
+                        <a:t>?</a:t>
+                      </a:r>
+                    </a:p>
+                    <a:p>
+                      <a:pPr algn="l"/>
+                      <a:r>
+                        <a:rPr lang="en-GB" dirty="0">
+                          <a:effectLst/>
+                          <a:latin typeface="Liberation Sans"/>
+                        </a:rPr>
+                        <a:t>et non </a:t>
+                      </a:r>
+                      <a:r>
+                        <a:rPr lang="en-GB" dirty="0" err="1">
+                          <a:effectLst/>
+                          <a:latin typeface="Liberation Sans"/>
+                        </a:rPr>
+                        <a:t>en</a:t>
+                      </a:r>
+                      <a:r>
+                        <a:rPr lang="en-GB" dirty="0">
+                          <a:effectLst/>
+                          <a:latin typeface="Liberation Sans"/>
+                        </a:rPr>
+                        <a:t> fait </a:t>
+                      </a:r>
+                      <a:r>
+                        <a:rPr lang="en-GB" dirty="0" err="1">
+                          <a:effectLst/>
+                          <a:latin typeface="Liberation Sans"/>
+                        </a:rPr>
+                        <a:t>ça</a:t>
+                      </a:r>
+                      <a:r>
+                        <a:rPr lang="en-GB" dirty="0">
+                          <a:effectLst/>
+                          <a:latin typeface="Liberation Sans"/>
+                        </a:rPr>
+                        <a:t> </a:t>
+                      </a:r>
+                      <a:r>
+                        <a:rPr lang="en-GB" dirty="0" err="1">
+                          <a:effectLst/>
+                          <a:latin typeface="Liberation Sans"/>
+                        </a:rPr>
+                        <a:t>va</a:t>
+                      </a:r>
+                      <a:r>
+                        <a:rPr lang="en-GB" dirty="0">
+                          <a:effectLst/>
+                          <a:latin typeface="Liberation Sans"/>
+                        </a:rPr>
+                        <a:t> commencer!</a:t>
+                      </a:r>
+                    </a:p>
+                  </a:txBody>
+                  <a:tcPr anchor="ctr">
+                    <a:lnL>
+                      <a:noFill/>
+                    </a:lnL>
+                    <a:lnR>
+                      <a:noFill/>
+                    </a:lnR>
+                    <a:lnT>
+                      <a:noFill/>
+                    </a:lnT>
+                    <a:lnB>
+                      <a:noFill/>
+                    </a:lnB>
+                  </a:tcPr>
+                </a:tc>
+                <a:tc>
+                  <a:txBody>
+                    <a:bodyPr/>
+                    <a:lstStyle/>
+                    <a:p>
+                      <a:pPr algn="r"/>
+                      <a:r>
+                        <a:rPr lang="en-FR" dirty="0">
+                          <a:effectLst/>
+                          <a:latin typeface="Liberation Sans"/>
+                        </a:rPr>
+                        <a:t>4</a:t>
+                      </a:r>
+                    </a:p>
+                  </a:txBody>
+                  <a:tcPr anchor="ctr">
+                    <a:lnL>
+                      <a:noFill/>
+                    </a:lnL>
+                    <a:lnR>
+                      <a:noFill/>
+                    </a:lnR>
+                    <a:lnT>
+                      <a:noFill/>
+                    </a:lnT>
+                    <a:lnB>
+                      <a:noFill/>
+                    </a:lnB>
+                  </a:tcPr>
+                </a:tc>
+                <a:extLst>
+                  <a:ext uri="{0D108BD9-81ED-4DB2-BD59-A6C34878D82A}">
+                    <a16:rowId xmlns:a16="http://schemas.microsoft.com/office/drawing/2014/main" val="3874423382"/>
+                  </a:ext>
+                </a:extLst>
+              </a:tr>
+            </a:tbl>
+          </a:graphicData>
+        </a:graphic>
+      </p:graphicFrame>
+    </p:spTree>
+    <p:extLst>
+      <p:ext uri="{BB962C8B-B14F-4D97-AF65-F5344CB8AC3E}">
+        <p14:creationId xmlns:p14="http://schemas.microsoft.com/office/powerpoint/2010/main" val="4182664631"/>
+      </p:ext>
+    </p:extLst>
+  </p:cSld>
+  <p:clrMapOvr>
+    <a:masterClrMapping/>
+  </p:clrMapOvr>
+</p:sld>
+</file>
+
+<file path=ppt/slides/slide23.xml><?xml version="1.0" encoding="utf-8"?>
+<p:sld xmlns:a="http://schemas.openxmlformats.org/drawingml/2006/main" xmlns:r="http://schemas.openxmlformats.org/officeDocument/2006/relationships" xmlns:p="http://schemas.openxmlformats.org/presentationml/2006/main">
+  <p:cSld>
+    <p:spTree>
+      <p:nvGrpSpPr>
+        <p:cNvPr id="1" name=""/>
+        <p:cNvGrpSpPr/>
+        <p:nvPr/>
+      </p:nvGrpSpPr>
+      <p:grpSpPr>
+        <a:xfrm>
+          <a:off x="0" y="0"/>
+          <a:ext cx="0" cy="0"/>
+          <a:chOff x="0" y="0"/>
+          <a:chExt cx="0" cy="0"/>
+        </a:xfrm>
+      </p:grpSpPr>
+      <p:sp>
+        <p:nvSpPr>
+          <p:cNvPr id="2" name="Title 1">
+            <a:extLst>
+              <a:ext uri="{FF2B5EF4-FFF2-40B4-BE49-F238E27FC236}">
+                <a16:creationId xmlns:a16="http://schemas.microsoft.com/office/drawing/2014/main" id="{66A1ABFE-7F87-C01A-EBC6-0DBC6C631A7A}"/>
+              </a:ext>
+            </a:extLst>
+          </p:cNvPr>
+          <p:cNvSpPr>
+            <a:spLocks noGrp="1"/>
+          </p:cNvSpPr>
+          <p:nvPr>
+            <p:ph type="title"/>
+          </p:nvPr>
+        </p:nvSpPr>
+        <p:spPr/>
+        <p:txBody>
+          <a:bodyPr/>
+          <a:lstStyle/>
+          <a:p>
+            <a:r>
+              <a:rPr lang="en-FR" sz="3200" dirty="0"/>
+              <a:t>Evaluation des énoncés en fonction de plusieurs processeurs</a:t>
+            </a:r>
+          </a:p>
+        </p:txBody>
+      </p:sp>
+      <p:sp>
+        <p:nvSpPr>
+          <p:cNvPr id="3" name="Content Placeholder 2">
+            <a:extLst>
+              <a:ext uri="{FF2B5EF4-FFF2-40B4-BE49-F238E27FC236}">
+                <a16:creationId xmlns:a16="http://schemas.microsoft.com/office/drawing/2014/main" id="{C8ED15D9-B07A-D181-2B54-F9EB637477DC}"/>
+              </a:ext>
+            </a:extLst>
+          </p:cNvPr>
+          <p:cNvSpPr>
+            <a:spLocks noGrp="1"/>
+          </p:cNvSpPr>
+          <p:nvPr>
+            <p:ph idx="1"/>
+          </p:nvPr>
+        </p:nvSpPr>
+        <p:spPr/>
+        <p:txBody>
+          <a:bodyPr/>
+          <a:lstStyle/>
+          <a:p>
+            <a:r>
+              <a:rPr lang="en-GB" dirty="0" err="1"/>
+              <a:t>display_best_sent_texte</a:t>
+            </a:r>
+            <a:r>
+              <a:rPr lang="en-GB" dirty="0"/>
+              <a:t>(</a:t>
+            </a:r>
+            <a:r>
+              <a:rPr lang="en-GB" dirty="0" err="1"/>
+              <a:t>sent_tv</a:t>
+            </a:r>
+            <a:r>
+              <a:rPr lang="en-GB" dirty="0"/>
+              <a:t>, "chi_Alban_5.11{GS}.txt", 20, .9, 12, "chi_Alban_5.11.csv")</a:t>
+            </a:r>
+          </a:p>
+          <a:p>
+            <a:r>
+              <a:rPr lang="en-GB" dirty="0"/>
+              <a:t>Lister les </a:t>
+            </a:r>
+            <a:r>
+              <a:rPr lang="en-GB" dirty="0" err="1"/>
+              <a:t>énoncés</a:t>
+            </a:r>
+            <a:r>
+              <a:rPr lang="en-GB" dirty="0"/>
+              <a:t> qui </a:t>
+            </a:r>
+            <a:r>
+              <a:rPr lang="en-GB" dirty="0" err="1"/>
+              <a:t>ont</a:t>
+            </a:r>
+            <a:r>
+              <a:rPr lang="en-GB" dirty="0"/>
+              <a:t> le </a:t>
+            </a:r>
+            <a:r>
+              <a:rPr lang="en-GB" dirty="0" err="1"/>
+              <a:t>souvent</a:t>
+            </a:r>
+            <a:r>
+              <a:rPr lang="en-GB" dirty="0"/>
+              <a:t> des scores </a:t>
+            </a:r>
+            <a:r>
+              <a:rPr lang="en-GB" dirty="0" err="1"/>
+              <a:t>hauts</a:t>
+            </a:r>
+            <a:r>
+              <a:rPr lang="en-GB" dirty="0"/>
+              <a:t> pour des </a:t>
+            </a:r>
+            <a:r>
+              <a:rPr lang="en-GB" dirty="0" err="1"/>
+              <a:t>processeurs</a:t>
+            </a:r>
+            <a:r>
+              <a:rPr lang="en-GB" dirty="0"/>
+              <a:t> </a:t>
+            </a:r>
+            <a:r>
+              <a:rPr lang="en-GB" dirty="0" err="1"/>
+              <a:t>intéressants</a:t>
+            </a:r>
+            <a:endParaRPr lang="en-GB" dirty="0"/>
+          </a:p>
+          <a:p>
+            <a:pPr lvl="1"/>
+            <a:r>
+              <a:rPr lang="en-GB" dirty="0" err="1"/>
+              <a:t>Exemple</a:t>
+            </a:r>
+            <a:r>
+              <a:rPr lang="en-GB" dirty="0"/>
+              <a:t> ci-dessus: 12 </a:t>
+            </a:r>
+            <a:r>
+              <a:rPr lang="en-GB" dirty="0" err="1"/>
+              <a:t>processeurs</a:t>
+            </a:r>
+            <a:r>
+              <a:rPr lang="en-GB" dirty="0"/>
+              <a:t> au </a:t>
+            </a:r>
+            <a:r>
+              <a:rPr lang="en-GB" dirty="0" err="1"/>
+              <a:t>moins</a:t>
+            </a:r>
+            <a:r>
+              <a:rPr lang="en-GB" dirty="0"/>
+              <a:t>, scores </a:t>
+            </a:r>
+            <a:r>
+              <a:rPr lang="en-GB" dirty="0" err="1"/>
+              <a:t>à</a:t>
+            </a:r>
+            <a:r>
+              <a:rPr lang="en-GB" dirty="0"/>
+              <a:t> au </a:t>
+            </a:r>
+            <a:r>
+              <a:rPr lang="en-GB" dirty="0" err="1"/>
+              <a:t>moins</a:t>
+            </a:r>
+            <a:r>
+              <a:rPr lang="en-GB" dirty="0"/>
+              <a:t> .9 (90%) du max, pour les 20 </a:t>
+            </a:r>
+            <a:r>
+              <a:rPr lang="en-GB" dirty="0" err="1"/>
+              <a:t>meilleurs</a:t>
+            </a:r>
+            <a:r>
+              <a:rPr lang="en-GB" dirty="0"/>
+              <a:t> </a:t>
+            </a:r>
+            <a:r>
+              <a:rPr lang="en-GB" dirty="0" err="1"/>
+              <a:t>processeurs</a:t>
+            </a:r>
+            <a:endParaRPr lang="en-GB" dirty="0"/>
+          </a:p>
+          <a:p>
+            <a:pPr lvl="1"/>
+            <a:endParaRPr lang="en-FR" dirty="0"/>
+          </a:p>
+        </p:txBody>
+      </p:sp>
+    </p:spTree>
+    <p:extLst>
+      <p:ext uri="{BB962C8B-B14F-4D97-AF65-F5344CB8AC3E}">
+        <p14:creationId xmlns:p14="http://schemas.microsoft.com/office/powerpoint/2010/main" val="1364994694"/>
+      </p:ext>
+    </p:extLst>
+  </p:cSld>
+  <p:clrMapOvr>
+    <a:masterClrMapping/>
+  </p:clrMapOvr>
+</p:sld>
+</file>
+
+<file path=ppt/slides/slide24.xml><?xml version="1.0" encoding="utf-8"?>
+<p:sld xmlns:a="http://schemas.openxmlformats.org/drawingml/2006/main" xmlns:r="http://schemas.openxmlformats.org/officeDocument/2006/relationships" xmlns:p="http://schemas.openxmlformats.org/presentationml/2006/main" showMasterSp="0">
+  <p:cSld>
+    <p:spTree>
+      <p:nvGrpSpPr>
+        <p:cNvPr id="1" name=""/>
+        <p:cNvGrpSpPr/>
+        <p:nvPr/>
+      </p:nvGrpSpPr>
+      <p:grpSpPr>
+        <a:xfrm>
+          <a:off x="0" y="0"/>
+          <a:ext cx="0" cy="0"/>
+          <a:chOff x="0" y="0"/>
+          <a:chExt cx="0" cy="0"/>
+        </a:xfrm>
+      </p:grpSpPr>
+      <p:sp>
+        <p:nvSpPr>
+          <p:cNvPr id="5" name="TextBox 4">
+            <a:extLst>
+              <a:ext uri="{FF2B5EF4-FFF2-40B4-BE49-F238E27FC236}">
+                <a16:creationId xmlns:a16="http://schemas.microsoft.com/office/drawing/2014/main" id="{B6C3E9BA-A7E7-7B08-E6A7-4C435DC5BCD9}"/>
+              </a:ext>
+            </a:extLst>
+          </p:cNvPr>
+          <p:cNvSpPr txBox="1"/>
+          <p:nvPr/>
+        </p:nvSpPr>
+        <p:spPr>
+          <a:xfrm>
+            <a:off x="557134" y="1166842"/>
+            <a:ext cx="11330066" cy="4524315"/>
+          </a:xfrm>
+          <a:prstGeom prst="rect">
+            <a:avLst/>
+          </a:prstGeom>
+          <a:noFill/>
+        </p:spPr>
+        <p:txBody>
+          <a:bodyPr wrap="square">
+            <a:spAutoFit/>
+          </a:bodyPr>
+          <a:lstStyle/>
+          <a:p>
+            <a:r>
+              <a:rPr lang="en-FR" dirty="0"/>
+              <a:t>[1] 14</a:t>
+            </a:r>
+          </a:p>
+          <a:p>
+            <a:r>
+              <a:rPr lang="en-FR" dirty="0"/>
+              <a:t>[1] "xxx les chats ils savent monter sur les toits donc ils passent par la cheminée."</a:t>
+            </a:r>
+          </a:p>
+          <a:p>
+            <a:r>
+              <a:rPr lang="en-FR" dirty="0"/>
+              <a:t> [1] "pluriels_phrase_nombre_pluriels_sentence"                                         </a:t>
+            </a:r>
+          </a:p>
+          <a:p>
+            <a:r>
+              <a:rPr lang="en-FR" dirty="0"/>
+              <a:t> [2] "pronoms_phrase_nombre_pronoms_indefinis_sentence"                                 </a:t>
+            </a:r>
+          </a:p>
+          <a:p>
+            <a:r>
+              <a:rPr lang="en-FR" dirty="0"/>
+              <a:t> [3] "connecteurs_organisateurs_phrase_nombre_explicatifs_et_justificatifs_sentence"    </a:t>
+            </a:r>
+          </a:p>
+          <a:p>
+            <a:r>
+              <a:rPr lang="en-FR" dirty="0"/>
+              <a:t> [4] "connecteurs_organisateurs_phrase_proportion_explicatifs_et_justificatifs_sentence"</a:t>
+            </a:r>
+          </a:p>
+          <a:p>
+            <a:r>
+              <a:rPr lang="en-FR" dirty="0"/>
+              <a:t> [5] "dependances_syntaxiques_phrase_nombre_moyen_dependances_sentence"                 </a:t>
+            </a:r>
+          </a:p>
+          <a:p>
+            <a:r>
+              <a:rPr lang="en-FR" dirty="0"/>
+              <a:t> [6] "graphie_phrase_variance_longueur_mots_sentence"                                   </a:t>
+            </a:r>
+          </a:p>
+          <a:p>
+            <a:r>
+              <a:rPr lang="en-FR" dirty="0"/>
+              <a:t> [7] "pluriels_phrase_proportion_pluriels_sentence"                                     </a:t>
+            </a:r>
+          </a:p>
+          <a:p>
+            <a:r>
+              <a:rPr lang="en-FR" dirty="0"/>
+              <a:t> [8] "connecteurs_organisateurs_phrase_nombre_connecteurs_temporels_sentence"           </a:t>
+            </a:r>
+          </a:p>
+          <a:p>
+            <a:r>
+              <a:rPr lang="en-FR" dirty="0"/>
+              <a:t> [9] "connecteurs_organisateurs_phrase_proportion_connecteurs_temporels_sentence"       </a:t>
+            </a:r>
+          </a:p>
+          <a:p>
+            <a:r>
+              <a:rPr lang="en-FR" dirty="0"/>
+              <a:t>[10] "adverbiaux_temporels_phrase_nombre_adverbiaux_temporels_sentence"                 </a:t>
+            </a:r>
+          </a:p>
+          <a:p>
+            <a:r>
+              <a:rPr lang="en-FR" dirty="0"/>
+              <a:t>[11] "adverbiaux_temporels_phrase_proportion_adverbiaux_temporels_sentence"             </a:t>
+            </a:r>
+          </a:p>
+          <a:p>
+            <a:r>
+              <a:rPr lang="en-FR" dirty="0"/>
+              <a:t>[12] "structures_syntaxiques_phrase_nombre_subordonnees_completives_sentence"           </a:t>
+            </a:r>
+          </a:p>
+          <a:p>
+            <a:r>
+              <a:rPr lang="en-FR" dirty="0"/>
+              <a:t>[13] "structures_syntaxiques_phrase_proportion_subordonnees_completives_sentence"       </a:t>
+            </a:r>
+          </a:p>
+          <a:p>
+            <a:r>
+              <a:rPr lang="en-FR" dirty="0"/>
+              <a:t>[14] "pronoms_phrase_proportion_pronoms_personnels_pluriels_sentence" </a:t>
+            </a:r>
+          </a:p>
+        </p:txBody>
+      </p:sp>
+    </p:spTree>
+    <p:extLst>
+      <p:ext uri="{BB962C8B-B14F-4D97-AF65-F5344CB8AC3E}">
+        <p14:creationId xmlns:p14="http://schemas.microsoft.com/office/powerpoint/2010/main" val="1030421561"/>
+      </p:ext>
+    </p:extLst>
+  </p:cSld>
+  <p:clrMapOvr>
+    <a:masterClrMapping/>
+  </p:clrMapOvr>
+</p:sld>
+</file>
+
+<file path=ppt/slides/slide25.xml><?xml version="1.0" encoding="utf-8"?>
+<p:sld xmlns:a="http://schemas.openxmlformats.org/drawingml/2006/main" xmlns:r="http://schemas.openxmlformats.org/officeDocument/2006/relationships" xmlns:p="http://schemas.openxmlformats.org/presentationml/2006/main" showMasterSp="0">
+  <p:cSld>
+    <p:spTree>
+      <p:nvGrpSpPr>
+        <p:cNvPr id="1" name=""/>
+        <p:cNvGrpSpPr/>
+        <p:nvPr/>
+      </p:nvGrpSpPr>
+      <p:grpSpPr>
+        <a:xfrm>
+          <a:off x="0" y="0"/>
+          <a:ext cx="0" cy="0"/>
+          <a:chOff x="0" y="0"/>
+          <a:chExt cx="0" cy="0"/>
+        </a:xfrm>
+      </p:grpSpPr>
+      <p:sp>
+        <p:nvSpPr>
+          <p:cNvPr id="5" name="TextBox 4">
+            <a:extLst>
+              <a:ext uri="{FF2B5EF4-FFF2-40B4-BE49-F238E27FC236}">
+                <a16:creationId xmlns:a16="http://schemas.microsoft.com/office/drawing/2014/main" id="{D88E46A7-F57B-E941-E2C6-7D38BB9F3171}"/>
+              </a:ext>
+            </a:extLst>
+          </p:cNvPr>
+          <p:cNvSpPr txBox="1"/>
+          <p:nvPr/>
+        </p:nvSpPr>
+        <p:spPr>
+          <a:xfrm>
+            <a:off x="141515" y="251107"/>
+            <a:ext cx="11636828" cy="6463308"/>
+          </a:xfrm>
+          <a:prstGeom prst="rect">
+            <a:avLst/>
+          </a:prstGeom>
+          <a:noFill/>
+        </p:spPr>
+        <p:txBody>
+          <a:bodyPr wrap="square">
+            <a:spAutoFit/>
+          </a:bodyPr>
+          <a:lstStyle/>
+          <a:p>
+            <a:r>
+              <a:rPr lang="en-US" dirty="0" err="1"/>
+              <a:t>display_best_sent_texte</a:t>
+            </a:r>
+            <a:r>
+              <a:rPr lang="en-US" dirty="0"/>
+              <a:t>(</a:t>
+            </a:r>
+            <a:r>
+              <a:rPr lang="en-US" dirty="0" err="1"/>
+              <a:t>colaje_sentence</a:t>
+            </a:r>
+            <a:r>
+              <a:rPr lang="en-US" dirty="0"/>
+              <a:t>, "chi_Madeleine_3.82.txt", 20, .9, 15, "chi_Madeleine_3.82.csv", T)</a:t>
+            </a:r>
+          </a:p>
+          <a:p>
+            <a:r>
+              <a:rPr lang="en-US" dirty="0"/>
+              <a:t>[1] 15</a:t>
+            </a:r>
+          </a:p>
+          <a:p>
+            <a:r>
+              <a:rPr lang="en-US" dirty="0"/>
+              <a:t>[1] "un étage deux étages trois étages tout </a:t>
+            </a:r>
+            <a:r>
+              <a:rPr lang="en-US" dirty="0" err="1"/>
+              <a:t>en</a:t>
+            </a:r>
+            <a:r>
+              <a:rPr lang="en-US" dirty="0"/>
+              <a:t> haut tout </a:t>
+            </a:r>
+            <a:r>
+              <a:rPr lang="en-US" dirty="0" err="1"/>
+              <a:t>en</a:t>
+            </a:r>
+            <a:r>
+              <a:rPr lang="en-US" dirty="0"/>
+              <a:t> haut!\</a:t>
+            </a:r>
+            <a:r>
+              <a:rPr lang="en-US" dirty="0" err="1"/>
+              <a:t>nla</a:t>
+            </a:r>
+            <a:r>
+              <a:rPr lang="en-US" dirty="0"/>
+              <a:t> chambre de Marie."</a:t>
+            </a:r>
+          </a:p>
+          <a:p>
+            <a:r>
+              <a:rPr lang="en-US" dirty="0"/>
+              <a:t>[1] 16</a:t>
+            </a:r>
+          </a:p>
+          <a:p>
+            <a:r>
+              <a:rPr lang="en-US" dirty="0"/>
+              <a:t>[1] "sur les </a:t>
+            </a:r>
+            <a:r>
+              <a:rPr lang="en-US" dirty="0" err="1"/>
+              <a:t>autres</a:t>
+            </a:r>
+            <a:r>
+              <a:rPr lang="en-US" dirty="0"/>
+              <a:t> </a:t>
+            </a:r>
+            <a:r>
+              <a:rPr lang="en-US" dirty="0" err="1"/>
+              <a:t>feuilles</a:t>
+            </a:r>
+            <a:r>
+              <a:rPr lang="en-US" dirty="0"/>
+              <a:t> </a:t>
+            </a:r>
+            <a:r>
+              <a:rPr lang="en-US" dirty="0" err="1"/>
+              <a:t>qu'est</a:t>
+            </a:r>
+            <a:r>
+              <a:rPr lang="en-US" dirty="0"/>
+              <a:t> </a:t>
+            </a:r>
+            <a:r>
+              <a:rPr lang="en-US" dirty="0" err="1"/>
+              <a:t>ce</a:t>
+            </a:r>
+            <a:r>
+              <a:rPr lang="en-US" dirty="0"/>
+              <a:t> </a:t>
+            </a:r>
+            <a:r>
+              <a:rPr lang="en-US" dirty="0" err="1"/>
+              <a:t>qu'on</a:t>
+            </a:r>
+            <a:r>
+              <a:rPr lang="en-US" dirty="0"/>
+              <a:t> </a:t>
+            </a:r>
+            <a:r>
+              <a:rPr lang="en-US" dirty="0" err="1"/>
+              <a:t>va</a:t>
+            </a:r>
+            <a:r>
+              <a:rPr lang="en-US" dirty="0"/>
+              <a:t> faire?"</a:t>
+            </a:r>
+          </a:p>
+          <a:p>
+            <a:r>
+              <a:rPr lang="en-US" dirty="0"/>
+              <a:t>[1] 15</a:t>
+            </a:r>
+          </a:p>
+          <a:p>
+            <a:r>
+              <a:rPr lang="en-US" dirty="0"/>
+              <a:t>[1] "</a:t>
+            </a:r>
+            <a:r>
+              <a:rPr lang="en-US" dirty="0" err="1"/>
+              <a:t>mais</a:t>
+            </a:r>
+            <a:r>
+              <a:rPr lang="en-US" dirty="0"/>
+              <a:t> </a:t>
+            </a:r>
+            <a:r>
+              <a:rPr lang="en-US" dirty="0" err="1"/>
+              <a:t>choisis</a:t>
+            </a:r>
+            <a:r>
+              <a:rPr lang="en-US" dirty="0"/>
+              <a:t>!\</a:t>
+            </a:r>
+            <a:r>
+              <a:rPr lang="en-US" dirty="0" err="1"/>
+              <a:t>nmais</a:t>
+            </a:r>
+            <a:r>
+              <a:rPr lang="en-US" dirty="0"/>
+              <a:t> </a:t>
+            </a:r>
+            <a:r>
+              <a:rPr lang="en-US" dirty="0" err="1"/>
+              <a:t>moi</a:t>
+            </a:r>
+            <a:r>
+              <a:rPr lang="en-US" dirty="0"/>
+              <a:t> je </a:t>
+            </a:r>
+            <a:r>
+              <a:rPr lang="en-US" dirty="0" err="1"/>
+              <a:t>veux</a:t>
+            </a:r>
+            <a:r>
+              <a:rPr lang="en-US" dirty="0"/>
+              <a:t> faire </a:t>
+            </a:r>
+            <a:r>
+              <a:rPr lang="en-US" dirty="0" err="1"/>
+              <a:t>toi</a:t>
+            </a:r>
+            <a:r>
+              <a:rPr lang="en-US" dirty="0"/>
+              <a:t> </a:t>
+            </a:r>
+            <a:r>
+              <a:rPr lang="en-US" dirty="0" err="1"/>
+              <a:t>en</a:t>
+            </a:r>
+            <a:r>
+              <a:rPr lang="en-US" dirty="0"/>
+              <a:t> train de faire du ski."</a:t>
+            </a:r>
+          </a:p>
+          <a:p>
+            <a:r>
+              <a:rPr lang="en-US" dirty="0"/>
+              <a:t>[1] 15</a:t>
+            </a:r>
+          </a:p>
+          <a:p>
+            <a:r>
+              <a:rPr lang="en-US" dirty="0"/>
+              <a:t>[1] "</a:t>
+            </a:r>
+            <a:r>
+              <a:rPr lang="en-US" dirty="0" err="1"/>
+              <a:t>euh</a:t>
+            </a:r>
+            <a:r>
+              <a:rPr lang="en-US" dirty="0"/>
+              <a:t> </a:t>
+            </a:r>
+            <a:r>
+              <a:rPr lang="en-US" dirty="0" err="1"/>
+              <a:t>mettre</a:t>
+            </a:r>
+            <a:r>
+              <a:rPr lang="en-US" dirty="0"/>
+              <a:t> dans </a:t>
+            </a:r>
+            <a:r>
+              <a:rPr lang="en-US" dirty="0" err="1"/>
+              <a:t>une</a:t>
+            </a:r>
+            <a:r>
+              <a:rPr lang="en-US" dirty="0"/>
+              <a:t> </a:t>
+            </a:r>
+            <a:r>
+              <a:rPr lang="en-US" dirty="0" err="1"/>
+              <a:t>bouteille</a:t>
+            </a:r>
+            <a:r>
+              <a:rPr lang="en-US" dirty="0"/>
+              <a:t> </a:t>
+            </a:r>
+            <a:r>
+              <a:rPr lang="en-US" dirty="0" err="1"/>
+              <a:t>si</a:t>
+            </a:r>
+            <a:r>
+              <a:rPr lang="en-US" dirty="0"/>
+              <a:t> le </a:t>
+            </a:r>
+            <a:r>
+              <a:rPr lang="en-US" dirty="0" err="1"/>
+              <a:t>si</a:t>
+            </a:r>
+            <a:r>
+              <a:rPr lang="en-US" dirty="0"/>
+              <a:t> le </a:t>
+            </a:r>
+            <a:r>
+              <a:rPr lang="en-US" dirty="0" err="1"/>
+              <a:t>trou</a:t>
+            </a:r>
+            <a:r>
+              <a:rPr lang="en-US" dirty="0"/>
+              <a:t> </a:t>
+            </a:r>
+            <a:r>
+              <a:rPr lang="en-US" dirty="0" err="1"/>
+              <a:t>est</a:t>
+            </a:r>
+            <a:r>
+              <a:rPr lang="en-US" dirty="0"/>
+              <a:t> trop petit."</a:t>
+            </a:r>
+          </a:p>
+          <a:p>
+            <a:r>
+              <a:rPr lang="en-US" dirty="0"/>
+              <a:t>[1] 17</a:t>
+            </a:r>
+          </a:p>
+          <a:p>
+            <a:r>
+              <a:rPr lang="en-US" dirty="0"/>
+              <a:t>[1] "</a:t>
+            </a:r>
+            <a:r>
+              <a:rPr lang="en-US" dirty="0" err="1"/>
+              <a:t>chacun</a:t>
+            </a:r>
+            <a:r>
+              <a:rPr lang="en-US" dirty="0"/>
+              <a:t> </a:t>
+            </a:r>
+            <a:r>
+              <a:rPr lang="en-US" dirty="0" err="1"/>
+              <a:t>roulait</a:t>
+            </a:r>
+            <a:r>
+              <a:rPr lang="en-US" dirty="0"/>
+              <a:t> la petite la </a:t>
+            </a:r>
+            <a:r>
+              <a:rPr lang="en-US" dirty="0" err="1"/>
+              <a:t>maitresse</a:t>
+            </a:r>
+            <a:r>
+              <a:rPr lang="en-US" dirty="0"/>
+              <a:t> </a:t>
+            </a:r>
+            <a:r>
+              <a:rPr lang="en-US" dirty="0" err="1"/>
+              <a:t>allait</a:t>
+            </a:r>
+            <a:r>
+              <a:rPr lang="en-US" dirty="0"/>
+              <a:t> </a:t>
+            </a:r>
+            <a:r>
+              <a:rPr lang="en-US" dirty="0" err="1"/>
+              <a:t>chercher</a:t>
+            </a:r>
+            <a:r>
+              <a:rPr lang="en-US" dirty="0"/>
+              <a:t> </a:t>
+            </a:r>
+            <a:r>
+              <a:rPr lang="en-US" dirty="0" err="1"/>
+              <a:t>une</a:t>
+            </a:r>
+            <a:r>
+              <a:rPr lang="en-US" dirty="0"/>
+              <a:t> carotte après les </a:t>
+            </a:r>
+            <a:r>
+              <a:rPr lang="en-US" dirty="0" err="1"/>
+              <a:t>yeux</a:t>
+            </a:r>
+            <a:r>
+              <a:rPr lang="en-US" dirty="0"/>
+              <a:t> après </a:t>
+            </a:r>
+            <a:r>
+              <a:rPr lang="en-US" dirty="0" err="1"/>
+              <a:t>euh</a:t>
+            </a:r>
+            <a:r>
+              <a:rPr lang="en-US" dirty="0"/>
+              <a:t>."</a:t>
+            </a:r>
+          </a:p>
+          <a:p>
+            <a:r>
+              <a:rPr lang="en-US" dirty="0"/>
+              <a:t>[1] 15</a:t>
+            </a:r>
+          </a:p>
+          <a:p>
+            <a:r>
+              <a:rPr lang="en-US" dirty="0"/>
+              <a:t>[1] "hum </a:t>
+            </a:r>
+            <a:r>
+              <a:rPr lang="en-US" dirty="0" err="1"/>
+              <a:t>oui</a:t>
+            </a:r>
+            <a:r>
+              <a:rPr lang="en-US" dirty="0"/>
+              <a:t> </a:t>
+            </a:r>
+            <a:r>
+              <a:rPr lang="en-US" dirty="0" err="1"/>
+              <a:t>elle</a:t>
+            </a:r>
+            <a:r>
+              <a:rPr lang="en-US" dirty="0"/>
+              <a:t> </a:t>
+            </a:r>
+            <a:r>
+              <a:rPr lang="en-US" dirty="0" err="1"/>
+              <a:t>est</a:t>
+            </a:r>
+            <a:r>
+              <a:rPr lang="en-US" dirty="0"/>
+              <a:t> </a:t>
+            </a:r>
+            <a:r>
+              <a:rPr lang="en-US" dirty="0" err="1"/>
+              <a:t>allée</a:t>
+            </a:r>
+            <a:r>
+              <a:rPr lang="en-US" dirty="0"/>
+              <a:t> </a:t>
+            </a:r>
+            <a:r>
+              <a:rPr lang="en-US" dirty="0" err="1"/>
+              <a:t>chercher</a:t>
+            </a:r>
+            <a:r>
+              <a:rPr lang="en-US" dirty="0"/>
+              <a:t> </a:t>
+            </a:r>
+            <a:r>
+              <a:rPr lang="en-US" dirty="0" err="1"/>
+              <a:t>c'était</a:t>
+            </a:r>
+            <a:r>
+              <a:rPr lang="en-US" dirty="0"/>
+              <a:t> un enfant qui </a:t>
+            </a:r>
+            <a:r>
+              <a:rPr lang="en-US" dirty="0" err="1"/>
+              <a:t>yyy</a:t>
+            </a:r>
+            <a:r>
+              <a:rPr lang="en-US" dirty="0"/>
+              <a:t> </a:t>
+            </a:r>
+            <a:r>
+              <a:rPr lang="en-US" dirty="0" err="1"/>
+              <a:t>lui</a:t>
+            </a:r>
+            <a:r>
+              <a:rPr lang="en-US" dirty="0"/>
+              <a:t> </a:t>
+            </a:r>
+            <a:r>
+              <a:rPr lang="en-US" dirty="0" err="1"/>
+              <a:t>avait</a:t>
+            </a:r>
+            <a:r>
+              <a:rPr lang="en-US" dirty="0"/>
+              <a:t> mis son chapeau."</a:t>
+            </a:r>
+          </a:p>
+          <a:p>
+            <a:r>
+              <a:rPr lang="en-US" dirty="0"/>
+              <a:t>[1] 16</a:t>
+            </a:r>
+          </a:p>
+          <a:p>
+            <a:r>
+              <a:rPr lang="en-US" dirty="0"/>
+              <a:t>[1] "on </a:t>
+            </a:r>
+            <a:r>
+              <a:rPr lang="en-US" dirty="0" err="1"/>
+              <a:t>peut</a:t>
+            </a:r>
+            <a:r>
+              <a:rPr lang="en-US" dirty="0"/>
+              <a:t> </a:t>
+            </a:r>
+            <a:r>
+              <a:rPr lang="en-US" dirty="0" err="1"/>
+              <a:t>éteindre</a:t>
+            </a:r>
+            <a:r>
+              <a:rPr lang="en-US" dirty="0"/>
+              <a:t> la lumière de </a:t>
+            </a:r>
+            <a:r>
+              <a:rPr lang="en-US" dirty="0" err="1"/>
+              <a:t>là</a:t>
+            </a:r>
+            <a:r>
+              <a:rPr lang="en-US" dirty="0"/>
+              <a:t> bas?\</a:t>
+            </a:r>
+            <a:r>
+              <a:rPr lang="en-US" dirty="0" err="1"/>
+              <a:t>nmais</a:t>
+            </a:r>
+            <a:r>
+              <a:rPr lang="en-US" dirty="0"/>
+              <a:t> </a:t>
+            </a:r>
+            <a:r>
+              <a:rPr lang="en-US" dirty="0" err="1"/>
+              <a:t>j'ai</a:t>
+            </a:r>
+            <a:r>
+              <a:rPr lang="en-US" dirty="0"/>
+              <a:t> </a:t>
+            </a:r>
+            <a:r>
+              <a:rPr lang="en-US" dirty="0" err="1"/>
+              <a:t>regarde</a:t>
+            </a:r>
+            <a:r>
+              <a:rPr lang="en-US" dirty="0"/>
+              <a:t> </a:t>
+            </a:r>
+            <a:r>
+              <a:rPr lang="en-US" dirty="0" err="1"/>
+              <a:t>j'aurai</a:t>
+            </a:r>
+            <a:r>
+              <a:rPr lang="en-US" dirty="0"/>
+              <a:t> pas fait beaucoup de </a:t>
+            </a:r>
+            <a:r>
+              <a:rPr lang="en-US" dirty="0" err="1"/>
+              <a:t>neige</a:t>
+            </a:r>
+            <a:r>
+              <a:rPr lang="en-US" dirty="0"/>
+              <a:t>!"</a:t>
+            </a:r>
+          </a:p>
+          <a:p>
+            <a:r>
+              <a:rPr lang="en-US" dirty="0"/>
+              <a:t>[1] 15</a:t>
+            </a:r>
+          </a:p>
+          <a:p>
+            <a:r>
+              <a:rPr lang="en-US" dirty="0"/>
+              <a:t>[1] "</a:t>
+            </a:r>
+            <a:r>
+              <a:rPr lang="en-US" dirty="0" err="1"/>
+              <a:t>l'a</a:t>
+            </a:r>
+            <a:r>
+              <a:rPr lang="en-US" dirty="0"/>
+              <a:t> un petit bout </a:t>
+            </a:r>
+            <a:r>
+              <a:rPr lang="en-US" dirty="0" err="1"/>
+              <a:t>d'os</a:t>
+            </a:r>
+            <a:r>
+              <a:rPr lang="en-US" dirty="0"/>
+              <a:t> qui se </a:t>
+            </a:r>
+            <a:r>
+              <a:rPr lang="en-US" dirty="0" err="1"/>
+              <a:t>balade</a:t>
+            </a:r>
+            <a:r>
+              <a:rPr lang="en-US" dirty="0"/>
+              <a:t>!\</a:t>
+            </a:r>
+            <a:r>
+              <a:rPr lang="en-US" dirty="0" err="1"/>
+              <a:t>ndu</a:t>
+            </a:r>
+            <a:r>
+              <a:rPr lang="en-US" dirty="0"/>
+              <a:t> coup </a:t>
+            </a:r>
+            <a:r>
+              <a:rPr lang="en-US" dirty="0" err="1"/>
+              <a:t>tu</a:t>
+            </a:r>
+            <a:r>
+              <a:rPr lang="en-US" dirty="0"/>
+              <a:t> </a:t>
+            </a:r>
+            <a:r>
+              <a:rPr lang="en-US" dirty="0" err="1"/>
+              <a:t>gardes</a:t>
+            </a:r>
+            <a:r>
+              <a:rPr lang="en-US" dirty="0"/>
+              <a:t> y aura que papa Marie et </a:t>
+            </a:r>
+            <a:r>
+              <a:rPr lang="en-US" dirty="0" err="1"/>
+              <a:t>moi</a:t>
+            </a:r>
+            <a:r>
+              <a:rPr lang="en-US" dirty="0"/>
+              <a:t>."</a:t>
+            </a:r>
+          </a:p>
+          <a:p>
+            <a:r>
+              <a:rPr lang="en-US" dirty="0"/>
+              <a:t>[1] 16</a:t>
+            </a:r>
+          </a:p>
+          <a:p>
+            <a:r>
+              <a:rPr lang="en-US" dirty="0"/>
+              <a:t>[1] "</a:t>
+            </a:r>
+            <a:r>
+              <a:rPr lang="en-US" dirty="0" err="1"/>
+              <a:t>c'est</a:t>
+            </a:r>
+            <a:r>
+              <a:rPr lang="en-US" dirty="0"/>
+              <a:t> </a:t>
+            </a:r>
+            <a:r>
+              <a:rPr lang="en-US" dirty="0" err="1"/>
+              <a:t>là</a:t>
+            </a:r>
+            <a:r>
+              <a:rPr lang="en-US" dirty="0"/>
+              <a:t> </a:t>
+            </a:r>
+            <a:r>
+              <a:rPr lang="en-US" dirty="0" err="1"/>
+              <a:t>où</a:t>
+            </a:r>
+            <a:r>
+              <a:rPr lang="en-US" dirty="0"/>
+              <a:t> on </a:t>
+            </a:r>
+            <a:r>
+              <a:rPr lang="en-US" dirty="0" err="1"/>
+              <a:t>va</a:t>
+            </a:r>
+            <a:r>
+              <a:rPr lang="en-US" dirty="0"/>
+              <a:t> </a:t>
+            </a:r>
+            <a:r>
+              <a:rPr lang="en-US" dirty="0" err="1"/>
+              <a:t>mettre</a:t>
+            </a:r>
+            <a:r>
+              <a:rPr lang="en-US" dirty="0"/>
+              <a:t> le </a:t>
+            </a:r>
+            <a:r>
+              <a:rPr lang="en-US" dirty="0" err="1"/>
+              <a:t>bébé</a:t>
+            </a:r>
+            <a:r>
+              <a:rPr lang="en-US" dirty="0"/>
+              <a:t> </a:t>
+            </a:r>
+            <a:r>
+              <a:rPr lang="en-US" dirty="0" err="1"/>
+              <a:t>en</a:t>
+            </a:r>
+            <a:r>
+              <a:rPr lang="en-US" dirty="0"/>
+              <a:t> fait </a:t>
+            </a:r>
+            <a:r>
+              <a:rPr lang="en-US" dirty="0" err="1"/>
+              <a:t>ça</a:t>
+            </a:r>
+            <a:r>
+              <a:rPr lang="en-US" dirty="0"/>
+              <a:t> </a:t>
+            </a:r>
+            <a:r>
+              <a:rPr lang="en-US" dirty="0" err="1"/>
+              <a:t>c'est</a:t>
+            </a:r>
+            <a:r>
+              <a:rPr lang="en-US" dirty="0"/>
+              <a:t> un </a:t>
+            </a:r>
+            <a:r>
+              <a:rPr lang="en-US" dirty="0" err="1"/>
+              <a:t>sapin</a:t>
+            </a:r>
+            <a:r>
+              <a:rPr lang="en-US" dirty="0"/>
+              <a:t>."</a:t>
+            </a:r>
+          </a:p>
+          <a:p>
+            <a:r>
+              <a:rPr lang="en-US" dirty="0"/>
+              <a:t>[1] 16</a:t>
+            </a:r>
+          </a:p>
+          <a:p>
+            <a:r>
+              <a:rPr lang="en-US" dirty="0"/>
+              <a:t>[1] "</a:t>
+            </a:r>
+            <a:r>
+              <a:rPr lang="en-US" dirty="0" err="1"/>
+              <a:t>yahou@i</a:t>
+            </a:r>
+            <a:r>
+              <a:rPr lang="en-US" dirty="0"/>
+              <a:t> non </a:t>
+            </a:r>
+            <a:r>
+              <a:rPr lang="en-US" dirty="0" err="1"/>
+              <a:t>là</a:t>
+            </a:r>
+            <a:r>
+              <a:rPr lang="en-US" dirty="0"/>
+              <a:t> </a:t>
+            </a:r>
+            <a:r>
+              <a:rPr lang="en-US" dirty="0" err="1"/>
+              <a:t>c'est</a:t>
+            </a:r>
+            <a:r>
+              <a:rPr lang="en-US" dirty="0"/>
+              <a:t> le papa </a:t>
+            </a:r>
+            <a:r>
+              <a:rPr lang="en-US" dirty="0" err="1"/>
+              <a:t>là</a:t>
+            </a:r>
+            <a:r>
+              <a:rPr lang="en-US" dirty="0"/>
+              <a:t> </a:t>
+            </a:r>
+            <a:r>
+              <a:rPr lang="en-US" dirty="0" err="1"/>
+              <a:t>c'est</a:t>
+            </a:r>
+            <a:r>
+              <a:rPr lang="en-US" dirty="0"/>
+              <a:t> la </a:t>
+            </a:r>
+            <a:r>
+              <a:rPr lang="en-US" dirty="0" err="1"/>
+              <a:t>grande</a:t>
+            </a:r>
+            <a:r>
+              <a:rPr lang="en-US" dirty="0"/>
+              <a:t> </a:t>
+            </a:r>
+            <a:r>
+              <a:rPr lang="en-US" dirty="0" err="1"/>
+              <a:t>soeur</a:t>
+            </a:r>
+            <a:r>
+              <a:rPr lang="en-US" dirty="0"/>
+              <a:t> qui </a:t>
+            </a:r>
+            <a:r>
+              <a:rPr lang="en-US" dirty="0" err="1"/>
+              <a:t>est</a:t>
+            </a:r>
+            <a:r>
+              <a:rPr lang="en-US" dirty="0"/>
+              <a:t> </a:t>
+            </a:r>
+            <a:r>
+              <a:rPr lang="en-US" dirty="0" err="1"/>
+              <a:t>en</a:t>
+            </a:r>
+            <a:r>
+              <a:rPr lang="en-US" dirty="0"/>
+              <a:t> train de faire du ski </a:t>
+            </a:r>
+            <a:r>
+              <a:rPr lang="en-US" dirty="0" err="1"/>
+              <a:t>là</a:t>
+            </a:r>
+            <a:r>
+              <a:rPr lang="en-US" dirty="0"/>
+              <a:t> et </a:t>
+            </a:r>
+            <a:r>
+              <a:rPr lang="en-US" dirty="0" err="1"/>
+              <a:t>là</a:t>
+            </a:r>
+            <a:r>
+              <a:rPr lang="en-US" dirty="0"/>
+              <a:t> </a:t>
+            </a:r>
+            <a:r>
+              <a:rPr lang="en-US" dirty="0" err="1"/>
+              <a:t>c'est</a:t>
+            </a:r>
+            <a:r>
+              <a:rPr lang="en-US" dirty="0"/>
+              <a:t> le grand frère et le papa il </a:t>
+            </a:r>
+            <a:r>
+              <a:rPr lang="en-US" dirty="0" err="1"/>
+              <a:t>est</a:t>
+            </a:r>
+            <a:r>
+              <a:rPr lang="en-US" dirty="0"/>
+              <a:t> </a:t>
+            </a:r>
+            <a:r>
+              <a:rPr lang="en-US" dirty="0" err="1"/>
+              <a:t>là</a:t>
+            </a:r>
+            <a:r>
+              <a:rPr lang="en-US" dirty="0"/>
+              <a:t> et le petit frère il </a:t>
+            </a:r>
+            <a:r>
+              <a:rPr lang="en-US" dirty="0" err="1"/>
+              <a:t>est</a:t>
+            </a:r>
+            <a:r>
+              <a:rPr lang="en-US" dirty="0"/>
+              <a:t> </a:t>
+            </a:r>
+            <a:r>
+              <a:rPr lang="en-US" dirty="0" err="1"/>
+              <a:t>là</a:t>
+            </a:r>
+            <a:r>
+              <a:rPr lang="en-US" dirty="0"/>
+              <a:t>."</a:t>
+            </a:r>
+          </a:p>
+        </p:txBody>
+      </p:sp>
+    </p:spTree>
+    <p:extLst>
+      <p:ext uri="{BB962C8B-B14F-4D97-AF65-F5344CB8AC3E}">
+        <p14:creationId xmlns:p14="http://schemas.microsoft.com/office/powerpoint/2010/main" val="3321231607"/>
+      </p:ext>
+    </p:extLst>
+  </p:cSld>
+  <p:clrMapOvr>
+    <a:masterClrMapping/>
+  </p:clrMapOvr>
+</p:sld>
+</file>
+
 <file path=ppt/slides/slide3.xml><?xml version="1.0" encoding="utf-8"?>
 <p:sld xmlns:a="http://schemas.openxmlformats.org/drawingml/2006/main" xmlns:r="http://schemas.openxmlformats.org/officeDocument/2006/relationships" xmlns:p="http://schemas.openxmlformats.org/presentationml/2006/main">
   <p:cSld>
@@ -8035,12 +11887,36 @@
           <a:p>
             <a:pPr lvl="2"/>
             <a:r>
+              <a:rPr lang="en-GB" dirty="0"/>
+              <a:t>”</a:t>
+            </a:r>
+            <a:r>
+              <a:rPr lang="en-GB" dirty="0" err="1"/>
+              <a:t>text_complexity_client.py</a:t>
+            </a:r>
+            <a:r>
+              <a:rPr lang="en-GB" dirty="0"/>
+              <a:t>” : </a:t>
+            </a:r>
+            <a:r>
               <a:rPr lang="en-FR" dirty="0"/>
               <a:t>Une commande génère autant de fichiers csv qu’il y a de processeurs demandés</a:t>
             </a:r>
           </a:p>
           <a:p>
             <a:pPr lvl="2"/>
+            <a:r>
+              <a:rPr lang="en-GB" dirty="0"/>
+              <a:t>”</a:t>
+            </a:r>
+            <a:r>
+              <a:rPr lang="en-GB" dirty="0" err="1"/>
+              <a:t>text_complexity_client_cmd.py</a:t>
+            </a:r>
+            <a:r>
+              <a:rPr lang="en-GB" dirty="0"/>
+              <a:t>” : </a:t>
+            </a:r>
             <a:r>
               <a:rPr lang="en-FR" dirty="0"/>
               <a:t>Une commande génére un fichier csv contenant toutes les processeurs pour un texte (ou une série de textes)</a:t>
@@ -8121,14 +11997,14 @@
           <p:nvPr>
             <p:extLst>
               <p:ext uri="{D42A27DB-BD31-4B8C-83A1-F6EECF244321}">
-                <p14:modId xmlns:p14="http://schemas.microsoft.com/office/powerpoint/2010/main" val="1550761963"/>
+                <p14:modId xmlns:p14="http://schemas.microsoft.com/office/powerpoint/2010/main" val="2147051682"/>
               </p:ext>
             </p:extLst>
           </p:nvPr>
         </p:nvGraphicFramePr>
         <p:xfrm>
-          <a:off x="132196" y="1417638"/>
-          <a:ext cx="11927605" cy="10902300"/>
+          <a:off x="476080" y="1983695"/>
+          <a:ext cx="10905918" cy="4596120"/>
         </p:xfrm>
         <a:graphic>
           <a:graphicData uri="http://schemas.openxmlformats.org/drawingml/2006/table">
@@ -8142,28 +12018,28 @@
                     </a:ext>
                   </a:extLst>
                 </a:gridCol>
-                <a:gridCol w="4325687">
+                <a:gridCol w="5191878">
                   <a:extLst>
                     <a:ext uri="{9D8B030D-6E8A-4147-A177-3AD203B41FA5}">
                       <a16:colId xmlns:a16="http://schemas.microsoft.com/office/drawing/2014/main" val="2612808530"/>
                     </a:ext>
                   </a:extLst>
                 </a:gridCol>
-                <a:gridCol w="2385521">
+                <a:gridCol w="1519330">
                   <a:extLst>
                     <a:ext uri="{9D8B030D-6E8A-4147-A177-3AD203B41FA5}">
                       <a16:colId xmlns:a16="http://schemas.microsoft.com/office/drawing/2014/main" val="160372925"/>
                     </a:ext>
                   </a:extLst>
                 </a:gridCol>
-                <a:gridCol w="2385521">
+                <a:gridCol w="1593984">
                   <a:extLst>
                     <a:ext uri="{9D8B030D-6E8A-4147-A177-3AD203B41FA5}">
                       <a16:colId xmlns:a16="http://schemas.microsoft.com/office/drawing/2014/main" val="2372002800"/>
                     </a:ext>
                   </a:extLst>
                 </a:gridCol>
-                <a:gridCol w="2385521">
+                <a:gridCol w="2155371">
                   <a:extLst>
                     <a:ext uri="{9D8B030D-6E8A-4147-A177-3AD203B41FA5}">
                       <a16:colId xmlns:a16="http://schemas.microsoft.com/office/drawing/2014/main" val="1125840371"/>
@@ -8179,16 +12055,22 @@
                     <a:p>
                       <a:pPr algn="l"/>
                       <a:r>
-                        <a:rPr lang="en-GB" sz="1600" dirty="0" err="1">
-                          <a:effectLst/>
-                          <a:latin typeface="Liberation Sans"/>
-                        </a:rPr>
-                        <a:t>id_text</a:t>
-                      </a:r>
-                      <a:endParaRPr lang="en-GB" sz="1600" dirty="0">
-                        <a:effectLst/>
-                        <a:latin typeface="Liberation Sans"/>
-                      </a:endParaRPr>
+                        <a:rPr lang="en-GB" sz="1400" dirty="0">
+                          <a:effectLst/>
+                          <a:latin typeface="Liberation Sans"/>
+                        </a:rPr>
+                        <a:t>Id</a:t>
+                      </a:r>
+                    </a:p>
+                    <a:p>
+                      <a:pPr algn="l"/>
+                      <a:r>
+                        <a:rPr lang="en-GB" sz="1400" dirty="0">
+                          <a:effectLst/>
+                          <a:latin typeface="Liberation Sans"/>
+                        </a:rPr>
+                        <a:t>text</a:t>
+                      </a:r>
                     </a:p>
                   </a:txBody>
                   <a:tcPr marL="11557" marR="11557" marT="5778" marB="5778" anchor="ctr">
@@ -8213,7 +12095,7 @@
                     <a:p>
                       <a:pPr algn="l"/>
                       <a:r>
-                        <a:rPr lang="en-GB" sz="1600" dirty="0">
+                        <a:rPr lang="en-GB" sz="1400" dirty="0">
                           <a:effectLst/>
                           <a:latin typeface="Liberation Sans"/>
                         </a:rPr>
@@ -8243,7 +12125,7 @@
                     <a:p>
                       <a:pPr algn="l"/>
                       <a:r>
-                        <a:rPr lang="en-GB" sz="1600">
+                        <a:rPr lang="en-GB" sz="1400">
                           <a:effectLst/>
                           <a:latin typeface="Liberation Sans"/>
                         </a:rPr>
@@ -8273,7 +12155,7 @@
                     <a:p>
                       <a:pPr algn="l"/>
                       <a:r>
-                        <a:rPr lang="en-GB" sz="1600">
+                        <a:rPr lang="en-GB" sz="1400">
                           <a:effectLst/>
                           <a:latin typeface="Liberation Sans"/>
                         </a:rPr>
@@ -8303,7 +12185,7 @@
                     <a:p>
                       <a:pPr algn="l"/>
                       <a:r>
-                        <a:rPr lang="en-GB" sz="1600">
+                        <a:rPr lang="en-GB" sz="1400">
                           <a:effectLst/>
                           <a:latin typeface="Liberation Sans"/>
                         </a:rPr>
@@ -8338,9 +12220,9 @@
                     <a:bodyPr/>
                     <a:lstStyle/>
                     <a:p>
-                      <a:pPr algn="r"/>
-                      <a:r>
-                        <a:rPr lang="en-FR" sz="1600" dirty="0">
+                      <a:pPr algn="l"/>
+                      <a:r>
+                        <a:rPr lang="en-FR" sz="1400" dirty="0">
                           <a:effectLst/>
                           <a:latin typeface="Liberation Sans"/>
                         </a:rPr>
@@ -8370,7 +12252,7 @@
                     <a:p>
                       <a:pPr algn="l"/>
                       <a:r>
-                        <a:rPr lang="en-GB" sz="1600">
+                        <a:rPr lang="en-GB" sz="1400">
                           <a:effectLst/>
                           <a:latin typeface="Liberation Sans"/>
                         </a:rPr>
@@ -8400,7 +12282,7 @@
                     <a:p>
                       <a:pPr algn="r"/>
                       <a:r>
-                        <a:rPr lang="en-FR" sz="1600">
+                        <a:rPr lang="en-FR" sz="1400">
                           <a:effectLst/>
                           <a:latin typeface="Liberation Sans"/>
                         </a:rPr>
@@ -8430,7 +12312,7 @@
                     <a:p>
                       <a:pPr algn="r"/>
                       <a:r>
-                        <a:rPr lang="en-FR" sz="1600">
+                        <a:rPr lang="en-FR" sz="1400">
                           <a:effectLst/>
                           <a:latin typeface="Liberation Sans"/>
                         </a:rPr>
@@ -8460,7 +12342,7 @@
                     <a:p>
                       <a:pPr algn="r"/>
                       <a:r>
-                        <a:rPr lang="en-FR" sz="1600">
+                        <a:rPr lang="en-FR" sz="1400">
                           <a:effectLst/>
                           <a:latin typeface="Liberation Sans"/>
                         </a:rPr>
@@ -8495,9 +12377,9 @@
                     <a:bodyPr/>
                     <a:lstStyle/>
                     <a:p>
-                      <a:pPr algn="r"/>
-                      <a:r>
-                        <a:rPr lang="en-FR" sz="1600" dirty="0">
+                      <a:pPr algn="l"/>
+                      <a:r>
+                        <a:rPr lang="en-FR" sz="1400" dirty="0">
                           <a:effectLst/>
                           <a:latin typeface="Liberation Sans"/>
                         </a:rPr>
@@ -8527,7 +12409,7 @@
                     <a:p>
                       <a:pPr algn="l"/>
                       <a:r>
-                        <a:rPr lang="en-GB" sz="1600">
+                        <a:rPr lang="en-GB" sz="1400">
                           <a:effectLst/>
                           <a:latin typeface="Liberation Sans"/>
                         </a:rPr>
@@ -8557,7 +12439,7 @@
                     <a:p>
                       <a:pPr algn="r"/>
                       <a:r>
-                        <a:rPr lang="en-FR" sz="1600">
+                        <a:rPr lang="en-FR" sz="1400">
                           <a:effectLst/>
                           <a:latin typeface="Liberation Sans"/>
                         </a:rPr>
@@ -8587,7 +12469,7 @@
                     <a:p>
                       <a:pPr algn="r"/>
                       <a:r>
-                        <a:rPr lang="en-FR" sz="1600">
+                        <a:rPr lang="en-FR" sz="1400">
                           <a:effectLst/>
                           <a:latin typeface="Liberation Sans"/>
                         </a:rPr>
@@ -8617,7 +12499,7 @@
                     <a:p>
                       <a:pPr algn="r"/>
                       <a:r>
-                        <a:rPr lang="en-FR" sz="1600">
+                        <a:rPr lang="en-FR" sz="1400">
                           <a:effectLst/>
                           <a:latin typeface="Liberation Sans"/>
                         </a:rPr>
@@ -8652,9 +12534,9 @@
                     <a:bodyPr/>
                     <a:lstStyle/>
                     <a:p>
-                      <a:pPr algn="r"/>
-                      <a:r>
-                        <a:rPr lang="en-FR" sz="1600" dirty="0">
+                      <a:pPr algn="l"/>
+                      <a:r>
+                        <a:rPr lang="en-FR" sz="1400" dirty="0">
                           <a:effectLst/>
                           <a:latin typeface="Liberation Sans"/>
                         </a:rPr>
@@ -8684,11 +12566,53 @@
                     <a:p>
                       <a:pPr algn="l"/>
                       <a:r>
-                        <a:rPr lang="en-GB" sz="1600">
-                          <a:effectLst/>
-                          <a:latin typeface="Liberation Sans"/>
-                        </a:rPr>
-                        <a:t>/Users/cp/brainstorm/evalang/evalang-private/Data_Mars2023/rawtextchi/TDL/chi_Cédric_5.93{GS}.txt</a:t>
+                        <a:rPr lang="en-GB" sz="1400" dirty="0">
+                          <a:effectLst/>
+                          <a:latin typeface="Liberation Sans"/>
+                        </a:rPr>
+                        <a:t>/Users/cp/brainstorm/</a:t>
+                      </a:r>
+                      <a:r>
+                        <a:rPr lang="en-GB" sz="1400" dirty="0" err="1">
+                          <a:effectLst/>
+                          <a:latin typeface="Liberation Sans"/>
+                        </a:rPr>
+                        <a:t>evalang</a:t>
+                      </a:r>
+                      <a:r>
+                        <a:rPr lang="en-GB" sz="1400" dirty="0">
+                          <a:effectLst/>
+                          <a:latin typeface="Liberation Sans"/>
+                        </a:rPr>
+                        <a:t>/</a:t>
+                      </a:r>
+                      <a:r>
+                        <a:rPr lang="en-GB" sz="1400" dirty="0" err="1">
+                          <a:effectLst/>
+                          <a:latin typeface="Liberation Sans"/>
+                        </a:rPr>
+                        <a:t>evalang</a:t>
+                      </a:r>
+                      <a:r>
+                        <a:rPr lang="en-GB" sz="1400" dirty="0">
+                          <a:effectLst/>
+                          <a:latin typeface="Liberation Sans"/>
+                        </a:rPr>
+                        <a:t>-private/Data_Mars2023/</a:t>
+                      </a:r>
+                      <a:r>
+                        <a:rPr lang="en-GB" sz="1400" dirty="0" err="1">
+                          <a:effectLst/>
+                          <a:latin typeface="Liberation Sans"/>
+                        </a:rPr>
+                        <a:t>rawtextchi</a:t>
+                      </a:r>
+                      <a:r>
+                        <a:rPr lang="en-GB" sz="1400" dirty="0">
+                          <a:effectLst/>
+                          <a:latin typeface="Liberation Sans"/>
+                        </a:rPr>
+                        <a:t>/TDL/chi_Cédric_5.93{GS}.txt</a:t>
                       </a:r>
                     </a:p>
                   </a:txBody>
@@ -8714,7 +12638,7 @@
                     <a:p>
                       <a:pPr algn="r"/>
                       <a:r>
-                        <a:rPr lang="en-FR" sz="1600">
+                        <a:rPr lang="en-FR" sz="1400">
                           <a:effectLst/>
                           <a:latin typeface="Liberation Sans"/>
                         </a:rPr>
@@ -8744,7 +12668,7 @@
                     <a:p>
                       <a:pPr algn="r"/>
                       <a:r>
-                        <a:rPr lang="en-FR" sz="1600">
+                        <a:rPr lang="en-FR" sz="1400">
                           <a:effectLst/>
                           <a:latin typeface="Liberation Sans"/>
                         </a:rPr>
@@ -8774,7 +12698,7 @@
                     <a:p>
                       <a:pPr algn="r"/>
                       <a:r>
-                        <a:rPr lang="en-FR" sz="1600">
+                        <a:rPr lang="en-FR" sz="1400">
                           <a:effectLst/>
                           <a:latin typeface="Liberation Sans"/>
                         </a:rPr>
@@ -8809,9 +12733,9 @@
                     <a:bodyPr/>
                     <a:lstStyle/>
                     <a:p>
-                      <a:pPr algn="r"/>
-                      <a:r>
-                        <a:rPr lang="en-FR" sz="1600" dirty="0">
+                      <a:pPr algn="l"/>
+                      <a:r>
+                        <a:rPr lang="en-FR" sz="1400" dirty="0">
                           <a:effectLst/>
                           <a:latin typeface="Liberation Sans"/>
                         </a:rPr>
@@ -8841,7 +12765,7 @@
                     <a:p>
                       <a:pPr algn="l"/>
                       <a:r>
-                        <a:rPr lang="en-GB" sz="1600">
+                        <a:rPr lang="en-GB" sz="1400">
                           <a:effectLst/>
                           <a:latin typeface="Liberation Sans"/>
                         </a:rPr>
@@ -8871,7 +12795,7 @@
                     <a:p>
                       <a:pPr algn="r"/>
                       <a:r>
-                        <a:rPr lang="en-FR" sz="1600">
+                        <a:rPr lang="en-FR" sz="1400">
                           <a:effectLst/>
                           <a:latin typeface="Liberation Sans"/>
                         </a:rPr>
@@ -8901,7 +12825,7 @@
                     <a:p>
                       <a:pPr algn="r"/>
                       <a:r>
-                        <a:rPr lang="en-FR" sz="1600">
+                        <a:rPr lang="en-FR" sz="1400">
                           <a:effectLst/>
                           <a:latin typeface="Liberation Sans"/>
                         </a:rPr>
@@ -8931,7 +12855,7 @@
                     <a:p>
                       <a:pPr algn="r"/>
                       <a:r>
-                        <a:rPr lang="en-FR" sz="1600">
+                        <a:rPr lang="en-FR" sz="1400">
                           <a:effectLst/>
                           <a:latin typeface="Liberation Sans"/>
                         </a:rPr>
@@ -8966,9 +12890,9 @@
                     <a:bodyPr/>
                     <a:lstStyle/>
                     <a:p>
-                      <a:pPr algn="r"/>
-                      <a:r>
-                        <a:rPr lang="en-FR" sz="1600" dirty="0">
+                      <a:pPr algn="l"/>
+                      <a:r>
+                        <a:rPr lang="en-FR" sz="1400" dirty="0">
                           <a:effectLst/>
                           <a:latin typeface="Liberation Sans"/>
                         </a:rPr>
@@ -8998,49 +12922,49 @@
                     <a:p>
                       <a:pPr algn="l"/>
                       <a:r>
-                        <a:rPr lang="en-GB" sz="1600" dirty="0">
+                        <a:rPr lang="en-GB" sz="1400" dirty="0">
                           <a:effectLst/>
                           <a:latin typeface="Liberation Sans"/>
                         </a:rPr>
                         <a:t>/Users/cp/brainstorm/</a:t>
                       </a:r>
                       <a:r>
-                        <a:rPr lang="en-GB" sz="1600" dirty="0" err="1">
+                        <a:rPr lang="en-GB" sz="1400" dirty="0" err="1">
                           <a:effectLst/>
                           <a:latin typeface="Liberation Sans"/>
                         </a:rPr>
                         <a:t>evalang</a:t>
                       </a:r>
                       <a:r>
-                        <a:rPr lang="en-GB" sz="1600" dirty="0">
+                        <a:rPr lang="en-GB" sz="1400" dirty="0">
                           <a:effectLst/>
                           <a:latin typeface="Liberation Sans"/>
                         </a:rPr>
                         <a:t>/</a:t>
                       </a:r>
                       <a:r>
-                        <a:rPr lang="en-GB" sz="1600" dirty="0" err="1">
+                        <a:rPr lang="en-GB" sz="1400" dirty="0" err="1">
                           <a:effectLst/>
                           <a:latin typeface="Liberation Sans"/>
                         </a:rPr>
                         <a:t>evalang</a:t>
                       </a:r>
                       <a:r>
-                        <a:rPr lang="en-GB" sz="1600" dirty="0">
+                        <a:rPr lang="en-GB" sz="1400" dirty="0">
                           <a:effectLst/>
                           <a:latin typeface="Liberation Sans"/>
                         </a:rPr>
                         <a:t>-private/Data_Mars2023/</a:t>
                       </a:r>
                       <a:r>
-                        <a:rPr lang="en-GB" sz="1600" dirty="0" err="1">
+                        <a:rPr lang="en-GB" sz="1400" dirty="0" err="1">
                           <a:effectLst/>
                           <a:latin typeface="Liberation Sans"/>
                         </a:rPr>
                         <a:t>rawtextchi</a:t>
                       </a:r>
                       <a:r>
-                        <a:rPr lang="en-GB" sz="1600" dirty="0">
+                        <a:rPr lang="en-GB" sz="1400" dirty="0">
                           <a:effectLst/>
                           <a:latin typeface="Liberation Sans"/>
                         </a:rPr>
@@ -9070,7 +12994,7 @@
                     <a:p>
                       <a:pPr algn="r"/>
                       <a:r>
-                        <a:rPr lang="en-FR" sz="1600">
+                        <a:rPr lang="en-FR" sz="1400">
                           <a:effectLst/>
                           <a:latin typeface="Liberation Sans"/>
                         </a:rPr>
@@ -9100,7 +13024,7 @@
                     <a:p>
                       <a:pPr algn="r"/>
                       <a:r>
-                        <a:rPr lang="en-FR" sz="1600">
+                        <a:rPr lang="en-FR" sz="1400">
                           <a:effectLst/>
                           <a:latin typeface="Liberation Sans"/>
                         </a:rPr>
@@ -9130,7 +13054,7 @@
                     <a:p>
                       <a:pPr algn="r"/>
                       <a:r>
-                        <a:rPr lang="en-FR" sz="1600">
+                        <a:rPr lang="en-FR" sz="1400">
                           <a:effectLst/>
                           <a:latin typeface="Liberation Sans"/>
                         </a:rPr>
@@ -9165,9 +13089,9 @@
                     <a:bodyPr/>
                     <a:lstStyle/>
                     <a:p>
-                      <a:pPr algn="r"/>
-                      <a:r>
-                        <a:rPr lang="en-FR" sz="1600" dirty="0">
+                      <a:pPr algn="l"/>
+                      <a:r>
+                        <a:rPr lang="en-FR" sz="1400" dirty="0">
                           <a:effectLst/>
                           <a:latin typeface="Liberation Sans"/>
                         </a:rPr>
@@ -9197,11 +13121,53 @@
                     <a:p>
                       <a:pPr algn="l"/>
                       <a:r>
-                        <a:rPr lang="en-GB" sz="1600">
-                          <a:effectLst/>
-                          <a:latin typeface="Liberation Sans"/>
-                        </a:rPr>
-                        <a:t>/Users/cp/brainstorm/evalang/evalang-private/Data_Mars2023/rawtextchi/TDL/chi_Julien_6.71{CP}.txt</a:t>
+                        <a:rPr lang="en-GB" sz="1400" dirty="0">
+                          <a:effectLst/>
+                          <a:latin typeface="Liberation Sans"/>
+                        </a:rPr>
+                        <a:t>/Users/cp/brainstorm/</a:t>
+                      </a:r>
+                      <a:r>
+                        <a:rPr lang="en-GB" sz="1400" dirty="0" err="1">
+                          <a:effectLst/>
+                          <a:latin typeface="Liberation Sans"/>
+                        </a:rPr>
+                        <a:t>evalang</a:t>
+                      </a:r>
+                      <a:r>
+                        <a:rPr lang="en-GB" sz="1400" dirty="0">
+                          <a:effectLst/>
+                          <a:latin typeface="Liberation Sans"/>
+                        </a:rPr>
+                        <a:t>/</a:t>
+                      </a:r>
+                      <a:r>
+                        <a:rPr lang="en-GB" sz="1400" dirty="0" err="1">
+                          <a:effectLst/>
+                          <a:latin typeface="Liberation Sans"/>
+                        </a:rPr>
+                        <a:t>evalang</a:t>
+                      </a:r>
+                      <a:r>
+                        <a:rPr lang="en-GB" sz="1400" dirty="0">
+                          <a:effectLst/>
+                          <a:latin typeface="Liberation Sans"/>
+                        </a:rPr>
+                        <a:t>-private/Data_Mars2023/</a:t>
+                      </a:r>
+                      <a:r>
+                        <a:rPr lang="en-GB" sz="1400" dirty="0" err="1">
+                          <a:effectLst/>
+                          <a:latin typeface="Liberation Sans"/>
+                        </a:rPr>
+                        <a:t>rawtextchi</a:t>
+                      </a:r>
+                      <a:r>
+                        <a:rPr lang="en-GB" sz="1400" dirty="0">
+                          <a:effectLst/>
+                          <a:latin typeface="Liberation Sans"/>
+                        </a:rPr>
+                        <a:t>/TDL/chi_Julien_6.71{CP}.txt</a:t>
                       </a:r>
                     </a:p>
                   </a:txBody>
@@ -9227,7 +13193,7 @@
                     <a:p>
                       <a:pPr algn="r"/>
                       <a:r>
-                        <a:rPr lang="en-FR" sz="1600">
+                        <a:rPr lang="en-FR" sz="1400">
                           <a:effectLst/>
                           <a:latin typeface="Liberation Sans"/>
                         </a:rPr>
@@ -9257,7 +13223,7 @@
                     <a:p>
                       <a:pPr algn="r"/>
                       <a:r>
-                        <a:rPr lang="en-FR" sz="1600">
+                        <a:rPr lang="en-FR" sz="1400">
                           <a:effectLst/>
                           <a:latin typeface="Liberation Sans"/>
                         </a:rPr>
@@ -9287,7 +13253,7 @@
                     <a:p>
                       <a:pPr algn="r"/>
                       <a:r>
-                        <a:rPr lang="en-FR" sz="1600">
+                        <a:rPr lang="en-FR" sz="1400">
                           <a:effectLst/>
                           <a:latin typeface="Liberation Sans"/>
                         </a:rPr>
@@ -9322,9 +13288,9 @@
                     <a:bodyPr/>
                     <a:lstStyle/>
                     <a:p>
-                      <a:pPr algn="r"/>
-                      <a:r>
-                        <a:rPr lang="en-FR" sz="1600" dirty="0">
+                      <a:pPr algn="l"/>
+                      <a:r>
+                        <a:rPr lang="en-FR" sz="1400" dirty="0">
                           <a:effectLst/>
                           <a:latin typeface="Liberation Sans"/>
                         </a:rPr>
@@ -9354,11 +13320,53 @@
                     <a:p>
                       <a:pPr algn="l"/>
                       <a:r>
-                        <a:rPr lang="en-GB" sz="1600">
-                          <a:effectLst/>
-                          <a:latin typeface="Liberation Sans"/>
-                        </a:rPr>
-                        <a:t>/Users/cp/brainstorm/evalang/evalang-private/Data_Mars2023/rawtextchi/TDL/chi_Léo_7.33{CP}.txt</a:t>
+                        <a:rPr lang="en-GB" sz="1400" dirty="0">
+                          <a:effectLst/>
+                          <a:latin typeface="Liberation Sans"/>
+                        </a:rPr>
+                        <a:t>/Users/cp/brainstorm/</a:t>
+                      </a:r>
+                      <a:r>
+                        <a:rPr lang="en-GB" sz="1400" dirty="0" err="1">
+                          <a:effectLst/>
+                          <a:latin typeface="Liberation Sans"/>
+                        </a:rPr>
+                        <a:t>evalang</a:t>
+                      </a:r>
+                      <a:r>
+                        <a:rPr lang="en-GB" sz="1400" dirty="0">
+                          <a:effectLst/>
+                          <a:latin typeface="Liberation Sans"/>
+                        </a:rPr>
+                        <a:t>/</a:t>
+                      </a:r>
+                      <a:r>
+                        <a:rPr lang="en-GB" sz="1400" dirty="0" err="1">
+                          <a:effectLst/>
+                          <a:latin typeface="Liberation Sans"/>
+                        </a:rPr>
+                        <a:t>evalang</a:t>
+                      </a:r>
+                      <a:r>
+                        <a:rPr lang="en-GB" sz="1400" dirty="0">
+                          <a:effectLst/>
+                          <a:latin typeface="Liberation Sans"/>
+                        </a:rPr>
+                        <a:t>-private/Data_Mars2023/</a:t>
+                      </a:r>
+                      <a:r>
+                        <a:rPr lang="en-GB" sz="1400" dirty="0" err="1">
+                          <a:effectLst/>
+                          <a:latin typeface="Liberation Sans"/>
+                        </a:rPr>
+                        <a:t>rawtextchi</a:t>
+                      </a:r>
+                      <a:r>
+                        <a:rPr lang="en-GB" sz="1400" dirty="0">
+                          <a:effectLst/>
+                          <a:latin typeface="Liberation Sans"/>
+                        </a:rPr>
+                        <a:t>/TDL/chi_Léo_7.33{CP}.txt</a:t>
                       </a:r>
                     </a:p>
                   </a:txBody>
@@ -9384,7 +13392,7 @@
                     <a:p>
                       <a:pPr algn="r"/>
                       <a:r>
-                        <a:rPr lang="en-FR" sz="1600">
+                        <a:rPr lang="en-FR" sz="1400">
                           <a:effectLst/>
                           <a:latin typeface="Liberation Sans"/>
                         </a:rPr>
@@ -9414,7 +13422,7 @@
                     <a:p>
                       <a:pPr algn="r"/>
                       <a:r>
-                        <a:rPr lang="en-FR" sz="1600">
+                        <a:rPr lang="en-FR" sz="1400">
                           <a:effectLst/>
                           <a:latin typeface="Liberation Sans"/>
                         </a:rPr>
@@ -9444,7 +13452,7 @@
                     <a:p>
                       <a:pPr algn="r"/>
                       <a:r>
-                        <a:rPr lang="en-FR" sz="1600">
+                        <a:rPr lang="en-FR" sz="1400">
                           <a:effectLst/>
                           <a:latin typeface="Liberation Sans"/>
                         </a:rPr>
@@ -9479,9 +13487,9 @@
                     <a:bodyPr/>
                     <a:lstStyle/>
                     <a:p>
-                      <a:pPr algn="r"/>
-                      <a:r>
-                        <a:rPr lang="en-FR" sz="1600" dirty="0">
+                      <a:pPr algn="l"/>
+                      <a:r>
+                        <a:rPr lang="en-FR" sz="1400" dirty="0">
                           <a:effectLst/>
                           <a:latin typeface="Liberation Sans"/>
                         </a:rPr>
@@ -9511,11 +13519,53 @@
                     <a:p>
                       <a:pPr algn="l"/>
                       <a:r>
-                        <a:rPr lang="en-GB" sz="1600">
-                          <a:effectLst/>
-                          <a:latin typeface="Liberation Sans"/>
-                        </a:rPr>
-                        <a:t>/Users/cp/brainstorm/evalang/evalang-private/Data_Mars2023/rawtextchi/TDL/chi_Manon_8.42{CE1}.txt</a:t>
+                        <a:rPr lang="en-GB" sz="1400" dirty="0">
+                          <a:effectLst/>
+                          <a:latin typeface="Liberation Sans"/>
+                        </a:rPr>
+                        <a:t>/Users/cp/brainstorm/</a:t>
+                      </a:r>
+                      <a:r>
+                        <a:rPr lang="en-GB" sz="1400" dirty="0" err="1">
+                          <a:effectLst/>
+                          <a:latin typeface="Liberation Sans"/>
+                        </a:rPr>
+                        <a:t>evalang</a:t>
+                      </a:r>
+                      <a:r>
+                        <a:rPr lang="en-GB" sz="1400" dirty="0">
+                          <a:effectLst/>
+                          <a:latin typeface="Liberation Sans"/>
+                        </a:rPr>
+                        <a:t>/</a:t>
+                      </a:r>
+                      <a:r>
+                        <a:rPr lang="en-GB" sz="1400" dirty="0" err="1">
+                          <a:effectLst/>
+                          <a:latin typeface="Liberation Sans"/>
+                        </a:rPr>
+                        <a:t>evalang</a:t>
+                      </a:r>
+                      <a:r>
+                        <a:rPr lang="en-GB" sz="1400" dirty="0">
+                          <a:effectLst/>
+                          <a:latin typeface="Liberation Sans"/>
+                        </a:rPr>
+                        <a:t>-private/Data_Mars2023/</a:t>
+                      </a:r>
+                      <a:r>
+                        <a:rPr lang="en-GB" sz="1400" dirty="0" err="1">
+                          <a:effectLst/>
+                          <a:latin typeface="Liberation Sans"/>
+                        </a:rPr>
+                        <a:t>rawtextchi</a:t>
+                      </a:r>
+                      <a:r>
+                        <a:rPr lang="en-GB" sz="1400" dirty="0">
+                          <a:effectLst/>
+                          <a:latin typeface="Liberation Sans"/>
+                        </a:rPr>
+                        <a:t>/TDL/chi_Manon_8.42{CE1}.txt</a:t>
                       </a:r>
                     </a:p>
                   </a:txBody>
@@ -9541,7 +13591,7 @@
                     <a:p>
                       <a:pPr algn="r"/>
                       <a:r>
-                        <a:rPr lang="en-FR" sz="1600">
+                        <a:rPr lang="en-FR" sz="1400">
                           <a:effectLst/>
                           <a:latin typeface="Liberation Sans"/>
                         </a:rPr>
@@ -9571,7 +13621,7 @@
                     <a:p>
                       <a:pPr algn="r"/>
                       <a:r>
-                        <a:rPr lang="en-FR" sz="1600">
+                        <a:rPr lang="en-FR" sz="1400">
                           <a:effectLst/>
                           <a:latin typeface="Liberation Sans"/>
                         </a:rPr>
@@ -9601,7 +13651,7 @@
                     <a:p>
                       <a:pPr algn="r"/>
                       <a:r>
-                        <a:rPr lang="en-FR" sz="1600">
+                        <a:rPr lang="en-FR" sz="1400">
                           <a:effectLst/>
                           <a:latin typeface="Liberation Sans"/>
                         </a:rPr>
@@ -9636,9 +13686,9 @@
                     <a:bodyPr/>
                     <a:lstStyle/>
                     <a:p>
-                      <a:pPr algn="r"/>
-                      <a:r>
-                        <a:rPr lang="en-FR" sz="1600" dirty="0">
+                      <a:pPr algn="l"/>
+                      <a:r>
+                        <a:rPr lang="en-FR" sz="1400" dirty="0">
                           <a:effectLst/>
                           <a:latin typeface="Liberation Sans"/>
                         </a:rPr>
@@ -9668,7 +13718,7 @@
                     <a:p>
                       <a:pPr algn="l"/>
                       <a:r>
-                        <a:rPr lang="en-GB" sz="1600">
+                        <a:rPr lang="en-GB" sz="1400">
                           <a:effectLst/>
                           <a:latin typeface="Liberation Sans"/>
                         </a:rPr>
@@ -9698,7 +13748,7 @@
                     <a:p>
                       <a:pPr algn="r"/>
                       <a:r>
-                        <a:rPr lang="en-FR" sz="1600">
+                        <a:rPr lang="en-FR" sz="1400">
                           <a:effectLst/>
                           <a:latin typeface="Liberation Sans"/>
                         </a:rPr>
@@ -9728,7 +13778,7 @@
                     <a:p>
                       <a:pPr algn="r"/>
                       <a:r>
-                        <a:rPr lang="en-FR" sz="1600">
+                        <a:rPr lang="en-FR" sz="1400">
                           <a:effectLst/>
                           <a:latin typeface="Liberation Sans"/>
                         </a:rPr>
@@ -9758,7 +13808,7 @@
                     <a:p>
                       <a:pPr algn="r"/>
                       <a:r>
-                        <a:rPr lang="en-FR" sz="1600">
+                        <a:rPr lang="en-FR" sz="1400" dirty="0">
                           <a:effectLst/>
                           <a:latin typeface="Liberation Sans"/>
                         </a:rPr>
@@ -9784,791 +13834,6 @@
                 <a:extLst>
                   <a:ext uri="{0D108BD9-81ED-4DB2-BD59-A6C34878D82A}">
                     <a16:rowId xmlns:a16="http://schemas.microsoft.com/office/drawing/2014/main" val="24749376"/>
-                  </a:ext>
-                </a:extLst>
-              </a:tr>
-              <a:tr h="324737">
-                <a:tc>
-                  <a:txBody>
-                    <a:bodyPr/>
-                    <a:lstStyle/>
-                    <a:p>
-                      <a:pPr algn="r"/>
-                      <a:r>
-                        <a:rPr lang="en-FR" sz="1600" dirty="0">
-                          <a:effectLst/>
-                          <a:latin typeface="Liberation Sans"/>
-                        </a:rPr>
-                        <a:t>9</a:t>
-                      </a:r>
-                    </a:p>
-                  </a:txBody>
-                  <a:tcPr marL="11557" marR="11557" marT="5778" marB="5778" anchor="ctr">
-                    <a:lnL>
-                      <a:noFill/>
-                    </a:lnL>
-                    <a:lnR>
-                      <a:noFill/>
-                    </a:lnR>
-                    <a:lnT>
-                      <a:noFill/>
-                    </a:lnT>
-                    <a:lnB>
-                      <a:noFill/>
-                    </a:lnB>
-                  </a:tcPr>
-                </a:tc>
-                <a:tc>
-                  <a:txBody>
-                    <a:bodyPr/>
-                    <a:lstStyle/>
-                    <a:p>
-                      <a:pPr algn="l"/>
-                      <a:r>
-                        <a:rPr lang="en-GB" sz="1600">
-                          <a:effectLst/>
-                          <a:latin typeface="Liberation Sans"/>
-                        </a:rPr>
-                        <a:t>/Users/cp/brainstorm/evalang/evalang-private/Data_Mars2023/rawtextchi/TDL/chi_Sophie_6.31{GS}.txt</a:t>
-                      </a:r>
-                    </a:p>
-                  </a:txBody>
-                  <a:tcPr marL="11557" marR="11557" marT="5778" marB="5778" anchor="ctr">
-                    <a:lnL>
-                      <a:noFill/>
-                    </a:lnL>
-                    <a:lnR>
-                      <a:noFill/>
-                    </a:lnR>
-                    <a:lnT>
-                      <a:noFill/>
-                    </a:lnT>
-                    <a:lnB>
-                      <a:noFill/>
-                    </a:lnB>
-                  </a:tcPr>
-                </a:tc>
-                <a:tc>
-                  <a:txBody>
-                    <a:bodyPr/>
-                    <a:lstStyle/>
-                    <a:p>
-                      <a:pPr algn="r"/>
-                      <a:r>
-                        <a:rPr lang="en-FR" sz="1600">
-                          <a:effectLst/>
-                          <a:latin typeface="Liberation Sans"/>
-                        </a:rPr>
-                        <a:t>0.0218832408</a:t>
-                      </a:r>
-                    </a:p>
-                  </a:txBody>
-                  <a:tcPr marL="11557" marR="11557" marT="5778" marB="5778" anchor="ctr">
-                    <a:lnL>
-                      <a:noFill/>
-                    </a:lnL>
-                    <a:lnR>
-                      <a:noFill/>
-                    </a:lnR>
-                    <a:lnT>
-                      <a:noFill/>
-                    </a:lnT>
-                    <a:lnB>
-                      <a:noFill/>
-                    </a:lnB>
-                  </a:tcPr>
-                </a:tc>
-                <a:tc>
-                  <a:txBody>
-                    <a:bodyPr/>
-                    <a:lstStyle/>
-                    <a:p>
-                      <a:pPr algn="r"/>
-                      <a:r>
-                        <a:rPr lang="en-FR" sz="1600">
-                          <a:effectLst/>
-                          <a:latin typeface="Liberation Sans"/>
-                        </a:rPr>
-                        <a:t>0.3955511845</a:t>
-                      </a:r>
-                    </a:p>
-                  </a:txBody>
-                  <a:tcPr marL="11557" marR="11557" marT="5778" marB="5778" anchor="ctr">
-                    <a:lnL>
-                      <a:noFill/>
-                    </a:lnL>
-                    <a:lnR>
-                      <a:noFill/>
-                    </a:lnR>
-                    <a:lnT>
-                      <a:noFill/>
-                    </a:lnT>
-                    <a:lnB>
-                      <a:noFill/>
-                    </a:lnB>
-                  </a:tcPr>
-                </a:tc>
-                <a:tc>
-                  <a:txBody>
-                    <a:bodyPr/>
-                    <a:lstStyle/>
-                    <a:p>
-                      <a:pPr algn="r"/>
-                      <a:r>
-                        <a:rPr lang="en-FR" sz="1600">
-                          <a:effectLst/>
-                          <a:latin typeface="Liberation Sans"/>
-                        </a:rPr>
-                        <a:t>3.6222760291</a:t>
-                      </a:r>
-                    </a:p>
-                  </a:txBody>
-                  <a:tcPr marL="11557" marR="11557" marT="5778" marB="5778" anchor="ctr">
-                    <a:lnL>
-                      <a:noFill/>
-                    </a:lnL>
-                    <a:lnR>
-                      <a:noFill/>
-                    </a:lnR>
-                    <a:lnT>
-                      <a:noFill/>
-                    </a:lnT>
-                    <a:lnB>
-                      <a:noFill/>
-                    </a:lnB>
-                  </a:tcPr>
-                </a:tc>
-                <a:extLst>
-                  <a:ext uri="{0D108BD9-81ED-4DB2-BD59-A6C34878D82A}">
-                    <a16:rowId xmlns:a16="http://schemas.microsoft.com/office/drawing/2014/main" val="2387969760"/>
-                  </a:ext>
-                </a:extLst>
-              </a:tr>
-              <a:tr h="324737">
-                <a:tc>
-                  <a:txBody>
-                    <a:bodyPr/>
-                    <a:lstStyle/>
-                    <a:p>
-                      <a:pPr algn="r"/>
-                      <a:r>
-                        <a:rPr lang="en-FR" sz="1600" dirty="0">
-                          <a:effectLst/>
-                          <a:latin typeface="Liberation Sans"/>
-                        </a:rPr>
-                        <a:t>10</a:t>
-                      </a:r>
-                    </a:p>
-                  </a:txBody>
-                  <a:tcPr marL="11557" marR="11557" marT="5778" marB="5778" anchor="ctr">
-                    <a:lnL>
-                      <a:noFill/>
-                    </a:lnL>
-                    <a:lnR>
-                      <a:noFill/>
-                    </a:lnR>
-                    <a:lnT>
-                      <a:noFill/>
-                    </a:lnT>
-                    <a:lnB>
-                      <a:noFill/>
-                    </a:lnB>
-                  </a:tcPr>
-                </a:tc>
-                <a:tc>
-                  <a:txBody>
-                    <a:bodyPr/>
-                    <a:lstStyle/>
-                    <a:p>
-                      <a:pPr algn="l"/>
-                      <a:r>
-                        <a:rPr lang="en-GB" sz="1600">
-                          <a:effectLst/>
-                          <a:latin typeface="Liberation Sans"/>
-                        </a:rPr>
-                        <a:t>/Users/cp/brainstorm/evalang/evalang-private/Data_Mars2023/rawtextchi/TDL/chi_Victor_5.2{GS}.txt</a:t>
-                      </a:r>
-                    </a:p>
-                  </a:txBody>
-                  <a:tcPr marL="11557" marR="11557" marT="5778" marB="5778" anchor="ctr">
-                    <a:lnL>
-                      <a:noFill/>
-                    </a:lnL>
-                    <a:lnR>
-                      <a:noFill/>
-                    </a:lnR>
-                    <a:lnT>
-                      <a:noFill/>
-                    </a:lnT>
-                    <a:lnB>
-                      <a:noFill/>
-                    </a:lnB>
-                  </a:tcPr>
-                </a:tc>
-                <a:tc>
-                  <a:txBody>
-                    <a:bodyPr/>
-                    <a:lstStyle/>
-                    <a:p>
-                      <a:pPr algn="r"/>
-                      <a:r>
-                        <a:rPr lang="en-FR" sz="1600">
-                          <a:effectLst/>
-                          <a:latin typeface="Liberation Sans"/>
-                        </a:rPr>
-                        <a:t>0.0215601229</a:t>
-                      </a:r>
-                    </a:p>
-                  </a:txBody>
-                  <a:tcPr marL="11557" marR="11557" marT="5778" marB="5778" anchor="ctr">
-                    <a:lnL>
-                      <a:noFill/>
-                    </a:lnL>
-                    <a:lnR>
-                      <a:noFill/>
-                    </a:lnR>
-                    <a:lnT>
-                      <a:noFill/>
-                    </a:lnT>
-                    <a:lnB>
-                      <a:noFill/>
-                    </a:lnB>
-                  </a:tcPr>
-                </a:tc>
-                <a:tc>
-                  <a:txBody>
-                    <a:bodyPr/>
-                    <a:lstStyle/>
-                    <a:p>
-                      <a:pPr algn="r"/>
-                      <a:r>
-                        <a:rPr lang="en-FR" sz="1600">
-                          <a:effectLst/>
-                          <a:latin typeface="Liberation Sans"/>
-                        </a:rPr>
-                        <a:t>0.4318348359</a:t>
-                      </a:r>
-                    </a:p>
-                  </a:txBody>
-                  <a:tcPr marL="11557" marR="11557" marT="5778" marB="5778" anchor="ctr">
-                    <a:lnL>
-                      <a:noFill/>
-                    </a:lnL>
-                    <a:lnR>
-                      <a:noFill/>
-                    </a:lnR>
-                    <a:lnT>
-                      <a:noFill/>
-                    </a:lnT>
-                    <a:lnB>
-                      <a:noFill/>
-                    </a:lnB>
-                  </a:tcPr>
-                </a:tc>
-                <a:tc>
-                  <a:txBody>
-                    <a:bodyPr/>
-                    <a:lstStyle/>
-                    <a:p>
-                      <a:pPr algn="r"/>
-                      <a:r>
-                        <a:rPr lang="en-FR" sz="1600">
-                          <a:effectLst/>
-                          <a:latin typeface="Liberation Sans"/>
-                        </a:rPr>
-                        <a:t>3.926803014</a:t>
-                      </a:r>
-                    </a:p>
-                  </a:txBody>
-                  <a:tcPr marL="11557" marR="11557" marT="5778" marB="5778" anchor="ctr">
-                    <a:lnL>
-                      <a:noFill/>
-                    </a:lnL>
-                    <a:lnR>
-                      <a:noFill/>
-                    </a:lnR>
-                    <a:lnT>
-                      <a:noFill/>
-                    </a:lnT>
-                    <a:lnB>
-                      <a:noFill/>
-                    </a:lnB>
-                  </a:tcPr>
-                </a:tc>
-                <a:extLst>
-                  <a:ext uri="{0D108BD9-81ED-4DB2-BD59-A6C34878D82A}">
-                    <a16:rowId xmlns:a16="http://schemas.microsoft.com/office/drawing/2014/main" val="2605279691"/>
-                  </a:ext>
-                </a:extLst>
-              </a:tr>
-              <a:tr h="324737">
-                <a:tc>
-                  <a:txBody>
-                    <a:bodyPr/>
-                    <a:lstStyle/>
-                    <a:p>
-                      <a:pPr algn="r"/>
-                      <a:r>
-                        <a:rPr lang="en-FR" sz="1600" dirty="0">
-                          <a:effectLst/>
-                          <a:latin typeface="Liberation Sans"/>
-                        </a:rPr>
-                        <a:t>0</a:t>
-                      </a:r>
-                    </a:p>
-                  </a:txBody>
-                  <a:tcPr marL="11557" marR="11557" marT="5778" marB="5778" anchor="ctr">
-                    <a:lnL>
-                      <a:noFill/>
-                    </a:lnL>
-                    <a:lnR>
-                      <a:noFill/>
-                    </a:lnR>
-                    <a:lnT>
-                      <a:noFill/>
-                    </a:lnT>
-                    <a:lnB>
-                      <a:noFill/>
-                    </a:lnB>
-                  </a:tcPr>
-                </a:tc>
-                <a:tc>
-                  <a:txBody>
-                    <a:bodyPr/>
-                    <a:lstStyle/>
-                    <a:p>
-                      <a:pPr algn="l"/>
-                      <a:r>
-                        <a:rPr lang="en-GB" sz="1600">
-                          <a:effectLst/>
-                          <a:latin typeface="Liberation Sans"/>
-                        </a:rPr>
-                        <a:t>/Users/cp/brainstorm/evalang/evalang-private/Data_Mars2023/rawtextchi/TVJS/chi_Alban_5.11{GS}.txt</a:t>
-                      </a:r>
-                    </a:p>
-                  </a:txBody>
-                  <a:tcPr marL="11557" marR="11557" marT="5778" marB="5778" anchor="ctr">
-                    <a:lnL>
-                      <a:noFill/>
-                    </a:lnL>
-                    <a:lnR>
-                      <a:noFill/>
-                    </a:lnR>
-                    <a:lnT>
-                      <a:noFill/>
-                    </a:lnT>
-                    <a:lnB>
-                      <a:noFill/>
-                    </a:lnB>
-                  </a:tcPr>
-                </a:tc>
-                <a:tc>
-                  <a:txBody>
-                    <a:bodyPr/>
-                    <a:lstStyle/>
-                    <a:p>
-                      <a:pPr algn="r"/>
-                      <a:r>
-                        <a:rPr lang="en-FR" sz="1600">
-                          <a:effectLst/>
-                          <a:latin typeface="Liberation Sans"/>
-                        </a:rPr>
-                        <a:t>0.0222488094</a:t>
-                      </a:r>
-                    </a:p>
-                  </a:txBody>
-                  <a:tcPr marL="11557" marR="11557" marT="5778" marB="5778" anchor="ctr">
-                    <a:lnL>
-                      <a:noFill/>
-                    </a:lnL>
-                    <a:lnR>
-                      <a:noFill/>
-                    </a:lnR>
-                    <a:lnT>
-                      <a:noFill/>
-                    </a:lnT>
-                    <a:lnB>
-                      <a:noFill/>
-                    </a:lnB>
-                  </a:tcPr>
-                </a:tc>
-                <a:tc>
-                  <a:txBody>
-                    <a:bodyPr/>
-                    <a:lstStyle/>
-                    <a:p>
-                      <a:pPr algn="r"/>
-                      <a:r>
-                        <a:rPr lang="en-FR" sz="1600">
-                          <a:effectLst/>
-                          <a:latin typeface="Liberation Sans"/>
-                        </a:rPr>
-                        <a:t>0.4450130073</a:t>
-                      </a:r>
-                    </a:p>
-                  </a:txBody>
-                  <a:tcPr marL="11557" marR="11557" marT="5778" marB="5778" anchor="ctr">
-                    <a:lnL>
-                      <a:noFill/>
-                    </a:lnL>
-                    <a:lnR>
-                      <a:noFill/>
-                    </a:lnR>
-                    <a:lnT>
-                      <a:noFill/>
-                    </a:lnT>
-                    <a:lnB>
-                      <a:noFill/>
-                    </a:lnB>
-                  </a:tcPr>
-                </a:tc>
-                <a:tc>
-                  <a:txBody>
-                    <a:bodyPr/>
-                    <a:lstStyle/>
-                    <a:p>
-                      <a:pPr algn="r"/>
-                      <a:r>
-                        <a:rPr lang="en-FR" sz="1600">
-                          <a:effectLst/>
-                          <a:latin typeface="Liberation Sans"/>
-                        </a:rPr>
-                        <a:t>3.7074527253</a:t>
-                      </a:r>
-                    </a:p>
-                  </a:txBody>
-                  <a:tcPr marL="11557" marR="11557" marT="5778" marB="5778" anchor="ctr">
-                    <a:lnL>
-                      <a:noFill/>
-                    </a:lnL>
-                    <a:lnR>
-                      <a:noFill/>
-                    </a:lnR>
-                    <a:lnT>
-                      <a:noFill/>
-                    </a:lnT>
-                    <a:lnB>
-                      <a:noFill/>
-                    </a:lnB>
-                  </a:tcPr>
-                </a:tc>
-                <a:extLst>
-                  <a:ext uri="{0D108BD9-81ED-4DB2-BD59-A6C34878D82A}">
-                    <a16:rowId xmlns:a16="http://schemas.microsoft.com/office/drawing/2014/main" val="1277893347"/>
-                  </a:ext>
-                </a:extLst>
-              </a:tr>
-              <a:tr h="324737">
-                <a:tc>
-                  <a:txBody>
-                    <a:bodyPr/>
-                    <a:lstStyle/>
-                    <a:p>
-                      <a:pPr algn="r"/>
-                      <a:r>
-                        <a:rPr lang="en-FR" sz="1600" dirty="0">
-                          <a:effectLst/>
-                          <a:latin typeface="Liberation Sans"/>
-                        </a:rPr>
-                        <a:t>1</a:t>
-                      </a:r>
-                    </a:p>
-                  </a:txBody>
-                  <a:tcPr marL="11557" marR="11557" marT="5778" marB="5778" anchor="ctr">
-                    <a:lnL>
-                      <a:noFill/>
-                    </a:lnL>
-                    <a:lnR>
-                      <a:noFill/>
-                    </a:lnR>
-                    <a:lnT>
-                      <a:noFill/>
-                    </a:lnT>
-                    <a:lnB>
-                      <a:noFill/>
-                    </a:lnB>
-                  </a:tcPr>
-                </a:tc>
-                <a:tc>
-                  <a:txBody>
-                    <a:bodyPr/>
-                    <a:lstStyle/>
-                    <a:p>
-                      <a:pPr algn="l"/>
-                      <a:r>
-                        <a:rPr lang="en-GB" sz="1600">
-                          <a:effectLst/>
-                          <a:latin typeface="Liberation Sans"/>
-                        </a:rPr>
-                        <a:t>/Users/cp/brainstorm/evalang/evalang-private/Data_Mars2023/rawtextchi/TVJS/chi_Alexandre_6.86{CP}.txt</a:t>
-                      </a:r>
-                    </a:p>
-                  </a:txBody>
-                  <a:tcPr marL="11557" marR="11557" marT="5778" marB="5778" anchor="ctr">
-                    <a:lnL>
-                      <a:noFill/>
-                    </a:lnL>
-                    <a:lnR>
-                      <a:noFill/>
-                    </a:lnR>
-                    <a:lnT>
-                      <a:noFill/>
-                    </a:lnT>
-                    <a:lnB>
-                      <a:noFill/>
-                    </a:lnB>
-                  </a:tcPr>
-                </a:tc>
-                <a:tc>
-                  <a:txBody>
-                    <a:bodyPr/>
-                    <a:lstStyle/>
-                    <a:p>
-                      <a:pPr algn="r"/>
-                      <a:r>
-                        <a:rPr lang="en-FR" sz="1600">
-                          <a:effectLst/>
-                          <a:latin typeface="Liberation Sans"/>
-                        </a:rPr>
-                        <a:t>0.0144602724</a:t>
-                      </a:r>
-                    </a:p>
-                  </a:txBody>
-                  <a:tcPr marL="11557" marR="11557" marT="5778" marB="5778" anchor="ctr">
-                    <a:lnL>
-                      <a:noFill/>
-                    </a:lnL>
-                    <a:lnR>
-                      <a:noFill/>
-                    </a:lnR>
-                    <a:lnT>
-                      <a:noFill/>
-                    </a:lnT>
-                    <a:lnB>
-                      <a:noFill/>
-                    </a:lnB>
-                  </a:tcPr>
-                </a:tc>
-                <a:tc>
-                  <a:txBody>
-                    <a:bodyPr/>
-                    <a:lstStyle/>
-                    <a:p>
-                      <a:pPr algn="r"/>
-                      <a:r>
-                        <a:rPr lang="en-FR" sz="1600">
-                          <a:effectLst/>
-                          <a:latin typeface="Liberation Sans"/>
-                        </a:rPr>
-                        <a:t>0.280611343</a:t>
-                      </a:r>
-                    </a:p>
-                  </a:txBody>
-                  <a:tcPr marL="11557" marR="11557" marT="5778" marB="5778" anchor="ctr">
-                    <a:lnL>
-                      <a:noFill/>
-                    </a:lnL>
-                    <a:lnR>
-                      <a:noFill/>
-                    </a:lnR>
-                    <a:lnT>
-                      <a:noFill/>
-                    </a:lnT>
-                    <a:lnB>
-                      <a:noFill/>
-                    </a:lnB>
-                  </a:tcPr>
-                </a:tc>
-                <a:tc>
-                  <a:txBody>
-                    <a:bodyPr/>
-                    <a:lstStyle/>
-                    <a:p>
-                      <a:pPr algn="r"/>
-                      <a:r>
-                        <a:rPr lang="en-FR" sz="1600">
-                          <a:effectLst/>
-                          <a:latin typeface="Liberation Sans"/>
-                        </a:rPr>
-                        <a:t>3.5804769001</a:t>
-                      </a:r>
-                    </a:p>
-                  </a:txBody>
-                  <a:tcPr marL="11557" marR="11557" marT="5778" marB="5778" anchor="ctr">
-                    <a:lnL>
-                      <a:noFill/>
-                    </a:lnL>
-                    <a:lnR>
-                      <a:noFill/>
-                    </a:lnR>
-                    <a:lnT>
-                      <a:noFill/>
-                    </a:lnT>
-                    <a:lnB>
-                      <a:noFill/>
-                    </a:lnB>
-                  </a:tcPr>
-                </a:tc>
-                <a:extLst>
-                  <a:ext uri="{0D108BD9-81ED-4DB2-BD59-A6C34878D82A}">
-                    <a16:rowId xmlns:a16="http://schemas.microsoft.com/office/drawing/2014/main" val="3663996355"/>
-                  </a:ext>
-                </a:extLst>
-              </a:tr>
-              <a:tr h="324737">
-                <a:tc>
-                  <a:txBody>
-                    <a:bodyPr/>
-                    <a:lstStyle/>
-                    <a:p>
-                      <a:pPr algn="r"/>
-                      <a:r>
-                        <a:rPr lang="en-FR" sz="1600" dirty="0">
-                          <a:effectLst/>
-                          <a:latin typeface="Liberation Sans"/>
-                        </a:rPr>
-                        <a:t>2</a:t>
-                      </a:r>
-                    </a:p>
-                  </a:txBody>
-                  <a:tcPr marL="11557" marR="11557" marT="5778" marB="5778" anchor="ctr">
-                    <a:lnL>
-                      <a:noFill/>
-                    </a:lnL>
-                    <a:lnR>
-                      <a:noFill/>
-                    </a:lnR>
-                    <a:lnT>
-                      <a:noFill/>
-                    </a:lnT>
-                    <a:lnB>
-                      <a:noFill/>
-                    </a:lnB>
-                  </a:tcPr>
-                </a:tc>
-                <a:tc>
-                  <a:txBody>
-                    <a:bodyPr/>
-                    <a:lstStyle/>
-                    <a:p>
-                      <a:pPr algn="l"/>
-                      <a:r>
-                        <a:rPr lang="en-GB" sz="1600">
-                          <a:effectLst/>
-                          <a:latin typeface="Liberation Sans"/>
-                        </a:rPr>
-                        <a:t>/Users/cp/brainstorm/evalang/evalang-private/Data_Mars2023/rawtextchi/TVJS/chi_Alexis_7.03{CP}.txt</a:t>
-                      </a:r>
-                    </a:p>
-                  </a:txBody>
-                  <a:tcPr marL="11557" marR="11557" marT="5778" marB="5778" anchor="ctr">
-                    <a:lnL>
-                      <a:noFill/>
-                    </a:lnL>
-                    <a:lnR>
-                      <a:noFill/>
-                    </a:lnR>
-                    <a:lnT>
-                      <a:noFill/>
-                    </a:lnT>
-                    <a:lnB>
-                      <a:noFill/>
-                    </a:lnB>
-                  </a:tcPr>
-                </a:tc>
-                <a:tc>
-                  <a:txBody>
-                    <a:bodyPr/>
-                    <a:lstStyle/>
-                    <a:p>
-                      <a:pPr algn="r"/>
-                      <a:r>
-                        <a:rPr lang="en-FR" sz="1600">
-                          <a:effectLst/>
-                          <a:latin typeface="Liberation Sans"/>
-                        </a:rPr>
-                        <a:t>0.0205495838</a:t>
-                      </a:r>
-                    </a:p>
-                  </a:txBody>
-                  <a:tcPr marL="11557" marR="11557" marT="5778" marB="5778" anchor="ctr">
-                    <a:lnL>
-                      <a:noFill/>
-                    </a:lnL>
-                    <a:lnR>
-                      <a:noFill/>
-                    </a:lnR>
-                    <a:lnT>
-                      <a:noFill/>
-                    </a:lnT>
-                    <a:lnB>
-                      <a:noFill/>
-                    </a:lnB>
-                  </a:tcPr>
-                </a:tc>
-                <a:tc>
-                  <a:txBody>
-                    <a:bodyPr/>
-                    <a:lstStyle/>
-                    <a:p>
-                      <a:pPr algn="r"/>
-                      <a:r>
-                        <a:rPr lang="en-FR" sz="1600">
-                          <a:effectLst/>
-                          <a:latin typeface="Liberation Sans"/>
-                        </a:rPr>
-                        <a:t>0.402015252</a:t>
-                      </a:r>
-                    </a:p>
-                  </a:txBody>
-                  <a:tcPr marL="11557" marR="11557" marT="5778" marB="5778" anchor="ctr">
-                    <a:lnL>
-                      <a:noFill/>
-                    </a:lnL>
-                    <a:lnR>
-                      <a:noFill/>
-                    </a:lnR>
-                    <a:lnT>
-                      <a:noFill/>
-                    </a:lnT>
-                    <a:lnB>
-                      <a:noFill/>
-                    </a:lnB>
-                  </a:tcPr>
-                </a:tc>
-                <a:tc>
-                  <a:txBody>
-                    <a:bodyPr/>
-                    <a:lstStyle/>
-                    <a:p>
-                      <a:pPr algn="r"/>
-                      <a:r>
-                        <a:rPr lang="en-FR" sz="1600" dirty="0">
-                          <a:effectLst/>
-                          <a:latin typeface="Liberation Sans"/>
-                        </a:rPr>
-                        <a:t>3.5682773109</a:t>
-                      </a:r>
-                    </a:p>
-                  </a:txBody>
-                  <a:tcPr marL="11557" marR="11557" marT="5778" marB="5778" anchor="ctr">
-                    <a:lnL>
-                      <a:noFill/>
-                    </a:lnL>
-                    <a:lnR>
-                      <a:noFill/>
-                    </a:lnR>
-                    <a:lnT>
-                      <a:noFill/>
-                    </a:lnT>
-                    <a:lnB>
-                      <a:noFill/>
-                    </a:lnB>
-                  </a:tcPr>
-                </a:tc>
-                <a:extLst>
-                  <a:ext uri="{0D108BD9-81ED-4DB2-BD59-A6C34878D82A}">
-                    <a16:rowId xmlns:a16="http://schemas.microsoft.com/office/drawing/2014/main" val="2865142757"/>
                   </a:ext>
                 </a:extLst>
               </a:tr>
@@ -10649,56 +13914,56 @@
           <p:nvPr>
             <p:extLst>
               <p:ext uri="{D42A27DB-BD31-4B8C-83A1-F6EECF244321}">
-                <p14:modId xmlns:p14="http://schemas.microsoft.com/office/powerpoint/2010/main" val="2090394990"/>
+                <p14:modId xmlns:p14="http://schemas.microsoft.com/office/powerpoint/2010/main" val="2128962618"/>
               </p:ext>
             </p:extLst>
           </p:nvPr>
         </p:nvGraphicFramePr>
         <p:xfrm>
-          <a:off x="218840" y="1502811"/>
-          <a:ext cx="11790822" cy="10516320"/>
+          <a:off x="200588" y="1807611"/>
+          <a:ext cx="11790822" cy="4905160"/>
         </p:xfrm>
         <a:graphic>
           <a:graphicData uri="http://schemas.openxmlformats.org/drawingml/2006/table">
             <a:tbl>
               <a:tblPr/>
               <a:tblGrid>
-                <a:gridCol w="2736631">
+                <a:gridCol w="3191895">
                   <a:extLst>
                     <a:ext uri="{9D8B030D-6E8A-4147-A177-3AD203B41FA5}">
                       <a16:colId xmlns:a16="http://schemas.microsoft.com/office/drawing/2014/main" val="4137687709"/>
                     </a:ext>
                   </a:extLst>
                 </a:gridCol>
-                <a:gridCol w="506186">
+                <a:gridCol w="442808">
                   <a:extLst>
                     <a:ext uri="{9D8B030D-6E8A-4147-A177-3AD203B41FA5}">
                       <a16:colId xmlns:a16="http://schemas.microsoft.com/office/drawing/2014/main" val="1323314483"/>
                     </a:ext>
                   </a:extLst>
                 </a:gridCol>
-                <a:gridCol w="3061607">
+                <a:gridCol w="2830286">
                   <a:extLst>
                     <a:ext uri="{9D8B030D-6E8A-4147-A177-3AD203B41FA5}">
                       <a16:colId xmlns:a16="http://schemas.microsoft.com/office/drawing/2014/main" val="1922839857"/>
                     </a:ext>
                   </a:extLst>
                 </a:gridCol>
-                <a:gridCol w="1556124">
+                <a:gridCol w="1676400">
                   <a:extLst>
                     <a:ext uri="{9D8B030D-6E8A-4147-A177-3AD203B41FA5}">
                       <a16:colId xmlns:a16="http://schemas.microsoft.com/office/drawing/2014/main" val="521265238"/>
                     </a:ext>
                   </a:extLst>
                 </a:gridCol>
-                <a:gridCol w="1965137">
+                <a:gridCol w="2013857">
                   <a:extLst>
                     <a:ext uri="{9D8B030D-6E8A-4147-A177-3AD203B41FA5}">
                       <a16:colId xmlns:a16="http://schemas.microsoft.com/office/drawing/2014/main" val="65976200"/>
                     </a:ext>
                   </a:extLst>
                 </a:gridCol>
-                <a:gridCol w="1965137">
+                <a:gridCol w="1635576">
                   <a:extLst>
                     <a:ext uri="{9D8B030D-6E8A-4147-A177-3AD203B41FA5}">
                       <a16:colId xmlns:a16="http://schemas.microsoft.com/office/drawing/2014/main" val="2739231206"/>
@@ -10742,7 +14007,7 @@
                     <a:bodyPr/>
                     <a:lstStyle/>
                     <a:p>
-                      <a:pPr algn="l"/>
+                      <a:pPr algn="ctr"/>
                       <a:r>
                         <a:rPr lang="en-GB" sz="1600" dirty="0" err="1">
                           <a:effectLst/>
@@ -10778,7 +14043,7 @@
                     <a:p>
                       <a:pPr algn="l"/>
                       <a:r>
-                        <a:rPr lang="en-GB" sz="1600">
+                        <a:rPr lang="en-GB" sz="1600" dirty="0">
                           <a:effectLst/>
                           <a:latin typeface="Liberation Sans"/>
                         </a:rPr>
@@ -10808,12 +14073,16 @@
                     <a:p>
                       <a:pPr algn="l"/>
                       <a:r>
-                        <a:rPr lang="en-GB" sz="1600">
+                        <a:rPr lang="en-GB" sz="1600" dirty="0" err="1">
                           <a:effectLst/>
                           <a:latin typeface="Liberation Sans"/>
                         </a:rPr>
                         <a:t>graphie_phrase_frequence_lettres_moyenne_sentence</a:t>
                       </a:r>
+                      <a:endParaRPr lang="en-GB" sz="1600" dirty="0">
+                        <a:effectLst/>
+                        <a:latin typeface="Liberation Sans"/>
+                      </a:endParaRPr>
                     </a:p>
                   </a:txBody>
                   <a:tcPr marL="12761" marR="12761" marT="6380" marB="6380" anchor="ctr">
@@ -10975,9 +14244,9 @@
                     <a:bodyPr/>
                     <a:lstStyle/>
                     <a:p>
-                      <a:pPr algn="r"/>
-                      <a:r>
-                        <a:rPr lang="en-FR" sz="1600">
+                      <a:pPr algn="ctr"/>
+                      <a:r>
+                        <a:rPr lang="en-FR" sz="1600" dirty="0">
                           <a:effectLst/>
                           <a:latin typeface="Liberation Sans"/>
                         </a:rPr>
@@ -11007,11 +14276,60 @@
                     <a:p>
                       <a:pPr algn="l"/>
                       <a:r>
-                        <a:rPr lang="en-GB" sz="1600">
-                          <a:effectLst/>
-                          <a:latin typeface="Liberation Sans"/>
-                        </a:rPr>
-                        <a:t>ouh@i wah@i yyy famille.</a:t>
+                        <a:rPr lang="en-GB" sz="1600" dirty="0" err="1">
+                          <a:effectLst/>
+                          <a:latin typeface="Liberation Sans"/>
+                        </a:rPr>
+                        <a:t>ouh@i</a:t>
+                      </a:r>
+                      <a:r>
+                        <a:rPr lang="en-GB" sz="1600" dirty="0">
+                          <a:effectLst/>
+                          <a:latin typeface="Liberation Sans"/>
+                        </a:rPr>
+                        <a:t> </a:t>
+                      </a:r>
+                      <a:r>
+                        <a:rPr lang="en-GB" sz="1600" dirty="0" err="1">
+                          <a:effectLst/>
+                          <a:latin typeface="Liberation Sans"/>
+                        </a:rPr>
+                        <a:t>wah@i</a:t>
+                      </a:r>
+                      <a:r>
+                        <a:rPr lang="en-GB" sz="1600" dirty="0">
+                          <a:effectLst/>
+                          <a:latin typeface="Liberation Sans"/>
+                        </a:rPr>
+                        <a:t> </a:t>
+                      </a:r>
+                      <a:r>
+                        <a:rPr lang="en-GB" sz="1600" dirty="0" err="1">
+                          <a:effectLst/>
+                          <a:latin typeface="Liberation Sans"/>
+                        </a:rPr>
+                        <a:t>yyy</a:t>
+                      </a:r>
+                      <a:r>
+                        <a:rPr lang="en-GB" sz="1600" dirty="0">
+                          <a:effectLst/>
+                          <a:latin typeface="Liberation Sans"/>
+                        </a:rPr>
+                        <a:t> </a:t>
+                      </a:r>
+                      <a:r>
+                        <a:rPr lang="en-GB" sz="1600" dirty="0" err="1">
+                          <a:effectLst/>
+                          <a:latin typeface="Liberation Sans"/>
+                        </a:rPr>
+                        <a:t>famille</a:t>
+                      </a:r>
+                      <a:r>
+                        <a:rPr lang="en-GB" sz="1600" dirty="0">
+                          <a:effectLst/>
+                          <a:latin typeface="Liberation Sans"/>
+                        </a:rPr>
+                        <a:t>.</a:t>
                       </a:r>
                     </a:p>
                   </a:txBody>
@@ -11204,9 +14522,9 @@
                     <a:bodyPr/>
                     <a:lstStyle/>
                     <a:p>
-                      <a:pPr algn="r"/>
-                      <a:r>
-                        <a:rPr lang="en-FR" sz="1600">
+                      <a:pPr algn="ctr"/>
+                      <a:r>
+                        <a:rPr lang="en-FR" sz="1600" dirty="0">
                           <a:effectLst/>
                           <a:latin typeface="Liberation Sans"/>
                         </a:rPr>
@@ -11446,9 +14764,9 @@
                     <a:bodyPr/>
                     <a:lstStyle/>
                     <a:p>
-                      <a:pPr algn="r"/>
-                      <a:r>
-                        <a:rPr lang="en-FR" sz="1600">
+                      <a:pPr algn="ctr"/>
+                      <a:r>
+                        <a:rPr lang="en-FR" sz="1600" dirty="0">
                           <a:effectLst/>
                           <a:latin typeface="Liberation Sans"/>
                         </a:rPr>
@@ -11688,9 +15006,9 @@
                     <a:bodyPr/>
                     <a:lstStyle/>
                     <a:p>
-                      <a:pPr algn="r"/>
-                      <a:r>
-                        <a:rPr lang="en-FR" sz="1600">
+                      <a:pPr algn="ctr"/>
+                      <a:r>
+                        <a:rPr lang="en-FR" sz="1600" dirty="0">
                           <a:effectLst/>
                           <a:latin typeface="Liberation Sans"/>
                         </a:rPr>
@@ -11917,9 +15235,9 @@
                     <a:bodyPr/>
                     <a:lstStyle/>
                     <a:p>
-                      <a:pPr algn="r"/>
-                      <a:r>
-                        <a:rPr lang="en-FR" sz="1600">
+                      <a:pPr algn="ctr"/>
+                      <a:r>
+                        <a:rPr lang="en-FR" sz="1600" dirty="0">
                           <a:effectLst/>
                           <a:latin typeface="Liberation Sans"/>
                         </a:rPr>
@@ -12146,7 +15464,7 @@
                     <a:bodyPr/>
                     <a:lstStyle/>
                     <a:p>
-                      <a:pPr algn="r"/>
+                      <a:pPr algn="ctr"/>
                       <a:r>
                         <a:rPr lang="en-FR" sz="1600" dirty="0">
                           <a:effectLst/>
@@ -12281,7 +15599,7 @@
                     <a:p>
                       <a:pPr algn="r"/>
                       <a:r>
-                        <a:rPr lang="en-FR" sz="1600">
+                        <a:rPr lang="en-FR" sz="1600" dirty="0">
                           <a:effectLst/>
                           <a:latin typeface="Liberation Sans"/>
                         </a:rPr>
@@ -12307,1162 +15625,6 @@
                 <a:extLst>
                   <a:ext uri="{0D108BD9-81ED-4DB2-BD59-A6C34878D82A}">
                     <a16:rowId xmlns:a16="http://schemas.microsoft.com/office/drawing/2014/main" val="2535340868"/>
-                  </a:ext>
-                </a:extLst>
-              </a:tr>
-              <a:tr h="449486">
-                <a:tc>
-                  <a:txBody>
-                    <a:bodyPr/>
-                    <a:lstStyle/>
-                    <a:p>
-                      <a:pPr algn="l"/>
-                      <a:r>
-                        <a:rPr lang="en-GB" sz="1400" dirty="0">
-                          <a:effectLst/>
-                          <a:latin typeface="Liberation Sans"/>
-                        </a:rPr>
-                        <a:t>/Users/cp/brainstorm/</a:t>
-                      </a:r>
-                      <a:r>
-                        <a:rPr lang="en-GB" sz="1400" dirty="0" err="1">
-                          <a:effectLst/>
-                          <a:latin typeface="Liberation Sans"/>
-                        </a:rPr>
-                        <a:t>evalang</a:t>
-                      </a:r>
-                      <a:r>
-                        <a:rPr lang="en-GB" sz="1400" dirty="0">
-                          <a:effectLst/>
-                          <a:latin typeface="Liberation Sans"/>
-                        </a:rPr>
-                        <a:t>/</a:t>
-                      </a:r>
-                      <a:r>
-                        <a:rPr lang="en-GB" sz="1400" dirty="0" err="1">
-                          <a:effectLst/>
-                          <a:latin typeface="Liberation Sans"/>
-                        </a:rPr>
-                        <a:t>evalang</a:t>
-                      </a:r>
-                      <a:r>
-                        <a:rPr lang="en-GB" sz="1400" dirty="0">
-                          <a:effectLst/>
-                          <a:latin typeface="Liberation Sans"/>
-                        </a:rPr>
-                        <a:t>-private/Data_Mars2023/</a:t>
-                      </a:r>
-                      <a:r>
-                        <a:rPr lang="en-GB" sz="1400" dirty="0" err="1">
-                          <a:effectLst/>
-                          <a:latin typeface="Liberation Sans"/>
-                        </a:rPr>
-                        <a:t>rawtextchi</a:t>
-                      </a:r>
-                      <a:r>
-                        <a:rPr lang="en-GB" sz="1400" dirty="0">
-                          <a:effectLst/>
-                          <a:latin typeface="Liberation Sans"/>
-                        </a:rPr>
-                        <a:t>/TDL/chi_Adam_5.8{GS}.txt</a:t>
-                      </a:r>
-                    </a:p>
-                  </a:txBody>
-                  <a:tcPr marL="12761" marR="12761" marT="6380" marB="6380" anchor="ctr">
-                    <a:lnL>
-                      <a:noFill/>
-                    </a:lnL>
-                    <a:lnR>
-                      <a:noFill/>
-                    </a:lnR>
-                    <a:lnT>
-                      <a:noFill/>
-                    </a:lnT>
-                    <a:lnB>
-                      <a:noFill/>
-                    </a:lnB>
-                  </a:tcPr>
-                </a:tc>
-                <a:tc>
-                  <a:txBody>
-                    <a:bodyPr/>
-                    <a:lstStyle/>
-                    <a:p>
-                      <a:pPr algn="r"/>
-                      <a:r>
-                        <a:rPr lang="en-FR" sz="1600">
-                          <a:effectLst/>
-                          <a:latin typeface="Liberation Sans"/>
-                        </a:rPr>
-                        <a:t>6</a:t>
-                      </a:r>
-                    </a:p>
-                  </a:txBody>
-                  <a:tcPr marL="12761" marR="12761" marT="6380" marB="6380" anchor="ctr">
-                    <a:lnL>
-                      <a:noFill/>
-                    </a:lnL>
-                    <a:lnR>
-                      <a:noFill/>
-                    </a:lnR>
-                    <a:lnT>
-                      <a:noFill/>
-                    </a:lnT>
-                    <a:lnB>
-                      <a:noFill/>
-                    </a:lnB>
-                  </a:tcPr>
-                </a:tc>
-                <a:tc>
-                  <a:txBody>
-                    <a:bodyPr/>
-                    <a:lstStyle/>
-                    <a:p>
-                      <a:pPr algn="l"/>
-                      <a:r>
-                        <a:rPr lang="en-GB" sz="1600" dirty="0">
-                          <a:effectLst/>
-                          <a:latin typeface="Liberation Sans"/>
-                        </a:rPr>
-                        <a:t>y a du </a:t>
-                      </a:r>
-                      <a:r>
-                        <a:rPr lang="en-GB" sz="1600" dirty="0" err="1">
-                          <a:effectLst/>
-                          <a:latin typeface="Liberation Sans"/>
-                        </a:rPr>
-                        <a:t>yyy</a:t>
-                      </a:r>
-                      <a:r>
-                        <a:rPr lang="en-GB" sz="1600" dirty="0">
-                          <a:effectLst/>
-                          <a:latin typeface="Liberation Sans"/>
-                        </a:rPr>
-                        <a:t>.</a:t>
-                      </a:r>
-                    </a:p>
-                  </a:txBody>
-                  <a:tcPr marL="12761" marR="12761" marT="6380" marB="6380" anchor="ctr">
-                    <a:lnL>
-                      <a:noFill/>
-                    </a:lnL>
-                    <a:lnR>
-                      <a:noFill/>
-                    </a:lnR>
-                    <a:lnT>
-                      <a:noFill/>
-                    </a:lnT>
-                    <a:lnB>
-                      <a:noFill/>
-                    </a:lnB>
-                  </a:tcPr>
-                </a:tc>
-                <a:tc>
-                  <a:txBody>
-                    <a:bodyPr/>
-                    <a:lstStyle/>
-                    <a:p>
-                      <a:pPr algn="r"/>
-                      <a:r>
-                        <a:rPr lang="en-FR" sz="1600">
-                          <a:effectLst/>
-                          <a:latin typeface="Liberation Sans"/>
-                        </a:rPr>
-                        <a:t>1.069375</a:t>
-                      </a:r>
-                    </a:p>
-                  </a:txBody>
-                  <a:tcPr marL="12761" marR="12761" marT="6380" marB="6380" anchor="ctr">
-                    <a:lnL>
-                      <a:noFill/>
-                    </a:lnL>
-                    <a:lnR>
-                      <a:noFill/>
-                    </a:lnR>
-                    <a:lnT>
-                      <a:noFill/>
-                    </a:lnT>
-                    <a:lnB>
-                      <a:noFill/>
-                    </a:lnB>
-                  </a:tcPr>
-                </a:tc>
-                <a:tc>
-                  <a:txBody>
-                    <a:bodyPr/>
-                    <a:lstStyle/>
-                    <a:p>
-                      <a:pPr algn="r"/>
-                      <a:r>
-                        <a:rPr lang="en-FR" sz="1600">
-                          <a:effectLst/>
-                          <a:latin typeface="Liberation Sans"/>
-                        </a:rPr>
-                        <a:t>4.2883608398</a:t>
-                      </a:r>
-                    </a:p>
-                  </a:txBody>
-                  <a:tcPr marL="12761" marR="12761" marT="6380" marB="6380" anchor="ctr">
-                    <a:lnL>
-                      <a:noFill/>
-                    </a:lnL>
-                    <a:lnR>
-                      <a:noFill/>
-                    </a:lnR>
-                    <a:lnT>
-                      <a:noFill/>
-                    </a:lnT>
-                    <a:lnB>
-                      <a:noFill/>
-                    </a:lnB>
-                  </a:tcPr>
-                </a:tc>
-                <a:tc>
-                  <a:txBody>
-                    <a:bodyPr/>
-                    <a:lstStyle/>
-                    <a:p>
-                      <a:pPr algn="r"/>
-                      <a:r>
-                        <a:rPr lang="en-FR" sz="1600">
-                          <a:effectLst/>
-                          <a:latin typeface="Liberation Sans"/>
-                        </a:rPr>
-                        <a:t>1.75</a:t>
-                      </a:r>
-                    </a:p>
-                  </a:txBody>
-                  <a:tcPr marL="12761" marR="12761" marT="6380" marB="6380" anchor="ctr">
-                    <a:lnL>
-                      <a:noFill/>
-                    </a:lnL>
-                    <a:lnR>
-                      <a:noFill/>
-                    </a:lnR>
-                    <a:lnT>
-                      <a:noFill/>
-                    </a:lnT>
-                    <a:lnB>
-                      <a:noFill/>
-                    </a:lnB>
-                  </a:tcPr>
-                </a:tc>
-                <a:extLst>
-                  <a:ext uri="{0D108BD9-81ED-4DB2-BD59-A6C34878D82A}">
-                    <a16:rowId xmlns:a16="http://schemas.microsoft.com/office/drawing/2014/main" val="2119194585"/>
-                  </a:ext>
-                </a:extLst>
-              </a:tr>
-              <a:tr h="449486">
-                <a:tc>
-                  <a:txBody>
-                    <a:bodyPr/>
-                    <a:lstStyle/>
-                    <a:p>
-                      <a:pPr algn="l"/>
-                      <a:r>
-                        <a:rPr lang="en-GB" sz="1400" dirty="0">
-                          <a:effectLst/>
-                          <a:latin typeface="Liberation Sans"/>
-                        </a:rPr>
-                        <a:t>/Users/cp/brainstorm/</a:t>
-                      </a:r>
-                      <a:r>
-                        <a:rPr lang="en-GB" sz="1400" dirty="0" err="1">
-                          <a:effectLst/>
-                          <a:latin typeface="Liberation Sans"/>
-                        </a:rPr>
-                        <a:t>evalang</a:t>
-                      </a:r>
-                      <a:r>
-                        <a:rPr lang="en-GB" sz="1400" dirty="0">
-                          <a:effectLst/>
-                          <a:latin typeface="Liberation Sans"/>
-                        </a:rPr>
-                        <a:t>/</a:t>
-                      </a:r>
-                      <a:r>
-                        <a:rPr lang="en-GB" sz="1400" dirty="0" err="1">
-                          <a:effectLst/>
-                          <a:latin typeface="Liberation Sans"/>
-                        </a:rPr>
-                        <a:t>evalang</a:t>
-                      </a:r>
-                      <a:r>
-                        <a:rPr lang="en-GB" sz="1400" dirty="0">
-                          <a:effectLst/>
-                          <a:latin typeface="Liberation Sans"/>
-                        </a:rPr>
-                        <a:t>-private/Data_Mars2023/</a:t>
-                      </a:r>
-                      <a:r>
-                        <a:rPr lang="en-GB" sz="1400" dirty="0" err="1">
-                          <a:effectLst/>
-                          <a:latin typeface="Liberation Sans"/>
-                        </a:rPr>
-                        <a:t>rawtextchi</a:t>
-                      </a:r>
-                      <a:r>
-                        <a:rPr lang="en-GB" sz="1400" dirty="0">
-                          <a:effectLst/>
-                          <a:latin typeface="Liberation Sans"/>
-                        </a:rPr>
-                        <a:t>/TDL/chi_Adam_5.8{GS}.txt</a:t>
-                      </a:r>
-                    </a:p>
-                  </a:txBody>
-                  <a:tcPr marL="12761" marR="12761" marT="6380" marB="6380" anchor="ctr">
-                    <a:lnL>
-                      <a:noFill/>
-                    </a:lnL>
-                    <a:lnR>
-                      <a:noFill/>
-                    </a:lnR>
-                    <a:lnT>
-                      <a:noFill/>
-                    </a:lnT>
-                    <a:lnB>
-                      <a:noFill/>
-                    </a:lnB>
-                  </a:tcPr>
-                </a:tc>
-                <a:tc>
-                  <a:txBody>
-                    <a:bodyPr/>
-                    <a:lstStyle/>
-                    <a:p>
-                      <a:pPr algn="r"/>
-                      <a:r>
-                        <a:rPr lang="en-FR" sz="1600">
-                          <a:effectLst/>
-                          <a:latin typeface="Liberation Sans"/>
-                        </a:rPr>
-                        <a:t>7</a:t>
-                      </a:r>
-                    </a:p>
-                  </a:txBody>
-                  <a:tcPr marL="12761" marR="12761" marT="6380" marB="6380" anchor="ctr">
-                    <a:lnL>
-                      <a:noFill/>
-                    </a:lnL>
-                    <a:lnR>
-                      <a:noFill/>
-                    </a:lnR>
-                    <a:lnT>
-                      <a:noFill/>
-                    </a:lnT>
-                    <a:lnB>
-                      <a:noFill/>
-                    </a:lnB>
-                  </a:tcPr>
-                </a:tc>
-                <a:tc>
-                  <a:txBody>
-                    <a:bodyPr/>
-                    <a:lstStyle/>
-                    <a:p>
-                      <a:pPr algn="l"/>
-                      <a:r>
-                        <a:rPr lang="en-GB" sz="1600">
-                          <a:effectLst/>
-                          <a:latin typeface="Liberation Sans"/>
-                        </a:rPr>
-                        <a:t>y a des enfants?</a:t>
-                      </a:r>
-                      <a:br>
-                        <a:rPr lang="en-GB" sz="1600">
-                          <a:effectLst/>
-                          <a:latin typeface="Liberation Sans"/>
-                        </a:rPr>
-                      </a:br>
-                      <a:r>
-                        <a:rPr lang="en-GB" sz="1600">
-                          <a:effectLst/>
-                          <a:latin typeface="Liberation Sans"/>
-                        </a:rPr>
-                        <a:t>la petite fille.</a:t>
-                      </a:r>
-                    </a:p>
-                  </a:txBody>
-                  <a:tcPr marL="12761" marR="12761" marT="6380" marB="6380" anchor="ctr">
-                    <a:lnL>
-                      <a:noFill/>
-                    </a:lnL>
-                    <a:lnR>
-                      <a:noFill/>
-                    </a:lnR>
-                    <a:lnT>
-                      <a:noFill/>
-                    </a:lnT>
-                    <a:lnB>
-                      <a:noFill/>
-                    </a:lnB>
-                  </a:tcPr>
-                </a:tc>
-                <a:tc>
-                  <a:txBody>
-                    <a:bodyPr/>
-                    <a:lstStyle/>
-                    <a:p>
-                      <a:pPr algn="r"/>
-                      <a:r>
-                        <a:rPr lang="en-FR" sz="1600">
-                          <a:effectLst/>
-                          <a:latin typeface="Liberation Sans"/>
-                        </a:rPr>
-                        <a:t>3.3120408163</a:t>
-                      </a:r>
-                    </a:p>
-                  </a:txBody>
-                  <a:tcPr marL="12761" marR="12761" marT="6380" marB="6380" anchor="ctr">
-                    <a:lnL>
-                      <a:noFill/>
-                    </a:lnL>
-                    <a:lnR>
-                      <a:noFill/>
-                    </a:lnR>
-                    <a:lnT>
-                      <a:noFill/>
-                    </a:lnT>
-                    <a:lnB>
-                      <a:noFill/>
-                    </a:lnB>
-                  </a:tcPr>
-                </a:tc>
-                <a:tc>
-                  <a:txBody>
-                    <a:bodyPr/>
-                    <a:lstStyle/>
-                    <a:p>
-                      <a:pPr algn="r"/>
-                      <a:r>
-                        <a:rPr lang="en-FR" sz="1600">
-                          <a:effectLst/>
-                          <a:latin typeface="Liberation Sans"/>
-                        </a:rPr>
-                        <a:t>75.2202128161</a:t>
-                      </a:r>
-                    </a:p>
-                  </a:txBody>
-                  <a:tcPr marL="12761" marR="12761" marT="6380" marB="6380" anchor="ctr">
-                    <a:lnL>
-                      <a:noFill/>
-                    </a:lnL>
-                    <a:lnR>
-                      <a:noFill/>
-                    </a:lnR>
-                    <a:lnT>
-                      <a:noFill/>
-                    </a:lnT>
-                    <a:lnB>
-                      <a:noFill/>
-                    </a:lnB>
-                  </a:tcPr>
-                </a:tc>
-                <a:tc>
-                  <a:txBody>
-                    <a:bodyPr/>
-                    <a:lstStyle/>
-                    <a:p>
-                      <a:pPr algn="r"/>
-                      <a:r>
-                        <a:rPr lang="en-FR" sz="1600">
-                          <a:effectLst/>
-                          <a:latin typeface="Liberation Sans"/>
-                        </a:rPr>
-                        <a:t>3.5714285714</a:t>
-                      </a:r>
-                    </a:p>
-                  </a:txBody>
-                  <a:tcPr marL="12761" marR="12761" marT="6380" marB="6380" anchor="ctr">
-                    <a:lnL>
-                      <a:noFill/>
-                    </a:lnL>
-                    <a:lnR>
-                      <a:noFill/>
-                    </a:lnR>
-                    <a:lnT>
-                      <a:noFill/>
-                    </a:lnT>
-                    <a:lnB>
-                      <a:noFill/>
-                    </a:lnB>
-                  </a:tcPr>
-                </a:tc>
-                <a:extLst>
-                  <a:ext uri="{0D108BD9-81ED-4DB2-BD59-A6C34878D82A}">
-                    <a16:rowId xmlns:a16="http://schemas.microsoft.com/office/drawing/2014/main" val="1495144045"/>
-                  </a:ext>
-                </a:extLst>
-              </a:tr>
-              <a:tr h="449486">
-                <a:tc>
-                  <a:txBody>
-                    <a:bodyPr/>
-                    <a:lstStyle/>
-                    <a:p>
-                      <a:pPr algn="l"/>
-                      <a:r>
-                        <a:rPr lang="en-GB" sz="1400" dirty="0">
-                          <a:effectLst/>
-                          <a:latin typeface="Liberation Sans"/>
-                        </a:rPr>
-                        <a:t>/Users/cp/brainstorm/</a:t>
-                      </a:r>
-                      <a:r>
-                        <a:rPr lang="en-GB" sz="1400" dirty="0" err="1">
-                          <a:effectLst/>
-                          <a:latin typeface="Liberation Sans"/>
-                        </a:rPr>
-                        <a:t>evalang</a:t>
-                      </a:r>
-                      <a:r>
-                        <a:rPr lang="en-GB" sz="1400" dirty="0">
-                          <a:effectLst/>
-                          <a:latin typeface="Liberation Sans"/>
-                        </a:rPr>
-                        <a:t>/</a:t>
-                      </a:r>
-                      <a:r>
-                        <a:rPr lang="en-GB" sz="1400" dirty="0" err="1">
-                          <a:effectLst/>
-                          <a:latin typeface="Liberation Sans"/>
-                        </a:rPr>
-                        <a:t>evalang</a:t>
-                      </a:r>
-                      <a:r>
-                        <a:rPr lang="en-GB" sz="1400" dirty="0">
-                          <a:effectLst/>
-                          <a:latin typeface="Liberation Sans"/>
-                        </a:rPr>
-                        <a:t>-private/Data_Mars2023/</a:t>
-                      </a:r>
-                      <a:r>
-                        <a:rPr lang="en-GB" sz="1400" dirty="0" err="1">
-                          <a:effectLst/>
-                          <a:latin typeface="Liberation Sans"/>
-                        </a:rPr>
-                        <a:t>rawtextchi</a:t>
-                      </a:r>
-                      <a:r>
-                        <a:rPr lang="en-GB" sz="1400" dirty="0">
-                          <a:effectLst/>
-                          <a:latin typeface="Liberation Sans"/>
-                        </a:rPr>
-                        <a:t>/TDL/chi_Adam_5.8{GS}.txt</a:t>
-                      </a:r>
-                    </a:p>
-                  </a:txBody>
-                  <a:tcPr marL="12761" marR="12761" marT="6380" marB="6380" anchor="ctr">
-                    <a:lnL>
-                      <a:noFill/>
-                    </a:lnL>
-                    <a:lnR>
-                      <a:noFill/>
-                    </a:lnR>
-                    <a:lnT>
-                      <a:noFill/>
-                    </a:lnT>
-                    <a:lnB>
-                      <a:noFill/>
-                    </a:lnB>
-                  </a:tcPr>
-                </a:tc>
-                <a:tc>
-                  <a:txBody>
-                    <a:bodyPr/>
-                    <a:lstStyle/>
-                    <a:p>
-                      <a:pPr algn="r"/>
-                      <a:r>
-                        <a:rPr lang="en-FR" sz="1600">
-                          <a:effectLst/>
-                          <a:latin typeface="Liberation Sans"/>
-                        </a:rPr>
-                        <a:t>8</a:t>
-                      </a:r>
-                    </a:p>
-                  </a:txBody>
-                  <a:tcPr marL="12761" marR="12761" marT="6380" marB="6380" anchor="ctr">
-                    <a:lnL>
-                      <a:noFill/>
-                    </a:lnL>
-                    <a:lnR>
-                      <a:noFill/>
-                    </a:lnR>
-                    <a:lnT>
-                      <a:noFill/>
-                    </a:lnT>
-                    <a:lnB>
-                      <a:noFill/>
-                    </a:lnB>
-                  </a:tcPr>
-                </a:tc>
-                <a:tc>
-                  <a:txBody>
-                    <a:bodyPr/>
-                    <a:lstStyle/>
-                    <a:p>
-                      <a:pPr algn="l"/>
-                      <a:r>
-                        <a:rPr lang="en-GB" sz="1600">
-                          <a:effectLst/>
-                          <a:latin typeface="Liberation Sans"/>
-                        </a:rPr>
-                        <a:t>oui moi fille.</a:t>
-                      </a:r>
-                      <a:br>
-                        <a:rPr lang="en-GB" sz="1600">
-                          <a:effectLst/>
-                          <a:latin typeface="Liberation Sans"/>
-                        </a:rPr>
-                      </a:br>
-                      <a:r>
-                        <a:rPr lang="en-GB" sz="1600">
-                          <a:effectLst/>
-                          <a:latin typeface="Liberation Sans"/>
-                        </a:rPr>
-                        <a:t>une maman.</a:t>
-                      </a:r>
-                    </a:p>
-                  </a:txBody>
-                  <a:tcPr marL="12761" marR="12761" marT="6380" marB="6380" anchor="ctr">
-                    <a:lnL>
-                      <a:noFill/>
-                    </a:lnL>
-                    <a:lnR>
-                      <a:noFill/>
-                    </a:lnR>
-                    <a:lnT>
-                      <a:noFill/>
-                    </a:lnT>
-                    <a:lnB>
-                      <a:noFill/>
-                    </a:lnB>
-                  </a:tcPr>
-                </a:tc>
-                <a:tc>
-                  <a:txBody>
-                    <a:bodyPr/>
-                    <a:lstStyle/>
-                    <a:p>
-                      <a:pPr algn="r"/>
-                      <a:r>
-                        <a:rPr lang="en-FR" sz="1600">
-                          <a:effectLst/>
-                          <a:latin typeface="Liberation Sans"/>
-                        </a:rPr>
-                        <a:t>4.3552</a:t>
-                      </a:r>
-                    </a:p>
-                  </a:txBody>
-                  <a:tcPr marL="12761" marR="12761" marT="6380" marB="6380" anchor="ctr">
-                    <a:lnL>
-                      <a:noFill/>
-                    </a:lnL>
-                    <a:lnR>
-                      <a:noFill/>
-                    </a:lnR>
-                    <a:lnT>
-                      <a:noFill/>
-                    </a:lnT>
-                    <a:lnB>
-                      <a:noFill/>
-                    </a:lnB>
-                  </a:tcPr>
-                </a:tc>
-                <a:tc>
-                  <a:txBody>
-                    <a:bodyPr/>
-                    <a:lstStyle/>
-                    <a:p>
-                      <a:pPr algn="r"/>
-                      <a:r>
-                        <a:rPr lang="en-FR" sz="1600">
-                          <a:effectLst/>
-                          <a:latin typeface="Liberation Sans"/>
-                        </a:rPr>
-                        <a:t>91.045281792</a:t>
-                      </a:r>
-                    </a:p>
-                  </a:txBody>
-                  <a:tcPr marL="12761" marR="12761" marT="6380" marB="6380" anchor="ctr">
-                    <a:lnL>
-                      <a:noFill/>
-                    </a:lnL>
-                    <a:lnR>
-                      <a:noFill/>
-                    </a:lnR>
-                    <a:lnT>
-                      <a:noFill/>
-                    </a:lnT>
-                    <a:lnB>
-                      <a:noFill/>
-                    </a:lnB>
-                  </a:tcPr>
-                </a:tc>
-                <a:tc>
-                  <a:txBody>
-                    <a:bodyPr/>
-                    <a:lstStyle/>
-                    <a:p>
-                      <a:pPr algn="r"/>
-                      <a:r>
-                        <a:rPr lang="en-FR" sz="1600">
-                          <a:effectLst/>
-                          <a:latin typeface="Liberation Sans"/>
-                        </a:rPr>
-                        <a:t>3.8</a:t>
-                      </a:r>
-                    </a:p>
-                  </a:txBody>
-                  <a:tcPr marL="12761" marR="12761" marT="6380" marB="6380" anchor="ctr">
-                    <a:lnL>
-                      <a:noFill/>
-                    </a:lnL>
-                    <a:lnR>
-                      <a:noFill/>
-                    </a:lnR>
-                    <a:lnT>
-                      <a:noFill/>
-                    </a:lnT>
-                    <a:lnB>
-                      <a:noFill/>
-                    </a:lnB>
-                  </a:tcPr>
-                </a:tc>
-                <a:extLst>
-                  <a:ext uri="{0D108BD9-81ED-4DB2-BD59-A6C34878D82A}">
-                    <a16:rowId xmlns:a16="http://schemas.microsoft.com/office/drawing/2014/main" val="423107800"/>
-                  </a:ext>
-                </a:extLst>
-              </a:tr>
-              <a:tr h="449486">
-                <a:tc>
-                  <a:txBody>
-                    <a:bodyPr/>
-                    <a:lstStyle/>
-                    <a:p>
-                      <a:pPr algn="l"/>
-                      <a:r>
-                        <a:rPr lang="en-GB" sz="1400">
-                          <a:effectLst/>
-                          <a:latin typeface="Liberation Sans"/>
-                        </a:rPr>
-                        <a:t>/Users/cp/brainstorm/evalang/evalang-private/Data_Mars2023/rawtextchi/TDL/chi_Adam_5.8{GS}.txt</a:t>
-                      </a:r>
-                    </a:p>
-                  </a:txBody>
-                  <a:tcPr marL="12761" marR="12761" marT="6380" marB="6380" anchor="ctr">
-                    <a:lnL>
-                      <a:noFill/>
-                    </a:lnL>
-                    <a:lnR>
-                      <a:noFill/>
-                    </a:lnR>
-                    <a:lnT>
-                      <a:noFill/>
-                    </a:lnT>
-                    <a:lnB>
-                      <a:noFill/>
-                    </a:lnB>
-                  </a:tcPr>
-                </a:tc>
-                <a:tc>
-                  <a:txBody>
-                    <a:bodyPr/>
-                    <a:lstStyle/>
-                    <a:p>
-                      <a:pPr algn="r"/>
-                      <a:r>
-                        <a:rPr lang="en-FR" sz="1600">
-                          <a:effectLst/>
-                          <a:latin typeface="Liberation Sans"/>
-                        </a:rPr>
-                        <a:t>9</a:t>
-                      </a:r>
-                    </a:p>
-                  </a:txBody>
-                  <a:tcPr marL="12761" marR="12761" marT="6380" marB="6380" anchor="ctr">
-                    <a:lnL>
-                      <a:noFill/>
-                    </a:lnL>
-                    <a:lnR>
-                      <a:noFill/>
-                    </a:lnR>
-                    <a:lnT>
-                      <a:noFill/>
-                    </a:lnT>
-                    <a:lnB>
-                      <a:noFill/>
-                    </a:lnB>
-                  </a:tcPr>
-                </a:tc>
-                <a:tc>
-                  <a:txBody>
-                    <a:bodyPr/>
-                    <a:lstStyle/>
-                    <a:p>
-                      <a:pPr algn="l"/>
-                      <a:r>
-                        <a:rPr lang="en-GB" sz="1600">
-                          <a:effectLst/>
-                          <a:latin typeface="Liberation Sans"/>
-                        </a:rPr>
-                        <a:t>regarde bébé.</a:t>
-                      </a:r>
-                    </a:p>
-                  </a:txBody>
-                  <a:tcPr marL="12761" marR="12761" marT="6380" marB="6380" anchor="ctr">
-                    <a:lnL>
-                      <a:noFill/>
-                    </a:lnL>
-                    <a:lnR>
-                      <a:noFill/>
-                    </a:lnR>
-                    <a:lnT>
-                      <a:noFill/>
-                    </a:lnT>
-                    <a:lnB>
-                      <a:noFill/>
-                    </a:lnB>
-                  </a:tcPr>
-                </a:tc>
-                <a:tc>
-                  <a:txBody>
-                    <a:bodyPr/>
-                    <a:lstStyle/>
-                    <a:p>
-                      <a:pPr algn="r"/>
-                      <a:r>
-                        <a:rPr lang="en-FR" sz="1600">
-                          <a:effectLst/>
-                          <a:latin typeface="Liberation Sans"/>
-                        </a:rPr>
-                        <a:t>13.6275</a:t>
-                      </a:r>
-                    </a:p>
-                  </a:txBody>
-                  <a:tcPr marL="12761" marR="12761" marT="6380" marB="6380" anchor="ctr">
-                    <a:lnL>
-                      <a:noFill/>
-                    </a:lnL>
-                    <a:lnR>
-                      <a:noFill/>
-                    </a:lnR>
-                    <a:lnT>
-                      <a:noFill/>
-                    </a:lnT>
-                    <a:lnB>
-                      <a:noFill/>
-                    </a:lnB>
-                  </a:tcPr>
-                </a:tc>
-                <a:tc>
-                  <a:txBody>
-                    <a:bodyPr/>
-                    <a:lstStyle/>
-                    <a:p>
-                      <a:pPr algn="r"/>
-                      <a:r>
-                        <a:rPr lang="en-FR" sz="1600">
-                          <a:effectLst/>
-                          <a:latin typeface="Liberation Sans"/>
-                        </a:rPr>
-                        <a:t>278.563134375</a:t>
-                      </a:r>
-                    </a:p>
-                  </a:txBody>
-                  <a:tcPr marL="12761" marR="12761" marT="6380" marB="6380" anchor="ctr">
-                    <a:lnL>
-                      <a:noFill/>
-                    </a:lnL>
-                    <a:lnR>
-                      <a:noFill/>
-                    </a:lnR>
-                    <a:lnT>
-                      <a:noFill/>
-                    </a:lnT>
-                    <a:lnB>
-                      <a:noFill/>
-                    </a:lnB>
-                  </a:tcPr>
-                </a:tc>
-                <a:tc>
-                  <a:txBody>
-                    <a:bodyPr/>
-                    <a:lstStyle/>
-                    <a:p>
-                      <a:pPr algn="r"/>
-                      <a:r>
-                        <a:rPr lang="en-FR" sz="1600">
-                          <a:effectLst/>
-                          <a:latin typeface="Liberation Sans"/>
-                        </a:rPr>
-                        <a:t>5.5</a:t>
-                      </a:r>
-                    </a:p>
-                  </a:txBody>
-                  <a:tcPr marL="12761" marR="12761" marT="6380" marB="6380" anchor="ctr">
-                    <a:lnL>
-                      <a:noFill/>
-                    </a:lnL>
-                    <a:lnR>
-                      <a:noFill/>
-                    </a:lnR>
-                    <a:lnT>
-                      <a:noFill/>
-                    </a:lnT>
-                    <a:lnB>
-                      <a:noFill/>
-                    </a:lnB>
-                  </a:tcPr>
-                </a:tc>
-                <a:extLst>
-                  <a:ext uri="{0D108BD9-81ED-4DB2-BD59-A6C34878D82A}">
-                    <a16:rowId xmlns:a16="http://schemas.microsoft.com/office/drawing/2014/main" val="2653284028"/>
-                  </a:ext>
-                </a:extLst>
-              </a:tr>
-              <a:tr h="449486">
-                <a:tc>
-                  <a:txBody>
-                    <a:bodyPr/>
-                    <a:lstStyle/>
-                    <a:p>
-                      <a:pPr algn="l"/>
-                      <a:r>
-                        <a:rPr lang="en-GB" sz="1400" dirty="0">
-                          <a:effectLst/>
-                          <a:latin typeface="Liberation Sans"/>
-                        </a:rPr>
-                        <a:t>/Users/cp/brainstorm/</a:t>
-                      </a:r>
-                      <a:r>
-                        <a:rPr lang="en-GB" sz="1400" dirty="0" err="1">
-                          <a:effectLst/>
-                          <a:latin typeface="Liberation Sans"/>
-                        </a:rPr>
-                        <a:t>evalang</a:t>
-                      </a:r>
-                      <a:r>
-                        <a:rPr lang="en-GB" sz="1400" dirty="0">
-                          <a:effectLst/>
-                          <a:latin typeface="Liberation Sans"/>
-                        </a:rPr>
-                        <a:t>/</a:t>
-                      </a:r>
-                      <a:r>
-                        <a:rPr lang="en-GB" sz="1400" dirty="0" err="1">
-                          <a:effectLst/>
-                          <a:latin typeface="Liberation Sans"/>
-                        </a:rPr>
-                        <a:t>evalang</a:t>
-                      </a:r>
-                      <a:r>
-                        <a:rPr lang="en-GB" sz="1400" dirty="0">
-                          <a:effectLst/>
-                          <a:latin typeface="Liberation Sans"/>
-                        </a:rPr>
-                        <a:t>-private/Data_Mars2023/</a:t>
-                      </a:r>
-                      <a:r>
-                        <a:rPr lang="en-GB" sz="1400" dirty="0" err="1">
-                          <a:effectLst/>
-                          <a:latin typeface="Liberation Sans"/>
-                        </a:rPr>
-                        <a:t>rawtextchi</a:t>
-                      </a:r>
-                      <a:r>
-                        <a:rPr lang="en-GB" sz="1400" dirty="0">
-                          <a:effectLst/>
-                          <a:latin typeface="Liberation Sans"/>
-                        </a:rPr>
-                        <a:t>/TDL/chi_Adam_5.8{GS}.txt</a:t>
-                      </a:r>
-                    </a:p>
-                  </a:txBody>
-                  <a:tcPr marL="12761" marR="12761" marT="6380" marB="6380" anchor="ctr">
-                    <a:lnL>
-                      <a:noFill/>
-                    </a:lnL>
-                    <a:lnR>
-                      <a:noFill/>
-                    </a:lnR>
-                    <a:lnT>
-                      <a:noFill/>
-                    </a:lnT>
-                    <a:lnB>
-                      <a:noFill/>
-                    </a:lnB>
-                  </a:tcPr>
-                </a:tc>
-                <a:tc>
-                  <a:txBody>
-                    <a:bodyPr/>
-                    <a:lstStyle/>
-                    <a:p>
-                      <a:pPr algn="r"/>
-                      <a:r>
-                        <a:rPr lang="en-FR" sz="1600">
-                          <a:effectLst/>
-                          <a:latin typeface="Liberation Sans"/>
-                        </a:rPr>
-                        <a:t>10</a:t>
-                      </a:r>
-                    </a:p>
-                  </a:txBody>
-                  <a:tcPr marL="12761" marR="12761" marT="6380" marB="6380" anchor="ctr">
-                    <a:lnL>
-                      <a:noFill/>
-                    </a:lnL>
-                    <a:lnR>
-                      <a:noFill/>
-                    </a:lnR>
-                    <a:lnT>
-                      <a:noFill/>
-                    </a:lnT>
-                    <a:lnB>
-                      <a:noFill/>
-                    </a:lnB>
-                  </a:tcPr>
-                </a:tc>
-                <a:tc>
-                  <a:txBody>
-                    <a:bodyPr/>
-                    <a:lstStyle/>
-                    <a:p>
-                      <a:pPr algn="l"/>
-                      <a:r>
-                        <a:rPr lang="en-GB" sz="1600">
-                          <a:effectLst/>
-                          <a:latin typeface="Liberation Sans"/>
-                        </a:rPr>
-                        <a:t>regarde papa.</a:t>
-                      </a:r>
-                      <a:br>
-                        <a:rPr lang="en-GB" sz="1600">
-                          <a:effectLst/>
-                          <a:latin typeface="Liberation Sans"/>
-                        </a:rPr>
-                      </a:br>
-                      <a:r>
-                        <a:rPr lang="en-GB" sz="1600">
-                          <a:effectLst/>
-                          <a:latin typeface="Liberation Sans"/>
-                        </a:rPr>
-                        <a:t>yyy bébé.</a:t>
-                      </a:r>
-                    </a:p>
-                  </a:txBody>
-                  <a:tcPr marL="12761" marR="12761" marT="6380" marB="6380" anchor="ctr">
-                    <a:lnL>
-                      <a:noFill/>
-                    </a:lnL>
-                    <a:lnR>
-                      <a:noFill/>
-                    </a:lnR>
-                    <a:lnT>
-                      <a:noFill/>
-                    </a:lnT>
-                    <a:lnB>
-                      <a:noFill/>
-                    </a:lnB>
-                  </a:tcPr>
-                </a:tc>
-                <a:tc>
-                  <a:txBody>
-                    <a:bodyPr/>
-                    <a:lstStyle/>
-                    <a:p>
-                      <a:pPr algn="r"/>
-                      <a:r>
-                        <a:rPr lang="en-FR" sz="1600">
-                          <a:effectLst/>
-                          <a:latin typeface="Liberation Sans"/>
-                        </a:rPr>
-                        <a:t>4.693125</a:t>
-                      </a:r>
-                    </a:p>
-                  </a:txBody>
-                  <a:tcPr marL="12761" marR="12761" marT="6380" marB="6380" anchor="ctr">
-                    <a:lnL>
-                      <a:noFill/>
-                    </a:lnL>
-                    <a:lnR>
-                      <a:noFill/>
-                    </a:lnR>
-                    <a:lnT>
-                      <a:noFill/>
-                    </a:lnT>
-                    <a:lnB>
-                      <a:noFill/>
-                    </a:lnB>
-                  </a:tcPr>
-                </a:tc>
-                <a:tc>
-                  <a:txBody>
-                    <a:bodyPr/>
-                    <a:lstStyle/>
-                    <a:p>
-                      <a:pPr algn="r"/>
-                      <a:r>
-                        <a:rPr lang="en-FR" sz="1600">
-                          <a:effectLst/>
-                          <a:latin typeface="Liberation Sans"/>
-                        </a:rPr>
-                        <a:t>82.5953334961</a:t>
-                      </a:r>
-                    </a:p>
-                  </a:txBody>
-                  <a:tcPr marL="12761" marR="12761" marT="6380" marB="6380" anchor="ctr">
-                    <a:lnL>
-                      <a:noFill/>
-                    </a:lnL>
-                    <a:lnR>
-                      <a:noFill/>
-                    </a:lnR>
-                    <a:lnT>
-                      <a:noFill/>
-                    </a:lnT>
-                    <a:lnB>
-                      <a:noFill/>
-                    </a:lnB>
-                  </a:tcPr>
-                </a:tc>
-                <a:tc>
-                  <a:txBody>
-                    <a:bodyPr/>
-                    <a:lstStyle/>
-                    <a:p>
-                      <a:pPr algn="r"/>
-                      <a:r>
-                        <a:rPr lang="en-FR" sz="1600" dirty="0">
-                          <a:effectLst/>
-                          <a:latin typeface="Liberation Sans"/>
-                        </a:rPr>
-                        <a:t>4.75</a:t>
-                      </a:r>
-                    </a:p>
-                  </a:txBody>
-                  <a:tcPr marL="12761" marR="12761" marT="6380" marB="6380" anchor="ctr">
-                    <a:lnL>
-                      <a:noFill/>
-                    </a:lnL>
-                    <a:lnR>
-                      <a:noFill/>
-                    </a:lnR>
-                    <a:lnT>
-                      <a:noFill/>
-                    </a:lnT>
-                    <a:lnB>
-                      <a:noFill/>
-                    </a:lnB>
-                  </a:tcPr>
-                </a:tc>
-                <a:extLst>
-                  <a:ext uri="{0D108BD9-81ED-4DB2-BD59-A6C34878D82A}">
-                    <a16:rowId xmlns:a16="http://schemas.microsoft.com/office/drawing/2014/main" val="2650263120"/>
                   </a:ext>
                 </a:extLst>
               </a:tr>
@@ -13521,9 +15683,17 @@
           <a:bodyPr/>
           <a:lstStyle/>
           <a:p>
-            <a:r>
-              <a:rPr lang="en-FR" dirty="0"/>
-              <a:t>Statistiques pour le corpus COLAJE</a:t>
+            <a:pPr algn="ctr"/>
+            <a:r>
+              <a:rPr lang="en-FR" sz="3200" dirty="0"/>
+              <a:t>Statistiques pour un corpus CLAN/CHAT:</a:t>
+            </a:r>
+            <a:br>
+              <a:rPr lang="en-FR" sz="3200" dirty="0"/>
+            </a:br>
+            <a:r>
+              <a:rPr lang="en-FR" sz="3200" dirty="0"/>
+              <a:t>exemple du corpus COLAJE</a:t>
             </a:r>
           </a:p>
         </p:txBody>
@@ -13600,12 +15770,19 @@
               <a:rPr lang="en-GB" dirty="0"/>
               <a:t>chi_Adrien_2.94.txt</a:t>
             </a:r>
+          </a:p>
+          <a:p>
+            <a:pPr lvl="3"/>
+            <a:r>
+              <a:rPr lang="en-GB" dirty="0"/>
+              <a:t>chi_Emma_7.74{CE1}.txt</a:t>
+            </a:r>
             <a:endParaRPr lang="en-FR" dirty="0"/>
           </a:p>
           <a:p>
             <a:r>
               <a:rPr lang="en-FR" dirty="0"/>
-              <a:t>55 des processeurs proposés ne s’appliquent pas dans le corpus COLAJE Enfant (30 chez les adultes, donc certains processeurs sont liés au développement du langage).</a:t>
+              <a:t>Pour COLAJE, 55 des processeurs proposés ne s’appliquent pas au corpus Enfant (30 chez les adultes, donc certains processeurs sont liés au développement du langage).</a:t>
             </a:r>
           </a:p>
           <a:p>
@@ -14325,4 +16502,299 @@
     </a:ext>
   </a:extLst>
 </a:theme>
+</file>
+
+<file path=ppt/theme/theme2.xml><?xml version="1.0" encoding="utf-8"?>
+<a:theme xmlns:a="http://schemas.openxmlformats.org/drawingml/2006/main" name="Office Theme">
+  <a:themeElements>
+    <a:clrScheme name="Office">
+      <a:dk1>
+        <a:sysClr val="windowText" lastClr="000000"/>
+      </a:dk1>
+      <a:lt1>
+        <a:sysClr val="window" lastClr="FFFFFF"/>
+      </a:lt1>
+      <a:dk2>
+        <a:srgbClr val="44546A"/>
+      </a:dk2>
+      <a:lt2>
+        <a:srgbClr val="E7E6E6"/>
+      </a:lt2>
+      <a:accent1>
+        <a:srgbClr val="4472C4"/>
+      </a:accent1>
+      <a:accent2>
+        <a:srgbClr val="ED7D31"/>
+      </a:accent2>
+      <a:accent3>
+        <a:srgbClr val="A5A5A5"/>
+      </a:accent3>
+      <a:accent4>
+        <a:srgbClr val="FFC000"/>
+      </a:accent4>
+      <a:accent5>
+        <a:srgbClr val="5B9BD5"/>
+      </a:accent5>
+      <a:accent6>
+        <a:srgbClr val="70AD47"/>
+      </a:accent6>
+      <a:hlink>
+        <a:srgbClr val="0563C1"/>
+      </a:hlink>
+      <a:folHlink>
+        <a:srgbClr val="954F72"/>
+      </a:folHlink>
+    </a:clrScheme>
+    <a:fontScheme name="Office">
+      <a:majorFont>
+        <a:latin typeface="Calibri Light" panose="020F0302020204030204"/>
+        <a:ea typeface=""/>
+        <a:cs typeface=""/>
+        <a:font script="Jpan" typeface="游ゴシック Light"/>
+        <a:font script="Hang" typeface="맑은 고딕"/>
+        <a:font script="Hans" typeface="等线 Light"/>
+        <a:font script="Hant" typeface="新細明體"/>
+        <a:font script="Arab" typeface="Times New Roman"/>
+        <a:font script="Hebr" typeface="Times New Roman"/>
+        <a:font script="Thai" typeface="Angsana New"/>
+        <a:font script="Ethi" typeface="Nyala"/>
+        <a:font script="Beng" typeface="Vrinda"/>
+        <a:font script="Gujr" typeface="Shruti"/>
+        <a:font script="Khmr" typeface="MoolBoran"/>
+        <a:font script="Knda" typeface="Tunga"/>
+        <a:font script="Guru" typeface="Raavi"/>
+        <a:font script="Cans" typeface="Euphemia"/>
+        <a:font script="Cher" typeface="Plantagenet Cherokee"/>
+        <a:font script="Yiii" typeface="Microsoft Yi Baiti"/>
+        <a:font script="Tibt" typeface="Microsoft Himalaya"/>
+        <a:font script="Thaa" typeface="MV Boli"/>
+        <a:font script="Deva" typeface="Mangal"/>
+        <a:font script="Telu" typeface="Gautami"/>
+        <a:font script="Taml" typeface="Latha"/>
+        <a:font script="Syrc" typeface="Estrangelo Edessa"/>
+        <a:font script="Orya" typeface="Kalinga"/>
+        <a:font script="Mlym" typeface="Kartika"/>
+        <a:font script="Laoo" typeface="DokChampa"/>
+        <a:font script="Sinh" typeface="Iskoola Pota"/>
+        <a:font script="Mong" typeface="Mongolian Baiti"/>
+        <a:font script="Viet" typeface="Times New Roman"/>
+        <a:font script="Uigh" typeface="Microsoft Uighur"/>
+        <a:font script="Geor" typeface="Sylfaen"/>
+        <a:font script="Armn" typeface="Arial"/>
+        <a:font script="Bugi" typeface="Leelawadee UI"/>
+        <a:font script="Bopo" typeface="Microsoft JhengHei"/>
+        <a:font script="Java" typeface="Javanese Text"/>
+        <a:font script="Lisu" typeface="Segoe UI"/>
+        <a:font script="Mymr" typeface="Myanmar Text"/>
+        <a:font script="Nkoo" typeface="Ebrima"/>
+        <a:font script="Olck" typeface="Nirmala UI"/>
+        <a:font script="Osma" typeface="Ebrima"/>
+        <a:font script="Phag" typeface="Phagspa"/>
+        <a:font script="Syrn" typeface="Estrangelo Edessa"/>
+        <a:font script="Syrj" typeface="Estrangelo Edessa"/>
+        <a:font script="Syre" typeface="Estrangelo Edessa"/>
+        <a:font script="Sora" typeface="Nirmala UI"/>
+        <a:font script="Tale" typeface="Microsoft Tai Le"/>
+        <a:font script="Talu" typeface="Microsoft New Tai Lue"/>
+        <a:font script="Tfng" typeface="Ebrima"/>
+      </a:majorFont>
+      <a:minorFont>
+        <a:latin typeface="Calibri" panose="020F0502020204030204"/>
+        <a:ea typeface=""/>
+        <a:cs typeface=""/>
+        <a:font script="Jpan" typeface="游ゴシック"/>
+        <a:font script="Hang" typeface="맑은 고딕"/>
+        <a:font script="Hans" typeface="等线"/>
+        <a:font script="Hant" typeface="新細明體"/>
+        <a:font script="Arab" typeface="Arial"/>
+        <a:font script="Hebr" typeface="Arial"/>
+        <a:font script="Thai" typeface="Cordia New"/>
+        <a:font script="Ethi" typeface="Nyala"/>
+        <a:font script="Beng" typeface="Vrinda"/>
+        <a:font script="Gujr" typeface="Shruti"/>
+        <a:font script="Khmr" typeface="DaunPenh"/>
+        <a:font script="Knda" typeface="Tunga"/>
+        <a:font script="Guru" typeface="Raavi"/>
+        <a:font script="Cans" typeface="Euphemia"/>
+        <a:font script="Cher" typeface="Plantagenet Cherokee"/>
+        <a:font script="Yiii" typeface="Microsoft Yi Baiti"/>
+        <a:font script="Tibt" typeface="Microsoft Himalaya"/>
+        <a:font script="Thaa" typeface="MV Boli"/>
+        <a:font script="Deva" typeface="Mangal"/>
+        <a:font script="Telu" typeface="Gautami"/>
+        <a:font script="Taml" typeface="Latha"/>
+        <a:font script="Syrc" typeface="Estrangelo Edessa"/>
+        <a:font script="Orya" typeface="Kalinga"/>
+        <a:font script="Mlym" typeface="Kartika"/>
+        <a:font script="Laoo" typeface="DokChampa"/>
+        <a:font script="Sinh" typeface="Iskoola Pota"/>
+        <a:font script="Mong" typeface="Mongolian Baiti"/>
+        <a:font script="Viet" typeface="Arial"/>
+        <a:font script="Uigh" typeface="Microsoft Uighur"/>
+        <a:font script="Geor" typeface="Sylfaen"/>
+        <a:font script="Armn" typeface="Arial"/>
+        <a:font script="Bugi" typeface="Leelawadee UI"/>
+        <a:font script="Bopo" typeface="Microsoft JhengHei"/>
+        <a:font script="Java" typeface="Javanese Text"/>
+        <a:font script="Lisu" typeface="Segoe UI"/>
+        <a:font script="Mymr" typeface="Myanmar Text"/>
+        <a:font script="Nkoo" typeface="Ebrima"/>
+        <a:font script="Olck" typeface="Nirmala UI"/>
+        <a:font script="Osma" typeface="Ebrima"/>
+        <a:font script="Phag" typeface="Phagspa"/>
+        <a:font script="Syrn" typeface="Estrangelo Edessa"/>
+        <a:font script="Syrj" typeface="Estrangelo Edessa"/>
+        <a:font script="Syre" typeface="Estrangelo Edessa"/>
+        <a:font script="Sora" typeface="Nirmala UI"/>
+        <a:font script="Tale" typeface="Microsoft Tai Le"/>
+        <a:font script="Talu" typeface="Microsoft New Tai Lue"/>
+        <a:font script="Tfng" typeface="Ebrima"/>
+      </a:minorFont>
+    </a:fontScheme>
+    <a:fmtScheme name="Office">
+      <a:fillStyleLst>
+        <a:solidFill>
+          <a:schemeClr val="phClr"/>
+        </a:solidFill>
+        <a:gradFill rotWithShape="1">
+          <a:gsLst>
+            <a:gs pos="0">
+              <a:schemeClr val="phClr">
+                <a:lumMod val="110000"/>
+                <a:satMod val="105000"/>
+                <a:tint val="67000"/>
+              </a:schemeClr>
+            </a:gs>
+            <a:gs pos="50000">
+              <a:schemeClr val="phClr">
+                <a:lumMod val="105000"/>
+                <a:satMod val="103000"/>
+                <a:tint val="73000"/>
+              </a:schemeClr>
+            </a:gs>
+            <a:gs pos="100000">
+              <a:schemeClr val="phClr">
+                <a:lumMod val="105000"/>
+                <a:satMod val="109000"/>
+                <a:tint val="81000"/>
+              </a:schemeClr>
+            </a:gs>
+          </a:gsLst>
+          <a:lin ang="5400000" scaled="0"/>
+        </a:gradFill>
+        <a:gradFill rotWithShape="1">
+          <a:gsLst>
+            <a:gs pos="0">
+              <a:schemeClr val="phClr">
+                <a:satMod val="103000"/>
+                <a:lumMod val="102000"/>
+                <a:tint val="94000"/>
+              </a:schemeClr>
+            </a:gs>
+            <a:gs pos="50000">
+              <a:schemeClr val="phClr">
+                <a:satMod val="110000"/>
+                <a:lumMod val="100000"/>
+                <a:shade val="100000"/>
+              </a:schemeClr>
+            </a:gs>
+            <a:gs pos="100000">
+              <a:schemeClr val="phClr">
+                <a:lumMod val="99000"/>
+                <a:satMod val="120000"/>
+                <a:shade val="78000"/>
+              </a:schemeClr>
+            </a:gs>
+          </a:gsLst>
+          <a:lin ang="5400000" scaled="0"/>
+        </a:gradFill>
+      </a:fillStyleLst>
+      <a:lnStyleLst>
+        <a:ln w="6350" cap="flat" cmpd="sng" algn="ctr">
+          <a:solidFill>
+            <a:schemeClr val="phClr"/>
+          </a:solidFill>
+          <a:prstDash val="solid"/>
+          <a:miter lim="800000"/>
+        </a:ln>
+        <a:ln w="12700" cap="flat" cmpd="sng" algn="ctr">
+          <a:solidFill>
+            <a:schemeClr val="phClr"/>
+          </a:solidFill>
+          <a:prstDash val="solid"/>
+          <a:miter lim="800000"/>
+        </a:ln>
+        <a:ln w="19050" cap="flat" cmpd="sng" algn="ctr">
+          <a:solidFill>
+            <a:schemeClr val="phClr"/>
+          </a:solidFill>
+          <a:prstDash val="solid"/>
+          <a:miter lim="800000"/>
+        </a:ln>
+      </a:lnStyleLst>
+      <a:effectStyleLst>
+        <a:effectStyle>
+          <a:effectLst/>
+        </a:effectStyle>
+        <a:effectStyle>
+          <a:effectLst/>
+        </a:effectStyle>
+        <a:effectStyle>
+          <a:effectLst>
+            <a:outerShdw blurRad="57150" dist="19050" dir="5400000" algn="ctr" rotWithShape="0">
+              <a:srgbClr val="000000">
+                <a:alpha val="63000"/>
+              </a:srgbClr>
+            </a:outerShdw>
+          </a:effectLst>
+        </a:effectStyle>
+      </a:effectStyleLst>
+      <a:bgFillStyleLst>
+        <a:solidFill>
+          <a:schemeClr val="phClr"/>
+        </a:solidFill>
+        <a:solidFill>
+          <a:schemeClr val="phClr">
+            <a:tint val="95000"/>
+            <a:satMod val="170000"/>
+          </a:schemeClr>
+        </a:solidFill>
+        <a:gradFill rotWithShape="1">
+          <a:gsLst>
+            <a:gs pos="0">
+              <a:schemeClr val="phClr">
+                <a:tint val="93000"/>
+                <a:satMod val="150000"/>
+                <a:shade val="98000"/>
+                <a:lumMod val="102000"/>
+              </a:schemeClr>
+            </a:gs>
+            <a:gs pos="50000">
+              <a:schemeClr val="phClr">
+                <a:tint val="98000"/>
+                <a:satMod val="130000"/>
+                <a:shade val="90000"/>
+                <a:lumMod val="103000"/>
+              </a:schemeClr>
+            </a:gs>
+            <a:gs pos="100000">
+              <a:schemeClr val="phClr">
+                <a:shade val="63000"/>
+                <a:satMod val="120000"/>
+              </a:schemeClr>
+            </a:gs>
+          </a:gsLst>
+          <a:lin ang="5400000" scaled="0"/>
+        </a:gradFill>
+      </a:bgFillStyleLst>
+    </a:fmtScheme>
+  </a:themeElements>
+  <a:objectDefaults/>
+  <a:extraClrSchemeLst/>
+  <a:extLst>
+    <a:ext uri="{05A4C25C-085E-4340-85A3-A5531E510DB2}">
+      <thm15:themeFamily xmlns:thm15="http://schemas.microsoft.com/office/thememl/2012/main" name="Office Theme" id="{62F939B6-93AF-4DB8-9C6B-D6C7DFDC589F}" vid="{4A3C46E8-61CC-4603-A589-7422A47A8E4A}"/>
+    </a:ext>
+  </a:extLst>
+</a:theme>
 </file>